--- a/ApresentaçãoArquitetura_V2.pptx
+++ b/ApresentaçãoArquitetura_V2.pptx
@@ -5428,7 +5428,7 @@
         <p:spPr>
           <a:xfrm>
             <a:off x="1642506" y="3269852"/>
-            <a:ext cx="4453494" cy="1384995"/>
+            <a:ext cx="4506694" cy="1384995"/>
           </a:xfrm>
           <a:prstGeom prst="roundRect">
             <a:avLst/>
@@ -5490,8 +5490,8 @@
         </p:nvSpPr>
         <p:spPr>
           <a:xfrm>
-            <a:off x="1902733" y="3269852"/>
-            <a:ext cx="4154477" cy="1384995"/>
+            <a:off x="1968914" y="3269852"/>
+            <a:ext cx="3994214" cy="1384995"/>
           </a:xfrm>
           <a:prstGeom prst="rect">
             <a:avLst/>
@@ -8564,8 +8564,8 @@
         </p:nvSpPr>
         <p:spPr>
           <a:xfrm>
-            <a:off x="10075467" y="4888328"/>
-            <a:ext cx="2829569" cy="299184"/>
+            <a:off x="10075466" y="4774082"/>
+            <a:ext cx="2829569" cy="2108911"/>
           </a:xfrm>
           <a:prstGeom prst="rect">
             <a:avLst/>
@@ -8577,48 +8577,44 @@
           </a:bodyPr>
           <a:lstStyle/>
           <a:p>
+            <a:pPr>
+              <a:lnSpc>
+                <a:spcPct val="120000"/>
+              </a:lnSpc>
+            </a:pPr>
+            <a:r>
+              <a:rPr lang="pt-PT" sz="1400" b="1" dirty="0">
+                <a:latin typeface="Arial" panose="020B0604020202020204" pitchFamily="34" charset="0"/>
+                <a:ea typeface="Lato" panose="020F0502020204030203" pitchFamily="34" charset="0"/>
+                <a:cs typeface="Arial" panose="020B0604020202020204" pitchFamily="34" charset="0"/>
+              </a:rPr>
+              <a:t>José Carreira</a:t>
+            </a:r>
+          </a:p>
+          <a:p>
             <a:pPr rtl="0">
               <a:lnSpc>
                 <a:spcPct val="120000"/>
               </a:lnSpc>
             </a:pPr>
-            <a:r>
-              <a:rPr lang="pt-PT" sz="1200" b="1" dirty="0">
-                <a:latin typeface="Calibri" panose="020F0502020204030204" pitchFamily="34" charset="0"/>
-                <a:ea typeface="Lato" panose="020F0502020204030203" pitchFamily="34" charset="0"/>
-                <a:cs typeface="Lato" panose="020F0502020204030203" pitchFamily="34" charset="0"/>
-              </a:rPr>
-              <a:t>José Pedro Gomes</a:t>
-            </a:r>
+            <a:endParaRPr lang="pt-PT" sz="1400" b="1" dirty="0">
+              <a:latin typeface="Arial" panose="020B0604020202020204" pitchFamily="34" charset="0"/>
+              <a:ea typeface="Lato" panose="020F0502020204030203" pitchFamily="34" charset="0"/>
+              <a:cs typeface="Arial" panose="020B0604020202020204" pitchFamily="34" charset="0"/>
+            </a:endParaRPr>
           </a:p>
-        </p:txBody>
-      </p:sp>
-      <p:sp>
-        <p:nvSpPr>
-          <p:cNvPr id="14" name="Retângulo 13">
-            <a:extLst>
-              <a:ext uri="{FF2B5EF4-FFF2-40B4-BE49-F238E27FC236}">
-                <a16:creationId xmlns:a16="http://schemas.microsoft.com/office/drawing/2014/main" id="{D4D3F890-A3E4-3F53-7217-6508C5D6547A}"/>
-              </a:ext>
-            </a:extLst>
-          </p:cNvPr>
-          <p:cNvSpPr/>
-          <p:nvPr/>
-        </p:nvSpPr>
-        <p:spPr>
-          <a:xfrm>
-            <a:off x="10075467" y="5283637"/>
-            <a:ext cx="2829569" cy="299184"/>
-          </a:xfrm>
-          <a:prstGeom prst="rect">
-            <a:avLst/>
-          </a:prstGeom>
-        </p:spPr>
-        <p:txBody>
-          <a:bodyPr wrap="square" rtlCol="0">
-            <a:spAutoFit/>
-          </a:bodyPr>
-          <a:lstStyle/>
+          <a:p>
+            <a:pPr rtl="0">
+              <a:lnSpc>
+                <a:spcPct val="120000"/>
+              </a:lnSpc>
+            </a:pPr>
+            <a:endParaRPr lang="pt-PT" sz="1400" b="1" dirty="0">
+              <a:latin typeface="Arial" panose="020B0604020202020204" pitchFamily="34" charset="0"/>
+              <a:ea typeface="Lato" panose="020F0502020204030203" pitchFamily="34" charset="0"/>
+              <a:cs typeface="Arial" panose="020B0604020202020204" pitchFamily="34" charset="0"/>
+            </a:endParaRPr>
+          </a:p>
           <a:p>
             <a:pPr rtl="0">
               <a:lnSpc>
@@ -8626,56 +8622,64 @@
               </a:lnSpc>
             </a:pPr>
             <a:r>
-              <a:rPr lang="pt-PT" sz="1200" b="1" dirty="0">
-                <a:latin typeface="Calibri" panose="020F0502020204030204" pitchFamily="34" charset="0"/>
+              <a:rPr lang="pt-PT" sz="1400" b="1" dirty="0">
+                <a:latin typeface="Arial" panose="020B0604020202020204" pitchFamily="34" charset="0"/>
                 <a:ea typeface="Lato" panose="020F0502020204030203" pitchFamily="34" charset="0"/>
-                <a:cs typeface="Lato" panose="020F0502020204030203" pitchFamily="34" charset="0"/>
+                <a:cs typeface="Arial" panose="020B0604020202020204" pitchFamily="34" charset="0"/>
               </a:rPr>
-              <a:t>Pedro Carvalho</a:t>
+              <a:t>José Pedro Gomes</a:t>
             </a:r>
           </a:p>
-        </p:txBody>
-      </p:sp>
-      <p:sp>
-        <p:nvSpPr>
-          <p:cNvPr id="15" name="Retângulo 14">
-            <a:extLst>
-              <a:ext uri="{FF2B5EF4-FFF2-40B4-BE49-F238E27FC236}">
-                <a16:creationId xmlns:a16="http://schemas.microsoft.com/office/drawing/2014/main" id="{B8512551-F719-5329-E069-C7404B25E4C7}"/>
-              </a:ext>
-            </a:extLst>
-          </p:cNvPr>
-          <p:cNvSpPr/>
-          <p:nvPr/>
-        </p:nvSpPr>
-        <p:spPr>
-          <a:xfrm>
-            <a:off x="10075467" y="5678946"/>
-            <a:ext cx="2829569" cy="299184"/>
-          </a:xfrm>
-          <a:prstGeom prst="rect">
-            <a:avLst/>
-          </a:prstGeom>
-        </p:spPr>
-        <p:txBody>
-          <a:bodyPr wrap="square" rtlCol="0">
-            <a:spAutoFit/>
-          </a:bodyPr>
-          <a:lstStyle/>
           <a:p>
             <a:pPr rtl="0">
               <a:lnSpc>
                 <a:spcPct val="120000"/>
               </a:lnSpc>
             </a:pPr>
+            <a:endParaRPr lang="pt-PT" sz="1400" b="1" dirty="0">
+              <a:latin typeface="Arial" panose="020B0604020202020204" pitchFamily="34" charset="0"/>
+              <a:ea typeface="Lato" panose="020F0502020204030203" pitchFamily="34" charset="0"/>
+              <a:cs typeface="Arial" panose="020B0604020202020204" pitchFamily="34" charset="0"/>
+            </a:endParaRPr>
+          </a:p>
+          <a:p>
+            <a:pPr rtl="0">
+              <a:lnSpc>
+                <a:spcPct val="120000"/>
+              </a:lnSpc>
+            </a:pPr>
+            <a:endParaRPr lang="pt-PT" sz="1400" b="1" dirty="0">
+              <a:latin typeface="Arial" panose="020B0604020202020204" pitchFamily="34" charset="0"/>
+              <a:ea typeface="Lato" panose="020F0502020204030203" pitchFamily="34" charset="0"/>
+              <a:cs typeface="Arial" panose="020B0604020202020204" pitchFamily="34" charset="0"/>
+            </a:endParaRPr>
+          </a:p>
+          <a:p>
+            <a:pPr>
+              <a:lnSpc>
+                <a:spcPct val="120000"/>
+              </a:lnSpc>
+            </a:pPr>
             <a:r>
-              <a:rPr lang="pt-PT" sz="1200" b="1" dirty="0">
-                <a:latin typeface="Calibri" panose="020F0502020204030204" pitchFamily="34" charset="0"/>
+              <a:rPr lang="pt-PT" sz="1400" b="1" dirty="0">
+                <a:latin typeface="Arial" panose="020B0604020202020204" pitchFamily="34" charset="0"/>
                 <a:ea typeface="Lato" panose="020F0502020204030203" pitchFamily="34" charset="0"/>
-                <a:cs typeface="Lato" panose="020F0502020204030203" pitchFamily="34" charset="0"/>
+                <a:cs typeface="Arial" panose="020B0604020202020204" pitchFamily="34" charset="0"/>
               </a:rPr>
-              <a:t>José Carreira</a:t>
+              <a:t>Pedro Carvalho</a:t>
             </a:r>
+          </a:p>
+          <a:p>
+            <a:pPr rtl="0">
+              <a:lnSpc>
+                <a:spcPct val="120000"/>
+              </a:lnSpc>
+            </a:pPr>
+            <a:endParaRPr lang="pt-PT" sz="1200" b="1" dirty="0">
+              <a:latin typeface="Calibri" panose="020F0502020204030204" pitchFamily="34" charset="0"/>
+              <a:ea typeface="Lato" panose="020F0502020204030203" pitchFamily="34" charset="0"/>
+              <a:cs typeface="Lato" panose="020F0502020204030203" pitchFamily="34" charset="0"/>
+            </a:endParaRPr>
           </a:p>
         </p:txBody>
       </p:sp>
@@ -8829,94 +8833,6 @@
                             </p:childTnLst>
                           </p:cTn>
                         </p:par>
-                        <p:par>
-                          <p:cTn id="13" fill="hold">
-                            <p:stCondLst>
-                              <p:cond delay="1000"/>
-                            </p:stCondLst>
-                            <p:childTnLst>
-                              <p:par>
-                                <p:cTn id="14" presetID="22" presetClass="entr" presetSubtype="8" fill="hold" grpId="0" nodeType="afterEffect">
-                                  <p:stCondLst>
-                                    <p:cond delay="0"/>
-                                  </p:stCondLst>
-                                  <p:childTnLst>
-                                    <p:set>
-                                      <p:cBhvr>
-                                        <p:cTn id="15" dur="1" fill="hold">
-                                          <p:stCondLst>
-                                            <p:cond delay="0"/>
-                                          </p:stCondLst>
-                                        </p:cTn>
-                                        <p:tgtEl>
-                                          <p:spTgt spid="14"/>
-                                        </p:tgtEl>
-                                        <p:attrNameLst>
-                                          <p:attrName>style.visibility</p:attrName>
-                                        </p:attrNameLst>
-                                      </p:cBhvr>
-                                      <p:to>
-                                        <p:strVal val="visible"/>
-                                      </p:to>
-                                    </p:set>
-                                    <p:animEffect transition="in" filter="wipe(left)">
-                                      <p:cBhvr>
-                                        <p:cTn id="16" dur="500"/>
-                                        <p:tgtEl>
-                                          <p:spTgt spid="14"/>
-                                        </p:tgtEl>
-                                      </p:cBhvr>
-                                    </p:animEffect>
-                                  </p:childTnLst>
-                                </p:cTn>
-                              </p:par>
-                            </p:childTnLst>
-                          </p:cTn>
-                        </p:par>
-                        <p:par>
-                          <p:cTn id="17" fill="hold">
-                            <p:stCondLst>
-                              <p:cond delay="1500"/>
-                            </p:stCondLst>
-                            <p:childTnLst>
-                              <p:par>
-                                <p:cTn id="18" presetID="22" presetClass="entr" presetSubtype="8" fill="hold" grpId="0" nodeType="afterEffect">
-                                  <p:stCondLst>
-                                    <p:cond delay="0"/>
-                                  </p:stCondLst>
-                                  <p:childTnLst>
-                                    <p:set>
-                                      <p:cBhvr>
-                                        <p:cTn id="19" dur="1" fill="hold">
-                                          <p:stCondLst>
-                                            <p:cond delay="0"/>
-                                          </p:stCondLst>
-                                        </p:cTn>
-                                        <p:tgtEl>
-                                          <p:spTgt spid="15"/>
-                                        </p:tgtEl>
-                                        <p:attrNameLst>
-                                          <p:attrName>style.visibility</p:attrName>
-                                        </p:attrNameLst>
-                                      </p:cBhvr>
-                                      <p:to>
-                                        <p:strVal val="visible"/>
-                                      </p:to>
-                                    </p:set>
-                                    <p:animEffect transition="in" filter="wipe(left)">
-                                      <p:cBhvr>
-                                        <p:cTn id="20" dur="500"/>
-                                        <p:tgtEl>
-                                          <p:spTgt spid="15"/>
-                                        </p:tgtEl>
-                                      </p:cBhvr>
-                                    </p:animEffect>
-                                  </p:childTnLst>
-                                </p:cTn>
-                              </p:par>
-                            </p:childTnLst>
-                          </p:cTn>
-                        </p:par>
                       </p:childTnLst>
                     </p:cTn>
                   </p:par>
@@ -8944,8 +8860,6 @@
     <p:bldLst>
       <p:bldP spid="2" grpId="0"/>
       <p:bldP spid="11" grpId="0"/>
-      <p:bldP spid="14" grpId="0"/>
-      <p:bldP spid="15" grpId="0"/>
     </p:bldLst>
   </p:timing>
 </p:sld>
@@ -19532,6 +19446,14 @@
 </file>
 
 <file path=customXml/item1.xml><?xml version="1.0" encoding="utf-8"?>
+<p:properties xmlns:p="http://schemas.microsoft.com/office/2006/metadata/properties" xmlns:xsi="http://www.w3.org/2001/XMLSchema-instance" xmlns:pc="http://schemas.microsoft.com/office/infopath/2007/PartnerControls">
+  <documentManagement>
+    <MediaServiceKeyPoints xmlns="71af3243-3dd4-4a8d-8c0d-dd76da1f02a5" xsi:nil="true"/>
+  </documentManagement>
+</p:properties>
+</file>
+
+<file path=customXml/item2.xml><?xml version="1.0" encoding="utf-8"?>
 <ct:contentTypeSchema xmlns:ct="http://schemas.microsoft.com/office/2006/metadata/contentType" xmlns:ma="http://schemas.microsoft.com/office/2006/metadata/properties/metaAttributes" ct:_="" ma:_="" ma:contentTypeName="Document" ma:contentTypeID="0x01010079F111ED35F8CC479449609E8A0923A6" ma:contentTypeVersion="11" ma:contentTypeDescription="Create a new document." ma:contentTypeScope="" ma:versionID="96291512c1ee715ab617f4c07df79fc1">
   <xsd:schema xmlns:xsd="http://www.w3.org/2001/XMLSchema" xmlns:xs="http://www.w3.org/2001/XMLSchema" xmlns:p="http://schemas.microsoft.com/office/2006/metadata/properties" xmlns:ns2="71af3243-3dd4-4a8d-8c0d-dd76da1f02a5" xmlns:ns3="16c05727-aa75-4e4a-9b5f-8a80a1165891" targetNamespace="http://schemas.microsoft.com/office/2006/metadata/properties" ma:root="true" ma:fieldsID="8256c27c40ca5c40ce1cf6c44f0205df" ns2:_="" ns3:_="">
     <xsd:import namespace="71af3243-3dd4-4a8d-8c0d-dd76da1f02a5"/>
@@ -19742,14 +19664,6 @@
 </ct:contentTypeSchema>
 </file>
 
-<file path=customXml/item2.xml><?xml version="1.0" encoding="utf-8"?>
-<p:properties xmlns:p="http://schemas.microsoft.com/office/2006/metadata/properties" xmlns:xsi="http://www.w3.org/2001/XMLSchema-instance" xmlns:pc="http://schemas.microsoft.com/office/infopath/2007/PartnerControls">
-  <documentManagement>
-    <MediaServiceKeyPoints xmlns="71af3243-3dd4-4a8d-8c0d-dd76da1f02a5" xsi:nil="true"/>
-  </documentManagement>
-</p:properties>
-</file>
-
 <file path=customXml/item3.xml><?xml version="1.0" encoding="utf-8"?>
 <?mso-contentType ?>
 <FormTemplates xmlns="http://schemas.microsoft.com/sharepoint/v3/contenttype/forms">
@@ -19760,6 +19674,16 @@
 </file>
 
 <file path=customXml/itemProps1.xml><?xml version="1.0" encoding="utf-8"?>
+<ds:datastoreItem xmlns:ds="http://schemas.openxmlformats.org/officeDocument/2006/customXml" ds:itemID="{2AC98A6E-22EC-4DD4-9EEB-7896057C12A3}">
+  <ds:schemaRefs>
+    <ds:schemaRef ds:uri="http://schemas.microsoft.com/office/2006/metadata/properties"/>
+    <ds:schemaRef ds:uri="http://schemas.microsoft.com/office/infopath/2007/PartnerControls"/>
+    <ds:schemaRef ds:uri="71af3243-3dd4-4a8d-8c0d-dd76da1f02a5"/>
+  </ds:schemaRefs>
+</ds:datastoreItem>
+</file>
+
+<file path=customXml/itemProps2.xml><?xml version="1.0" encoding="utf-8"?>
 <ds:datastoreItem xmlns:ds="http://schemas.openxmlformats.org/officeDocument/2006/customXml" ds:itemID="{D3510E7F-70F5-4475-850F-7F9C0A821B3E}">
   <ds:schemaRefs>
     <ds:schemaRef ds:uri="http://schemas.microsoft.com/office/2006/metadata/contentType"/>
@@ -19778,16 +19702,6 @@
 </ds:datastoreItem>
 </file>
 
-<file path=customXml/itemProps2.xml><?xml version="1.0" encoding="utf-8"?>
-<ds:datastoreItem xmlns:ds="http://schemas.openxmlformats.org/officeDocument/2006/customXml" ds:itemID="{2AC98A6E-22EC-4DD4-9EEB-7896057C12A3}">
-  <ds:schemaRefs>
-    <ds:schemaRef ds:uri="http://schemas.microsoft.com/office/2006/metadata/properties"/>
-    <ds:schemaRef ds:uri="http://schemas.microsoft.com/office/infopath/2007/PartnerControls"/>
-    <ds:schemaRef ds:uri="71af3243-3dd4-4a8d-8c0d-dd76da1f02a5"/>
-  </ds:schemaRefs>
-</ds:datastoreItem>
-</file>
-
 <file path=customXml/itemProps3.xml><?xml version="1.0" encoding="utf-8"?>
 <ds:datastoreItem xmlns:ds="http://schemas.openxmlformats.org/officeDocument/2006/customXml" ds:itemID="{CBCEF3AB-10D4-49E3-B75C-776D60141D78}">
   <ds:schemaRefs>

--- a/ApresentaçãoArquitetura_V2.pptx
+++ b/ApresentaçãoArquitetura_V2.pptx
@@ -2,13 +2,13 @@
 <file path=ppt/presentation.xml><?xml version="1.0" encoding="utf-8"?>
 <p:presentation xmlns:a="http://schemas.openxmlformats.org/drawingml/2006/main" xmlns:r="http://schemas.openxmlformats.org/officeDocument/2006/relationships" xmlns:p="http://schemas.openxmlformats.org/presentationml/2006/main" saveSubsetFonts="1" autoCompressPictures="0">
   <p:sldMasterIdLst>
-    <p:sldMasterId id="2147483648" r:id="rId4"/>
+    <p:sldMasterId id="2147483802" r:id="rId4"/>
   </p:sldMasterIdLst>
   <p:notesMasterIdLst>
-    <p:notesMasterId r:id="rId19"/>
+    <p:notesMasterId r:id="rId20"/>
   </p:notesMasterIdLst>
   <p:handoutMasterIdLst>
-    <p:handoutMasterId r:id="rId20"/>
+    <p:handoutMasterId r:id="rId21"/>
   </p:handoutMasterIdLst>
   <p:sldIdLst>
     <p:sldId id="270" r:id="rId5"/>
@@ -24,15 +24,16 @@
     <p:sldId id="752" r:id="rId15"/>
     <p:sldId id="753" r:id="rId16"/>
     <p:sldId id="755" r:id="rId17"/>
-    <p:sldId id="754" r:id="rId18"/>
+    <p:sldId id="757" r:id="rId18"/>
+    <p:sldId id="754" r:id="rId19"/>
   </p:sldIdLst>
   <p:sldSz cx="12192000" cy="6858000"/>
   <p:notesSz cx="6858000" cy="9144000"/>
   <p:defaultTextStyle>
-    <a:defPPr rtl="0">
-      <a:defRPr lang="pt-pt"/>
+    <a:defPPr>
+      <a:defRPr lang="en-US"/>
     </a:defPPr>
-    <a:lvl1pPr marL="0" algn="l" defTabSz="914400" rtl="0" eaLnBrk="1" latinLnBrk="0" hangingPunct="1">
+    <a:lvl1pPr marL="0" algn="l" defTabSz="457200" rtl="0" eaLnBrk="1" latinLnBrk="0" hangingPunct="1">
       <a:defRPr sz="1800" kern="1200">
         <a:solidFill>
           <a:schemeClr val="tx1"/>
@@ -42,7 +43,7 @@
         <a:cs typeface="+mn-cs"/>
       </a:defRPr>
     </a:lvl1pPr>
-    <a:lvl2pPr marL="457200" algn="l" defTabSz="914400" rtl="0" eaLnBrk="1" latinLnBrk="0" hangingPunct="1">
+    <a:lvl2pPr marL="457200" algn="l" defTabSz="457200" rtl="0" eaLnBrk="1" latinLnBrk="0" hangingPunct="1">
       <a:defRPr sz="1800" kern="1200">
         <a:solidFill>
           <a:schemeClr val="tx1"/>
@@ -52,7 +53,7 @@
         <a:cs typeface="+mn-cs"/>
       </a:defRPr>
     </a:lvl2pPr>
-    <a:lvl3pPr marL="914400" algn="l" defTabSz="914400" rtl="0" eaLnBrk="1" latinLnBrk="0" hangingPunct="1">
+    <a:lvl3pPr marL="914400" algn="l" defTabSz="457200" rtl="0" eaLnBrk="1" latinLnBrk="0" hangingPunct="1">
       <a:defRPr sz="1800" kern="1200">
         <a:solidFill>
           <a:schemeClr val="tx1"/>
@@ -62,7 +63,7 @@
         <a:cs typeface="+mn-cs"/>
       </a:defRPr>
     </a:lvl3pPr>
-    <a:lvl4pPr marL="1371600" algn="l" defTabSz="914400" rtl="0" eaLnBrk="1" latinLnBrk="0" hangingPunct="1">
+    <a:lvl4pPr marL="1371600" algn="l" defTabSz="457200" rtl="0" eaLnBrk="1" latinLnBrk="0" hangingPunct="1">
       <a:defRPr sz="1800" kern="1200">
         <a:solidFill>
           <a:schemeClr val="tx1"/>
@@ -72,7 +73,7 @@
         <a:cs typeface="+mn-cs"/>
       </a:defRPr>
     </a:lvl4pPr>
-    <a:lvl5pPr marL="1828800" algn="l" defTabSz="914400" rtl="0" eaLnBrk="1" latinLnBrk="0" hangingPunct="1">
+    <a:lvl5pPr marL="1828800" algn="l" defTabSz="457200" rtl="0" eaLnBrk="1" latinLnBrk="0" hangingPunct="1">
       <a:defRPr sz="1800" kern="1200">
         <a:solidFill>
           <a:schemeClr val="tx1"/>
@@ -82,7 +83,7 @@
         <a:cs typeface="+mn-cs"/>
       </a:defRPr>
     </a:lvl5pPr>
-    <a:lvl6pPr marL="2286000" algn="l" defTabSz="914400" rtl="0" eaLnBrk="1" latinLnBrk="0" hangingPunct="1">
+    <a:lvl6pPr marL="2286000" algn="l" defTabSz="457200" rtl="0" eaLnBrk="1" latinLnBrk="0" hangingPunct="1">
       <a:defRPr sz="1800" kern="1200">
         <a:solidFill>
           <a:schemeClr val="tx1"/>
@@ -92,7 +93,7 @@
         <a:cs typeface="+mn-cs"/>
       </a:defRPr>
     </a:lvl6pPr>
-    <a:lvl7pPr marL="2743200" algn="l" defTabSz="914400" rtl="0" eaLnBrk="1" latinLnBrk="0" hangingPunct="1">
+    <a:lvl7pPr marL="2743200" algn="l" defTabSz="457200" rtl="0" eaLnBrk="1" latinLnBrk="0" hangingPunct="1">
       <a:defRPr sz="1800" kern="1200">
         <a:solidFill>
           <a:schemeClr val="tx1"/>
@@ -102,7 +103,7 @@
         <a:cs typeface="+mn-cs"/>
       </a:defRPr>
     </a:lvl7pPr>
-    <a:lvl8pPr marL="3200400" algn="l" defTabSz="914400" rtl="0" eaLnBrk="1" latinLnBrk="0" hangingPunct="1">
+    <a:lvl8pPr marL="3200400" algn="l" defTabSz="457200" rtl="0" eaLnBrk="1" latinLnBrk="0" hangingPunct="1">
       <a:defRPr sz="1800" kern="1200">
         <a:solidFill>
           <a:schemeClr val="tx1"/>
@@ -112,7 +113,7 @@
         <a:cs typeface="+mn-cs"/>
       </a:defRPr>
     </a:lvl8pPr>
-    <a:lvl9pPr marL="3657600" algn="l" defTabSz="914400" rtl="0" eaLnBrk="1" latinLnBrk="0" hangingPunct="1">
+    <a:lvl9pPr marL="3657600" algn="l" defTabSz="457200" rtl="0" eaLnBrk="1" latinLnBrk="0" hangingPunct="1">
       <a:defRPr sz="1800" kern="1200">
         <a:solidFill>
           <a:schemeClr val="tx1"/>
@@ -154,7 +155,7 @@
 <file path=ppt/charts/chart1.xml><?xml version="1.0" encoding="utf-8"?>
 <c:chartSpace xmlns:c="http://schemas.openxmlformats.org/drawingml/2006/chart" xmlns:a="http://schemas.openxmlformats.org/drawingml/2006/main" xmlns:r="http://schemas.openxmlformats.org/officeDocument/2006/relationships" xmlns:c16r2="http://schemas.microsoft.com/office/drawing/2015/06/chart">
   <c:date1904 val="0"/>
-  <c:lang val="pt-PT"/>
+  <c:lang val="en-US"/>
   <c:roundedCorners val="0"/>
   <mc:AlternateContent xmlns:mc="http://schemas.openxmlformats.org/markup-compatibility/2006">
     <mc:Choice xmlns:c14="http://schemas.microsoft.com/office/drawing/2007/8/2/chart" Requires="c14">
@@ -207,7 +208,7 @@
       <a:pPr>
         <a:defRPr/>
       </a:pPr>
-      <a:endParaRPr lang="pt-PT"/>
+      <a:endParaRPr lang="en-US"/>
     </a:p>
   </c:txPr>
   <c:externalData r:id="rId3">
@@ -219,7 +220,7 @@
 <file path=ppt/charts/chart2.xml><?xml version="1.0" encoding="utf-8"?>
 <c:chartSpace xmlns:c="http://schemas.openxmlformats.org/drawingml/2006/chart" xmlns:a="http://schemas.openxmlformats.org/drawingml/2006/main" xmlns:r="http://schemas.openxmlformats.org/officeDocument/2006/relationships" xmlns:c16r2="http://schemas.microsoft.com/office/drawing/2015/06/chart">
   <c:date1904 val="0"/>
-  <c:lang val="pt-PT"/>
+  <c:lang val="en-US"/>
   <c:roundedCorners val="0"/>
   <mc:AlternateContent xmlns:mc="http://schemas.openxmlformats.org/markup-compatibility/2006">
     <mc:Choice xmlns:c14="http://schemas.microsoft.com/office/drawing/2007/8/2/chart" Requires="c14">
@@ -272,7 +273,7 @@
       <a:pPr>
         <a:defRPr/>
       </a:pPr>
-      <a:endParaRPr lang="pt-PT"/>
+      <a:endParaRPr lang="en-US"/>
     </a:p>
   </c:txPr>
   <c:externalData r:id="rId3">
@@ -1473,7 +1474,7 @@
             <a:pPr rtl="0"/>
             <a:fld id="{0EDB89D3-056A-4F4C-8125-EA7126289545}" type="slidenum">
               <a:rPr lang="pt-PT" smtClean="0"/>
-              <a:t>‹nº›</a:t>
+              <a:t>‹#›</a:t>
             </a:fld>
             <a:endParaRPr lang="pt-PT"/>
           </a:p>
@@ -1736,7 +1737,7 @@
             <a:pPr rtl="0"/>
             <a:fld id="{7F220CB7-DCA5-4E5B-97F1-300CDD8D2AAB}" type="slidenum">
               <a:rPr lang="pt-PT" noProof="0" smtClean="0"/>
-              <a:t>‹nº›</a:t>
+              <a:t>‹#›</a:t>
             </a:fld>
             <a:endParaRPr lang="pt-PT" noProof="0"/>
           </a:p>
@@ -2343,7 +2344,7 @@
             <a:pPr rtl="0"/>
             <a:fld id="{7F220CB7-DCA5-4E5B-97F1-300CDD8D2AAB}" type="slidenum">
               <a:rPr lang="pt-PT" smtClean="0"/>
-              <a:t>14</a:t>
+              <a:t>15</a:t>
             </a:fld>
             <a:endParaRPr lang="pt-PT"/>
           </a:p>
@@ -3051,7 +3052,2761 @@
 </file>
 
 <file path=ppt/slideLayouts/slideLayout1.xml><?xml version="1.0" encoding="utf-8"?>
-<p:sldLayout xmlns:a="http://schemas.openxmlformats.org/drawingml/2006/main" xmlns:r="http://schemas.openxmlformats.org/officeDocument/2006/relationships" xmlns:p="http://schemas.openxmlformats.org/presentationml/2006/main" showMasterSp="0" preserve="1" userDrawn="1">
+<p:sldLayout xmlns:a="http://schemas.openxmlformats.org/drawingml/2006/main" xmlns:r="http://schemas.openxmlformats.org/officeDocument/2006/relationships" xmlns:p="http://schemas.openxmlformats.org/presentationml/2006/main" showMasterSp="0" type="title" preserve="1">
+  <p:cSld name="Title Slide">
+    <p:spTree>
+      <p:nvGrpSpPr>
+        <p:cNvPr id="1" name=""/>
+        <p:cNvGrpSpPr/>
+        <p:nvPr/>
+      </p:nvGrpSpPr>
+      <p:grpSpPr>
+        <a:xfrm>
+          <a:off x="0" y="0"/>
+          <a:ext cx="0" cy="0"/>
+          <a:chOff x="0" y="0"/>
+          <a:chExt cx="0" cy="0"/>
+        </a:xfrm>
+      </p:grpSpPr>
+      <p:grpSp>
+        <p:nvGrpSpPr>
+          <p:cNvPr id="7" name="Group 6"/>
+          <p:cNvGrpSpPr/>
+          <p:nvPr/>
+        </p:nvGrpSpPr>
+        <p:grpSpPr>
+          <a:xfrm>
+            <a:off x="0" y="-8467"/>
+            <a:ext cx="12192000" cy="6866467"/>
+            <a:chOff x="0" y="-8467"/>
+            <a:chExt cx="12192000" cy="6866467"/>
+          </a:xfrm>
+        </p:grpSpPr>
+        <p:cxnSp>
+          <p:nvCxnSpPr>
+            <p:cNvPr id="32" name="Straight Connector 31"/>
+            <p:cNvCxnSpPr/>
+            <p:nvPr/>
+          </p:nvCxnSpPr>
+          <p:spPr>
+            <a:xfrm>
+              <a:off x="9371012" y="0"/>
+              <a:ext cx="1219200" cy="6858000"/>
+            </a:xfrm>
+            <a:prstGeom prst="line">
+              <a:avLst/>
+            </a:prstGeom>
+            <a:ln w="9525">
+              <a:solidFill>
+                <a:schemeClr val="bg1">
+                  <a:lumMod val="75000"/>
+                </a:schemeClr>
+              </a:solidFill>
+            </a:ln>
+          </p:spPr>
+          <p:style>
+            <a:lnRef idx="2">
+              <a:schemeClr val="accent1"/>
+            </a:lnRef>
+            <a:fillRef idx="0">
+              <a:schemeClr val="accent1"/>
+            </a:fillRef>
+            <a:effectRef idx="1">
+              <a:schemeClr val="accent1"/>
+            </a:effectRef>
+            <a:fontRef idx="minor">
+              <a:schemeClr val="tx1"/>
+            </a:fontRef>
+          </p:style>
+        </p:cxnSp>
+        <p:cxnSp>
+          <p:nvCxnSpPr>
+            <p:cNvPr id="21" name="Straight Connector 20"/>
+            <p:cNvCxnSpPr/>
+            <p:nvPr/>
+          </p:nvCxnSpPr>
+          <p:spPr>
+            <a:xfrm flipH="1">
+              <a:off x="7425267" y="3681413"/>
+              <a:ext cx="4763558" cy="3176587"/>
+            </a:xfrm>
+            <a:prstGeom prst="line">
+              <a:avLst/>
+            </a:prstGeom>
+            <a:ln w="9525">
+              <a:solidFill>
+                <a:schemeClr val="bg1">
+                  <a:lumMod val="85000"/>
+                </a:schemeClr>
+              </a:solidFill>
+            </a:ln>
+          </p:spPr>
+          <p:style>
+            <a:lnRef idx="2">
+              <a:schemeClr val="accent1"/>
+            </a:lnRef>
+            <a:fillRef idx="0">
+              <a:schemeClr val="accent1"/>
+            </a:fillRef>
+            <a:effectRef idx="1">
+              <a:schemeClr val="accent1"/>
+            </a:effectRef>
+            <a:fontRef idx="minor">
+              <a:schemeClr val="tx1"/>
+            </a:fontRef>
+          </p:style>
+        </p:cxnSp>
+        <p:sp>
+          <p:nvSpPr>
+            <p:cNvPr id="24" name="Rectangle 23"/>
+            <p:cNvSpPr/>
+            <p:nvPr/>
+          </p:nvSpPr>
+          <p:spPr>
+            <a:xfrm>
+              <a:off x="9181476" y="-8467"/>
+              <a:ext cx="3007349" cy="6866467"/>
+            </a:xfrm>
+            <a:custGeom>
+              <a:avLst/>
+              <a:gdLst/>
+              <a:ahLst/>
+              <a:cxnLst/>
+              <a:rect l="l" t="t" r="r" b="b"/>
+              <a:pathLst>
+                <a:path w="3007349" h="6866467">
+                  <a:moveTo>
+                    <a:pt x="2045532" y="0"/>
+                  </a:moveTo>
+                  <a:lnTo>
+                    <a:pt x="3007349" y="0"/>
+                  </a:lnTo>
+                  <a:lnTo>
+                    <a:pt x="3007349" y="6866467"/>
+                  </a:lnTo>
+                  <a:lnTo>
+                    <a:pt x="0" y="6866467"/>
+                  </a:lnTo>
+                  <a:lnTo>
+                    <a:pt x="2045532" y="0"/>
+                  </a:lnTo>
+                  <a:close/>
+                </a:path>
+              </a:pathLst>
+            </a:custGeom>
+            <a:solidFill>
+              <a:schemeClr val="accent1">
+                <a:alpha val="30000"/>
+              </a:schemeClr>
+            </a:solidFill>
+            <a:ln>
+              <a:noFill/>
+            </a:ln>
+            <a:effectLst/>
+          </p:spPr>
+          <p:style>
+            <a:lnRef idx="1">
+              <a:schemeClr val="accent1"/>
+            </a:lnRef>
+            <a:fillRef idx="3">
+              <a:schemeClr val="accent1"/>
+            </a:fillRef>
+            <a:effectRef idx="2">
+              <a:schemeClr val="accent1"/>
+            </a:effectRef>
+            <a:fontRef idx="minor">
+              <a:schemeClr val="lt1"/>
+            </a:fontRef>
+          </p:style>
+        </p:sp>
+        <p:sp>
+          <p:nvSpPr>
+            <p:cNvPr id="26" name="Rectangle 25"/>
+            <p:cNvSpPr/>
+            <p:nvPr/>
+          </p:nvSpPr>
+          <p:spPr>
+            <a:xfrm>
+              <a:off x="9603442" y="-8467"/>
+              <a:ext cx="2588558" cy="6866467"/>
+            </a:xfrm>
+            <a:custGeom>
+              <a:avLst/>
+              <a:gdLst/>
+              <a:ahLst/>
+              <a:cxnLst/>
+              <a:rect l="l" t="t" r="r" b="b"/>
+              <a:pathLst>
+                <a:path w="2573311" h="6866467">
+                  <a:moveTo>
+                    <a:pt x="0" y="0"/>
+                  </a:moveTo>
+                  <a:lnTo>
+                    <a:pt x="2573311" y="0"/>
+                  </a:lnTo>
+                  <a:lnTo>
+                    <a:pt x="2573311" y="6866467"/>
+                  </a:lnTo>
+                  <a:lnTo>
+                    <a:pt x="1202336" y="6866467"/>
+                  </a:lnTo>
+                  <a:lnTo>
+                    <a:pt x="0" y="0"/>
+                  </a:lnTo>
+                  <a:close/>
+                </a:path>
+              </a:pathLst>
+            </a:custGeom>
+            <a:solidFill>
+              <a:schemeClr val="accent1">
+                <a:alpha val="20000"/>
+              </a:schemeClr>
+            </a:solidFill>
+            <a:ln>
+              <a:noFill/>
+            </a:ln>
+            <a:effectLst/>
+          </p:spPr>
+          <p:style>
+            <a:lnRef idx="1">
+              <a:schemeClr val="accent1"/>
+            </a:lnRef>
+            <a:fillRef idx="3">
+              <a:schemeClr val="accent1"/>
+            </a:fillRef>
+            <a:effectRef idx="2">
+              <a:schemeClr val="accent1"/>
+            </a:effectRef>
+            <a:fontRef idx="minor">
+              <a:schemeClr val="lt1"/>
+            </a:fontRef>
+          </p:style>
+        </p:sp>
+        <p:sp>
+          <p:nvSpPr>
+            <p:cNvPr id="27" name="Isosceles Triangle 26"/>
+            <p:cNvSpPr/>
+            <p:nvPr/>
+          </p:nvSpPr>
+          <p:spPr>
+            <a:xfrm>
+              <a:off x="8932333" y="3048000"/>
+              <a:ext cx="3259667" cy="3810000"/>
+            </a:xfrm>
+            <a:prstGeom prst="triangle">
+              <a:avLst>
+                <a:gd name="adj" fmla="val 100000"/>
+              </a:avLst>
+            </a:prstGeom>
+            <a:solidFill>
+              <a:schemeClr val="accent2">
+                <a:alpha val="72000"/>
+              </a:schemeClr>
+            </a:solidFill>
+            <a:ln>
+              <a:noFill/>
+            </a:ln>
+            <a:effectLst/>
+          </p:spPr>
+          <p:style>
+            <a:lnRef idx="1">
+              <a:schemeClr val="accent1"/>
+            </a:lnRef>
+            <a:fillRef idx="3">
+              <a:schemeClr val="accent1"/>
+            </a:fillRef>
+            <a:effectRef idx="2">
+              <a:schemeClr val="accent1"/>
+            </a:effectRef>
+            <a:fontRef idx="minor">
+              <a:schemeClr val="lt1"/>
+            </a:fontRef>
+          </p:style>
+        </p:sp>
+        <p:sp>
+          <p:nvSpPr>
+            <p:cNvPr id="28" name="Rectangle 27"/>
+            <p:cNvSpPr/>
+            <p:nvPr/>
+          </p:nvSpPr>
+          <p:spPr>
+            <a:xfrm>
+              <a:off x="9334500" y="-8467"/>
+              <a:ext cx="2854326" cy="6866467"/>
+            </a:xfrm>
+            <a:custGeom>
+              <a:avLst/>
+              <a:gdLst/>
+              <a:ahLst/>
+              <a:cxnLst/>
+              <a:rect l="l" t="t" r="r" b="b"/>
+              <a:pathLst>
+                <a:path w="2858013" h="6866467">
+                  <a:moveTo>
+                    <a:pt x="0" y="0"/>
+                  </a:moveTo>
+                  <a:lnTo>
+                    <a:pt x="2858013" y="0"/>
+                  </a:lnTo>
+                  <a:lnTo>
+                    <a:pt x="2858013" y="6866467"/>
+                  </a:lnTo>
+                  <a:lnTo>
+                    <a:pt x="2473942" y="6866467"/>
+                  </a:lnTo>
+                  <a:lnTo>
+                    <a:pt x="0" y="0"/>
+                  </a:lnTo>
+                  <a:close/>
+                </a:path>
+              </a:pathLst>
+            </a:custGeom>
+            <a:solidFill>
+              <a:schemeClr val="accent2">
+                <a:lumMod val="75000"/>
+                <a:alpha val="70000"/>
+              </a:schemeClr>
+            </a:solidFill>
+            <a:ln>
+              <a:noFill/>
+            </a:ln>
+            <a:effectLst/>
+          </p:spPr>
+          <p:style>
+            <a:lnRef idx="1">
+              <a:schemeClr val="accent1"/>
+            </a:lnRef>
+            <a:fillRef idx="3">
+              <a:schemeClr val="accent1"/>
+            </a:fillRef>
+            <a:effectRef idx="2">
+              <a:schemeClr val="accent1"/>
+            </a:effectRef>
+            <a:fontRef idx="minor">
+              <a:schemeClr val="lt1"/>
+            </a:fontRef>
+          </p:style>
+        </p:sp>
+        <p:sp>
+          <p:nvSpPr>
+            <p:cNvPr id="29" name="Rectangle 28"/>
+            <p:cNvSpPr/>
+            <p:nvPr/>
+          </p:nvSpPr>
+          <p:spPr>
+            <a:xfrm>
+              <a:off x="10898730" y="-8467"/>
+              <a:ext cx="1290094" cy="6866467"/>
+            </a:xfrm>
+            <a:custGeom>
+              <a:avLst/>
+              <a:gdLst/>
+              <a:ahLst/>
+              <a:cxnLst/>
+              <a:rect l="l" t="t" r="r" b="b"/>
+              <a:pathLst>
+                <a:path w="1290094" h="6858000">
+                  <a:moveTo>
+                    <a:pt x="1019735" y="0"/>
+                  </a:moveTo>
+                  <a:lnTo>
+                    <a:pt x="1290094" y="0"/>
+                  </a:lnTo>
+                  <a:lnTo>
+                    <a:pt x="1290094" y="6858000"/>
+                  </a:lnTo>
+                  <a:lnTo>
+                    <a:pt x="0" y="6858000"/>
+                  </a:lnTo>
+                  <a:lnTo>
+                    <a:pt x="1019735" y="0"/>
+                  </a:lnTo>
+                  <a:close/>
+                </a:path>
+              </a:pathLst>
+            </a:custGeom>
+            <a:solidFill>
+              <a:schemeClr val="accent1">
+                <a:lumMod val="60000"/>
+                <a:lumOff val="40000"/>
+                <a:alpha val="70000"/>
+              </a:schemeClr>
+            </a:solidFill>
+            <a:ln>
+              <a:noFill/>
+            </a:ln>
+            <a:effectLst/>
+          </p:spPr>
+          <p:style>
+            <a:lnRef idx="1">
+              <a:schemeClr val="accent1"/>
+            </a:lnRef>
+            <a:fillRef idx="3">
+              <a:schemeClr val="accent1"/>
+            </a:fillRef>
+            <a:effectRef idx="2">
+              <a:schemeClr val="accent1"/>
+            </a:effectRef>
+            <a:fontRef idx="minor">
+              <a:schemeClr val="lt1"/>
+            </a:fontRef>
+          </p:style>
+        </p:sp>
+        <p:sp>
+          <p:nvSpPr>
+            <p:cNvPr id="30" name="Rectangle 29"/>
+            <p:cNvSpPr/>
+            <p:nvPr/>
+          </p:nvSpPr>
+          <p:spPr>
+            <a:xfrm>
+              <a:off x="10938999" y="-8467"/>
+              <a:ext cx="1249825" cy="6866467"/>
+            </a:xfrm>
+            <a:custGeom>
+              <a:avLst/>
+              <a:gdLst/>
+              <a:ahLst/>
+              <a:cxnLst/>
+              <a:rect l="l" t="t" r="r" b="b"/>
+              <a:pathLst>
+                <a:path w="1249825" h="6858000">
+                  <a:moveTo>
+                    <a:pt x="0" y="0"/>
+                  </a:moveTo>
+                  <a:lnTo>
+                    <a:pt x="1249825" y="0"/>
+                  </a:lnTo>
+                  <a:lnTo>
+                    <a:pt x="1249825" y="6858000"/>
+                  </a:lnTo>
+                  <a:lnTo>
+                    <a:pt x="1109382" y="6858000"/>
+                  </a:lnTo>
+                  <a:lnTo>
+                    <a:pt x="0" y="0"/>
+                  </a:lnTo>
+                  <a:close/>
+                </a:path>
+              </a:pathLst>
+            </a:custGeom>
+            <a:solidFill>
+              <a:schemeClr val="accent1">
+                <a:alpha val="65000"/>
+              </a:schemeClr>
+            </a:solidFill>
+            <a:ln>
+              <a:noFill/>
+            </a:ln>
+            <a:effectLst/>
+          </p:spPr>
+          <p:style>
+            <a:lnRef idx="1">
+              <a:schemeClr val="accent1"/>
+            </a:lnRef>
+            <a:fillRef idx="3">
+              <a:schemeClr val="accent1"/>
+            </a:fillRef>
+            <a:effectRef idx="2">
+              <a:schemeClr val="accent1"/>
+            </a:effectRef>
+            <a:fontRef idx="minor">
+              <a:schemeClr val="lt1"/>
+            </a:fontRef>
+          </p:style>
+        </p:sp>
+        <p:sp>
+          <p:nvSpPr>
+            <p:cNvPr id="31" name="Isosceles Triangle 30"/>
+            <p:cNvSpPr/>
+            <p:nvPr/>
+          </p:nvSpPr>
+          <p:spPr>
+            <a:xfrm>
+              <a:off x="10371666" y="3589867"/>
+              <a:ext cx="1817159" cy="3268133"/>
+            </a:xfrm>
+            <a:prstGeom prst="triangle">
+              <a:avLst>
+                <a:gd name="adj" fmla="val 100000"/>
+              </a:avLst>
+            </a:prstGeom>
+            <a:solidFill>
+              <a:schemeClr val="accent1">
+                <a:alpha val="80000"/>
+              </a:schemeClr>
+            </a:solidFill>
+            <a:ln>
+              <a:noFill/>
+            </a:ln>
+            <a:effectLst/>
+          </p:spPr>
+          <p:style>
+            <a:lnRef idx="1">
+              <a:schemeClr val="accent1"/>
+            </a:lnRef>
+            <a:fillRef idx="3">
+              <a:schemeClr val="accent1"/>
+            </a:fillRef>
+            <a:effectRef idx="2">
+              <a:schemeClr val="accent1"/>
+            </a:effectRef>
+            <a:fontRef idx="minor">
+              <a:schemeClr val="lt1"/>
+            </a:fontRef>
+          </p:style>
+        </p:sp>
+        <p:sp>
+          <p:nvSpPr>
+            <p:cNvPr id="19" name="Isosceles Triangle 18"/>
+            <p:cNvSpPr/>
+            <p:nvPr/>
+          </p:nvSpPr>
+          <p:spPr>
+            <a:xfrm rot="10800000">
+              <a:off x="0" y="0"/>
+              <a:ext cx="842596" cy="5666154"/>
+            </a:xfrm>
+            <a:prstGeom prst="triangle">
+              <a:avLst>
+                <a:gd name="adj" fmla="val 100000"/>
+              </a:avLst>
+            </a:prstGeom>
+            <a:solidFill>
+              <a:schemeClr val="accent1">
+                <a:alpha val="85000"/>
+              </a:schemeClr>
+            </a:solidFill>
+            <a:ln>
+              <a:noFill/>
+            </a:ln>
+            <a:effectLst/>
+          </p:spPr>
+          <p:style>
+            <a:lnRef idx="1">
+              <a:schemeClr val="accent1"/>
+            </a:lnRef>
+            <a:fillRef idx="3">
+              <a:schemeClr val="accent1"/>
+            </a:fillRef>
+            <a:effectRef idx="2">
+              <a:schemeClr val="accent1"/>
+            </a:effectRef>
+            <a:fontRef idx="minor">
+              <a:schemeClr val="lt1"/>
+            </a:fontRef>
+          </p:style>
+        </p:sp>
+      </p:grpSp>
+      <p:sp>
+        <p:nvSpPr>
+          <p:cNvPr id="2" name="Title 1"/>
+          <p:cNvSpPr>
+            <a:spLocks noGrp="1"/>
+          </p:cNvSpPr>
+          <p:nvPr>
+            <p:ph type="ctrTitle"/>
+          </p:nvPr>
+        </p:nvSpPr>
+        <p:spPr>
+          <a:xfrm>
+            <a:off x="1507067" y="2404534"/>
+            <a:ext cx="7766936" cy="1646302"/>
+          </a:xfrm>
+        </p:spPr>
+        <p:txBody>
+          <a:bodyPr anchor="b">
+            <a:noAutofit/>
+          </a:bodyPr>
+          <a:lstStyle>
+            <a:lvl1pPr algn="r">
+              <a:defRPr sz="5400">
+                <a:solidFill>
+                  <a:schemeClr val="accent1"/>
+                </a:solidFill>
+              </a:defRPr>
+            </a:lvl1pPr>
+          </a:lstStyle>
+          <a:p>
+            <a:r>
+              <a:rPr lang="en-US" smtClean="0"/>
+              <a:t>Click to edit Master title style</a:t>
+            </a:r>
+            <a:endParaRPr lang="en-US" dirty="0"/>
+          </a:p>
+        </p:txBody>
+      </p:sp>
+      <p:sp>
+        <p:nvSpPr>
+          <p:cNvPr id="3" name="Subtitle 2"/>
+          <p:cNvSpPr>
+            <a:spLocks noGrp="1"/>
+          </p:cNvSpPr>
+          <p:nvPr>
+            <p:ph type="subTitle" idx="1"/>
+          </p:nvPr>
+        </p:nvSpPr>
+        <p:spPr>
+          <a:xfrm>
+            <a:off x="1507067" y="4050833"/>
+            <a:ext cx="7766936" cy="1096899"/>
+          </a:xfrm>
+        </p:spPr>
+        <p:txBody>
+          <a:bodyPr anchor="t"/>
+          <a:lstStyle>
+            <a:lvl1pPr marL="0" indent="0" algn="r">
+              <a:buNone/>
+              <a:defRPr>
+                <a:solidFill>
+                  <a:schemeClr val="tx1">
+                    <a:lumMod val="50000"/>
+                    <a:lumOff val="50000"/>
+                  </a:schemeClr>
+                </a:solidFill>
+              </a:defRPr>
+            </a:lvl1pPr>
+            <a:lvl2pPr marL="457200" indent="0" algn="ctr">
+              <a:buNone/>
+              <a:defRPr>
+                <a:solidFill>
+                  <a:schemeClr val="tx1">
+                    <a:tint val="75000"/>
+                  </a:schemeClr>
+                </a:solidFill>
+              </a:defRPr>
+            </a:lvl2pPr>
+            <a:lvl3pPr marL="914400" indent="0" algn="ctr">
+              <a:buNone/>
+              <a:defRPr>
+                <a:solidFill>
+                  <a:schemeClr val="tx1">
+                    <a:tint val="75000"/>
+                  </a:schemeClr>
+                </a:solidFill>
+              </a:defRPr>
+            </a:lvl3pPr>
+            <a:lvl4pPr marL="1371600" indent="0" algn="ctr">
+              <a:buNone/>
+              <a:defRPr>
+                <a:solidFill>
+                  <a:schemeClr val="tx1">
+                    <a:tint val="75000"/>
+                  </a:schemeClr>
+                </a:solidFill>
+              </a:defRPr>
+            </a:lvl4pPr>
+            <a:lvl5pPr marL="1828800" indent="0" algn="ctr">
+              <a:buNone/>
+              <a:defRPr>
+                <a:solidFill>
+                  <a:schemeClr val="tx1">
+                    <a:tint val="75000"/>
+                  </a:schemeClr>
+                </a:solidFill>
+              </a:defRPr>
+            </a:lvl5pPr>
+            <a:lvl6pPr marL="2286000" indent="0" algn="ctr">
+              <a:buNone/>
+              <a:defRPr>
+                <a:solidFill>
+                  <a:schemeClr val="tx1">
+                    <a:tint val="75000"/>
+                  </a:schemeClr>
+                </a:solidFill>
+              </a:defRPr>
+            </a:lvl6pPr>
+            <a:lvl7pPr marL="2743200" indent="0" algn="ctr">
+              <a:buNone/>
+              <a:defRPr>
+                <a:solidFill>
+                  <a:schemeClr val="tx1">
+                    <a:tint val="75000"/>
+                  </a:schemeClr>
+                </a:solidFill>
+              </a:defRPr>
+            </a:lvl7pPr>
+            <a:lvl8pPr marL="3200400" indent="0" algn="ctr">
+              <a:buNone/>
+              <a:defRPr>
+                <a:solidFill>
+                  <a:schemeClr val="tx1">
+                    <a:tint val="75000"/>
+                  </a:schemeClr>
+                </a:solidFill>
+              </a:defRPr>
+            </a:lvl8pPr>
+            <a:lvl9pPr marL="3657600" indent="0" algn="ctr">
+              <a:buNone/>
+              <a:defRPr>
+                <a:solidFill>
+                  <a:schemeClr val="tx1">
+                    <a:tint val="75000"/>
+                  </a:schemeClr>
+                </a:solidFill>
+              </a:defRPr>
+            </a:lvl9pPr>
+          </a:lstStyle>
+          <a:p>
+            <a:r>
+              <a:rPr lang="en-US" smtClean="0"/>
+              <a:t>Click to edit Master subtitle style</a:t>
+            </a:r>
+            <a:endParaRPr lang="en-US" dirty="0"/>
+          </a:p>
+        </p:txBody>
+      </p:sp>
+      <p:sp>
+        <p:nvSpPr>
+          <p:cNvPr id="4" name="Date Placeholder 3"/>
+          <p:cNvSpPr>
+            <a:spLocks noGrp="1"/>
+          </p:cNvSpPr>
+          <p:nvPr>
+            <p:ph type="dt" sz="half" idx="10"/>
+          </p:nvPr>
+        </p:nvSpPr>
+        <p:spPr/>
+        <p:txBody>
+          <a:bodyPr/>
+          <a:lstStyle/>
+          <a:p>
+            <a:fld id="{4AAD347D-5ACD-4C99-B74B-A9C85AD731AF}" type="datetimeFigureOut">
+              <a:rPr lang="en-US" smtClean="0"/>
+              <a:t>12/17/2023</a:t>
+            </a:fld>
+            <a:endParaRPr lang="en-US" dirty="0"/>
+          </a:p>
+        </p:txBody>
+      </p:sp>
+      <p:sp>
+        <p:nvSpPr>
+          <p:cNvPr id="5" name="Footer Placeholder 4"/>
+          <p:cNvSpPr>
+            <a:spLocks noGrp="1"/>
+          </p:cNvSpPr>
+          <p:nvPr>
+            <p:ph type="ftr" sz="quarter" idx="11"/>
+          </p:nvPr>
+        </p:nvSpPr>
+        <p:spPr/>
+        <p:txBody>
+          <a:bodyPr/>
+          <a:lstStyle/>
+          <a:p>
+            <a:endParaRPr lang="en-US" dirty="0"/>
+          </a:p>
+        </p:txBody>
+      </p:sp>
+      <p:sp>
+        <p:nvSpPr>
+          <p:cNvPr id="6" name="Slide Number Placeholder 5"/>
+          <p:cNvSpPr>
+            <a:spLocks noGrp="1"/>
+          </p:cNvSpPr>
+          <p:nvPr>
+            <p:ph type="sldNum" sz="quarter" idx="12"/>
+          </p:nvPr>
+        </p:nvSpPr>
+        <p:spPr/>
+        <p:txBody>
+          <a:bodyPr/>
+          <a:lstStyle/>
+          <a:p>
+            <a:fld id="{D57F1E4F-1CFF-5643-939E-02111984F565}" type="slidenum">
+              <a:rPr lang="en-US" smtClean="0"/>
+              <a:t>‹#›</a:t>
+            </a:fld>
+            <a:endParaRPr lang="en-US" dirty="0"/>
+          </a:p>
+        </p:txBody>
+      </p:sp>
+    </p:spTree>
+    <p:extLst>
+      <p:ext uri="{BB962C8B-B14F-4D97-AF65-F5344CB8AC3E}">
+        <p14:creationId xmlns:p14="http://schemas.microsoft.com/office/powerpoint/2010/main" val="3549814886"/>
+      </p:ext>
+    </p:extLst>
+  </p:cSld>
+  <p:clrMapOvr>
+    <a:masterClrMapping/>
+  </p:clrMapOvr>
+  <p:hf sldNum="0" hdr="0" ftr="0" dt="0"/>
+</p:sldLayout>
+</file>
+
+<file path=ppt/slideLayouts/slideLayout10.xml><?xml version="1.0" encoding="utf-8"?>
+<p:sldLayout xmlns:a="http://schemas.openxmlformats.org/drawingml/2006/main" xmlns:r="http://schemas.openxmlformats.org/officeDocument/2006/relationships" xmlns:p="http://schemas.openxmlformats.org/presentationml/2006/main" preserve="1">
+  <p:cSld name="Title and Caption">
+    <p:spTree>
+      <p:nvGrpSpPr>
+        <p:cNvPr id="1" name=""/>
+        <p:cNvGrpSpPr/>
+        <p:nvPr/>
+      </p:nvGrpSpPr>
+      <p:grpSpPr>
+        <a:xfrm>
+          <a:off x="0" y="0"/>
+          <a:ext cx="0" cy="0"/>
+          <a:chOff x="0" y="0"/>
+          <a:chExt cx="0" cy="0"/>
+        </a:xfrm>
+      </p:grpSpPr>
+      <p:sp>
+        <p:nvSpPr>
+          <p:cNvPr id="2" name="Title 1"/>
+          <p:cNvSpPr>
+            <a:spLocks noGrp="1"/>
+          </p:cNvSpPr>
+          <p:nvPr>
+            <p:ph type="title"/>
+          </p:nvPr>
+        </p:nvSpPr>
+        <p:spPr>
+          <a:xfrm>
+            <a:off x="677335" y="609600"/>
+            <a:ext cx="8596668" cy="3403600"/>
+          </a:xfrm>
+        </p:spPr>
+        <p:txBody>
+          <a:bodyPr anchor="ctr">
+            <a:normAutofit/>
+          </a:bodyPr>
+          <a:lstStyle>
+            <a:lvl1pPr algn="l">
+              <a:defRPr sz="4400" b="0" cap="none"/>
+            </a:lvl1pPr>
+          </a:lstStyle>
+          <a:p>
+            <a:r>
+              <a:rPr lang="en-US" smtClean="0"/>
+              <a:t>Click to edit Master title style</a:t>
+            </a:r>
+            <a:endParaRPr lang="en-US" dirty="0"/>
+          </a:p>
+        </p:txBody>
+      </p:sp>
+      <p:sp>
+        <p:nvSpPr>
+          <p:cNvPr id="3" name="Text Placeholder 2"/>
+          <p:cNvSpPr>
+            <a:spLocks noGrp="1"/>
+          </p:cNvSpPr>
+          <p:nvPr>
+            <p:ph type="body" idx="1"/>
+          </p:nvPr>
+        </p:nvSpPr>
+        <p:spPr>
+          <a:xfrm>
+            <a:off x="677335" y="4470400"/>
+            <a:ext cx="8596668" cy="1570962"/>
+          </a:xfrm>
+        </p:spPr>
+        <p:txBody>
+          <a:bodyPr anchor="ctr">
+            <a:normAutofit/>
+          </a:bodyPr>
+          <a:lstStyle>
+            <a:lvl1pPr marL="0" indent="0" algn="l">
+              <a:buNone/>
+              <a:defRPr sz="1800">
+                <a:solidFill>
+                  <a:schemeClr val="tx1">
+                    <a:lumMod val="75000"/>
+                    <a:lumOff val="25000"/>
+                  </a:schemeClr>
+                </a:solidFill>
+              </a:defRPr>
+            </a:lvl1pPr>
+            <a:lvl2pPr marL="457200" indent="0">
+              <a:buNone/>
+              <a:defRPr sz="1800">
+                <a:solidFill>
+                  <a:schemeClr val="tx1">
+                    <a:tint val="75000"/>
+                  </a:schemeClr>
+                </a:solidFill>
+              </a:defRPr>
+            </a:lvl2pPr>
+            <a:lvl3pPr marL="914400" indent="0">
+              <a:buNone/>
+              <a:defRPr sz="1600">
+                <a:solidFill>
+                  <a:schemeClr val="tx1">
+                    <a:tint val="75000"/>
+                  </a:schemeClr>
+                </a:solidFill>
+              </a:defRPr>
+            </a:lvl3pPr>
+            <a:lvl4pPr marL="1371600" indent="0">
+              <a:buNone/>
+              <a:defRPr sz="1400">
+                <a:solidFill>
+                  <a:schemeClr val="tx1">
+                    <a:tint val="75000"/>
+                  </a:schemeClr>
+                </a:solidFill>
+              </a:defRPr>
+            </a:lvl4pPr>
+            <a:lvl5pPr marL="1828800" indent="0">
+              <a:buNone/>
+              <a:defRPr sz="1400">
+                <a:solidFill>
+                  <a:schemeClr val="tx1">
+                    <a:tint val="75000"/>
+                  </a:schemeClr>
+                </a:solidFill>
+              </a:defRPr>
+            </a:lvl5pPr>
+            <a:lvl6pPr marL="2286000" indent="0">
+              <a:buNone/>
+              <a:defRPr sz="1400">
+                <a:solidFill>
+                  <a:schemeClr val="tx1">
+                    <a:tint val="75000"/>
+                  </a:schemeClr>
+                </a:solidFill>
+              </a:defRPr>
+            </a:lvl6pPr>
+            <a:lvl7pPr marL="2743200" indent="0">
+              <a:buNone/>
+              <a:defRPr sz="1400">
+                <a:solidFill>
+                  <a:schemeClr val="tx1">
+                    <a:tint val="75000"/>
+                  </a:schemeClr>
+                </a:solidFill>
+              </a:defRPr>
+            </a:lvl7pPr>
+            <a:lvl8pPr marL="3200400" indent="0">
+              <a:buNone/>
+              <a:defRPr sz="1400">
+                <a:solidFill>
+                  <a:schemeClr val="tx1">
+                    <a:tint val="75000"/>
+                  </a:schemeClr>
+                </a:solidFill>
+              </a:defRPr>
+            </a:lvl8pPr>
+            <a:lvl9pPr marL="3657600" indent="0">
+              <a:buNone/>
+              <a:defRPr sz="1400">
+                <a:solidFill>
+                  <a:schemeClr val="tx1">
+                    <a:tint val="75000"/>
+                  </a:schemeClr>
+                </a:solidFill>
+              </a:defRPr>
+            </a:lvl9pPr>
+          </a:lstStyle>
+          <a:p>
+            <a:pPr lvl="0"/>
+            <a:r>
+              <a:rPr lang="en-US" smtClean="0"/>
+              <a:t>Edit Master text styles</a:t>
+            </a:r>
+          </a:p>
+        </p:txBody>
+      </p:sp>
+      <p:sp>
+        <p:nvSpPr>
+          <p:cNvPr id="4" name="Date Placeholder 3"/>
+          <p:cNvSpPr>
+            <a:spLocks noGrp="1"/>
+          </p:cNvSpPr>
+          <p:nvPr>
+            <p:ph type="dt" sz="half" idx="10"/>
+          </p:nvPr>
+        </p:nvSpPr>
+        <p:spPr/>
+        <p:txBody>
+          <a:bodyPr/>
+          <a:lstStyle/>
+          <a:p>
+            <a:fld id="{4AAD347D-5ACD-4C99-B74B-A9C85AD731AF}" type="datetimeFigureOut">
+              <a:rPr lang="en-US" smtClean="0"/>
+              <a:t>12/17/2023</a:t>
+            </a:fld>
+            <a:endParaRPr lang="en-US" dirty="0"/>
+          </a:p>
+        </p:txBody>
+      </p:sp>
+      <p:sp>
+        <p:nvSpPr>
+          <p:cNvPr id="5" name="Footer Placeholder 4"/>
+          <p:cNvSpPr>
+            <a:spLocks noGrp="1"/>
+          </p:cNvSpPr>
+          <p:nvPr>
+            <p:ph type="ftr" sz="quarter" idx="11"/>
+          </p:nvPr>
+        </p:nvSpPr>
+        <p:spPr/>
+        <p:txBody>
+          <a:bodyPr/>
+          <a:lstStyle/>
+          <a:p>
+            <a:endParaRPr lang="en-US" dirty="0"/>
+          </a:p>
+        </p:txBody>
+      </p:sp>
+      <p:sp>
+        <p:nvSpPr>
+          <p:cNvPr id="6" name="Slide Number Placeholder 5"/>
+          <p:cNvSpPr>
+            <a:spLocks noGrp="1"/>
+          </p:cNvSpPr>
+          <p:nvPr>
+            <p:ph type="sldNum" sz="quarter" idx="12"/>
+          </p:nvPr>
+        </p:nvSpPr>
+        <p:spPr/>
+        <p:txBody>
+          <a:bodyPr/>
+          <a:lstStyle/>
+          <a:p>
+            <a:fld id="{D57F1E4F-1CFF-5643-939E-02111984F565}" type="slidenum">
+              <a:rPr lang="en-US" smtClean="0"/>
+              <a:t>‹#›</a:t>
+            </a:fld>
+            <a:endParaRPr lang="en-US" dirty="0"/>
+          </a:p>
+        </p:txBody>
+      </p:sp>
+    </p:spTree>
+    <p:extLst>
+      <p:ext uri="{BB962C8B-B14F-4D97-AF65-F5344CB8AC3E}">
+        <p14:creationId xmlns:p14="http://schemas.microsoft.com/office/powerpoint/2010/main" val="1912866302"/>
+      </p:ext>
+    </p:extLst>
+  </p:cSld>
+  <p:clrMapOvr>
+    <a:masterClrMapping/>
+  </p:clrMapOvr>
+  <p:hf sldNum="0" hdr="0" ftr="0" dt="0"/>
+</p:sldLayout>
+</file>
+
+<file path=ppt/slideLayouts/slideLayout11.xml><?xml version="1.0" encoding="utf-8"?>
+<p:sldLayout xmlns:a="http://schemas.openxmlformats.org/drawingml/2006/main" xmlns:r="http://schemas.openxmlformats.org/officeDocument/2006/relationships" xmlns:p="http://schemas.openxmlformats.org/presentationml/2006/main" preserve="1">
+  <p:cSld name="Quote with Caption">
+    <p:spTree>
+      <p:nvGrpSpPr>
+        <p:cNvPr id="1" name=""/>
+        <p:cNvGrpSpPr/>
+        <p:nvPr/>
+      </p:nvGrpSpPr>
+      <p:grpSpPr>
+        <a:xfrm>
+          <a:off x="0" y="0"/>
+          <a:ext cx="0" cy="0"/>
+          <a:chOff x="0" y="0"/>
+          <a:chExt cx="0" cy="0"/>
+        </a:xfrm>
+      </p:grpSpPr>
+      <p:sp>
+        <p:nvSpPr>
+          <p:cNvPr id="2" name="Title 1"/>
+          <p:cNvSpPr>
+            <a:spLocks noGrp="1"/>
+          </p:cNvSpPr>
+          <p:nvPr>
+            <p:ph type="title"/>
+          </p:nvPr>
+        </p:nvSpPr>
+        <p:spPr>
+          <a:xfrm>
+            <a:off x="931334" y="609600"/>
+            <a:ext cx="8094134" cy="3022600"/>
+          </a:xfrm>
+        </p:spPr>
+        <p:txBody>
+          <a:bodyPr anchor="ctr">
+            <a:normAutofit/>
+          </a:bodyPr>
+          <a:lstStyle>
+            <a:lvl1pPr algn="l">
+              <a:defRPr sz="4400" b="0" cap="none"/>
+            </a:lvl1pPr>
+          </a:lstStyle>
+          <a:p>
+            <a:r>
+              <a:rPr lang="en-US" smtClean="0"/>
+              <a:t>Click to edit Master title style</a:t>
+            </a:r>
+            <a:endParaRPr lang="en-US" dirty="0"/>
+          </a:p>
+        </p:txBody>
+      </p:sp>
+      <p:sp>
+        <p:nvSpPr>
+          <p:cNvPr id="23" name="Text Placeholder 9"/>
+          <p:cNvSpPr>
+            <a:spLocks noGrp="1"/>
+          </p:cNvSpPr>
+          <p:nvPr>
+            <p:ph type="body" sz="quarter" idx="13"/>
+          </p:nvPr>
+        </p:nvSpPr>
+        <p:spPr>
+          <a:xfrm>
+            <a:off x="1366139" y="3632200"/>
+            <a:ext cx="7224524" cy="381000"/>
+          </a:xfrm>
+        </p:spPr>
+        <p:txBody>
+          <a:bodyPr anchor="ctr">
+            <a:noAutofit/>
+          </a:bodyPr>
+          <a:lstStyle>
+            <a:lvl1pPr marL="0" indent="0">
+              <a:buFontTx/>
+              <a:buNone/>
+              <a:defRPr sz="1600">
+                <a:solidFill>
+                  <a:schemeClr val="tx1">
+                    <a:lumMod val="50000"/>
+                    <a:lumOff val="50000"/>
+                  </a:schemeClr>
+                </a:solidFill>
+              </a:defRPr>
+            </a:lvl1pPr>
+            <a:lvl2pPr marL="457200" indent="0">
+              <a:buFontTx/>
+              <a:buNone/>
+              <a:defRPr/>
+            </a:lvl2pPr>
+            <a:lvl3pPr marL="914400" indent="0">
+              <a:buFontTx/>
+              <a:buNone/>
+              <a:defRPr/>
+            </a:lvl3pPr>
+            <a:lvl4pPr marL="1371600" indent="0">
+              <a:buFontTx/>
+              <a:buNone/>
+              <a:defRPr/>
+            </a:lvl4pPr>
+            <a:lvl5pPr marL="1828800" indent="0">
+              <a:buFontTx/>
+              <a:buNone/>
+              <a:defRPr/>
+            </a:lvl5pPr>
+          </a:lstStyle>
+          <a:p>
+            <a:pPr lvl="0"/>
+            <a:r>
+              <a:rPr lang="en-US" smtClean="0"/>
+              <a:t>Edit Master text styles</a:t>
+            </a:r>
+          </a:p>
+        </p:txBody>
+      </p:sp>
+      <p:sp>
+        <p:nvSpPr>
+          <p:cNvPr id="3" name="Text Placeholder 2"/>
+          <p:cNvSpPr>
+            <a:spLocks noGrp="1"/>
+          </p:cNvSpPr>
+          <p:nvPr>
+            <p:ph type="body" idx="1"/>
+          </p:nvPr>
+        </p:nvSpPr>
+        <p:spPr>
+          <a:xfrm>
+            <a:off x="677335" y="4470400"/>
+            <a:ext cx="8596668" cy="1570962"/>
+          </a:xfrm>
+        </p:spPr>
+        <p:txBody>
+          <a:bodyPr anchor="ctr">
+            <a:normAutofit/>
+          </a:bodyPr>
+          <a:lstStyle>
+            <a:lvl1pPr marL="0" indent="0" algn="l">
+              <a:buNone/>
+              <a:defRPr sz="1800">
+                <a:solidFill>
+                  <a:schemeClr val="tx1">
+                    <a:lumMod val="75000"/>
+                    <a:lumOff val="25000"/>
+                  </a:schemeClr>
+                </a:solidFill>
+              </a:defRPr>
+            </a:lvl1pPr>
+            <a:lvl2pPr marL="457200" indent="0">
+              <a:buNone/>
+              <a:defRPr sz="1800">
+                <a:solidFill>
+                  <a:schemeClr val="tx1">
+                    <a:tint val="75000"/>
+                  </a:schemeClr>
+                </a:solidFill>
+              </a:defRPr>
+            </a:lvl2pPr>
+            <a:lvl3pPr marL="914400" indent="0">
+              <a:buNone/>
+              <a:defRPr sz="1600">
+                <a:solidFill>
+                  <a:schemeClr val="tx1">
+                    <a:tint val="75000"/>
+                  </a:schemeClr>
+                </a:solidFill>
+              </a:defRPr>
+            </a:lvl3pPr>
+            <a:lvl4pPr marL="1371600" indent="0">
+              <a:buNone/>
+              <a:defRPr sz="1400">
+                <a:solidFill>
+                  <a:schemeClr val="tx1">
+                    <a:tint val="75000"/>
+                  </a:schemeClr>
+                </a:solidFill>
+              </a:defRPr>
+            </a:lvl4pPr>
+            <a:lvl5pPr marL="1828800" indent="0">
+              <a:buNone/>
+              <a:defRPr sz="1400">
+                <a:solidFill>
+                  <a:schemeClr val="tx1">
+                    <a:tint val="75000"/>
+                  </a:schemeClr>
+                </a:solidFill>
+              </a:defRPr>
+            </a:lvl5pPr>
+            <a:lvl6pPr marL="2286000" indent="0">
+              <a:buNone/>
+              <a:defRPr sz="1400">
+                <a:solidFill>
+                  <a:schemeClr val="tx1">
+                    <a:tint val="75000"/>
+                  </a:schemeClr>
+                </a:solidFill>
+              </a:defRPr>
+            </a:lvl6pPr>
+            <a:lvl7pPr marL="2743200" indent="0">
+              <a:buNone/>
+              <a:defRPr sz="1400">
+                <a:solidFill>
+                  <a:schemeClr val="tx1">
+                    <a:tint val="75000"/>
+                  </a:schemeClr>
+                </a:solidFill>
+              </a:defRPr>
+            </a:lvl7pPr>
+            <a:lvl8pPr marL="3200400" indent="0">
+              <a:buNone/>
+              <a:defRPr sz="1400">
+                <a:solidFill>
+                  <a:schemeClr val="tx1">
+                    <a:tint val="75000"/>
+                  </a:schemeClr>
+                </a:solidFill>
+              </a:defRPr>
+            </a:lvl8pPr>
+            <a:lvl9pPr marL="3657600" indent="0">
+              <a:buNone/>
+              <a:defRPr sz="1400">
+                <a:solidFill>
+                  <a:schemeClr val="tx1">
+                    <a:tint val="75000"/>
+                  </a:schemeClr>
+                </a:solidFill>
+              </a:defRPr>
+            </a:lvl9pPr>
+          </a:lstStyle>
+          <a:p>
+            <a:pPr lvl="0"/>
+            <a:r>
+              <a:rPr lang="en-US" smtClean="0"/>
+              <a:t>Edit Master text styles</a:t>
+            </a:r>
+          </a:p>
+        </p:txBody>
+      </p:sp>
+      <p:sp>
+        <p:nvSpPr>
+          <p:cNvPr id="4" name="Date Placeholder 3"/>
+          <p:cNvSpPr>
+            <a:spLocks noGrp="1"/>
+          </p:cNvSpPr>
+          <p:nvPr>
+            <p:ph type="dt" sz="half" idx="10"/>
+          </p:nvPr>
+        </p:nvSpPr>
+        <p:spPr/>
+        <p:txBody>
+          <a:bodyPr/>
+          <a:lstStyle/>
+          <a:p>
+            <a:fld id="{4AAD347D-5ACD-4C99-B74B-A9C85AD731AF}" type="datetimeFigureOut">
+              <a:rPr lang="en-US" smtClean="0"/>
+              <a:t>12/17/2023</a:t>
+            </a:fld>
+            <a:endParaRPr lang="en-US" dirty="0"/>
+          </a:p>
+        </p:txBody>
+      </p:sp>
+      <p:sp>
+        <p:nvSpPr>
+          <p:cNvPr id="5" name="Footer Placeholder 4"/>
+          <p:cNvSpPr>
+            <a:spLocks noGrp="1"/>
+          </p:cNvSpPr>
+          <p:nvPr>
+            <p:ph type="ftr" sz="quarter" idx="11"/>
+          </p:nvPr>
+        </p:nvSpPr>
+        <p:spPr/>
+        <p:txBody>
+          <a:bodyPr/>
+          <a:lstStyle/>
+          <a:p>
+            <a:endParaRPr lang="en-US" dirty="0"/>
+          </a:p>
+        </p:txBody>
+      </p:sp>
+      <p:sp>
+        <p:nvSpPr>
+          <p:cNvPr id="6" name="Slide Number Placeholder 5"/>
+          <p:cNvSpPr>
+            <a:spLocks noGrp="1"/>
+          </p:cNvSpPr>
+          <p:nvPr>
+            <p:ph type="sldNum" sz="quarter" idx="12"/>
+          </p:nvPr>
+        </p:nvSpPr>
+        <p:spPr/>
+        <p:txBody>
+          <a:bodyPr/>
+          <a:lstStyle/>
+          <a:p>
+            <a:fld id="{D57F1E4F-1CFF-5643-939E-02111984F565}" type="slidenum">
+              <a:rPr lang="en-US" smtClean="0"/>
+              <a:t>‹#›</a:t>
+            </a:fld>
+            <a:endParaRPr lang="en-US" dirty="0"/>
+          </a:p>
+        </p:txBody>
+      </p:sp>
+      <p:sp>
+        <p:nvSpPr>
+          <p:cNvPr id="20" name="TextBox 19"/>
+          <p:cNvSpPr txBox="1"/>
+          <p:nvPr/>
+        </p:nvSpPr>
+        <p:spPr>
+          <a:xfrm>
+            <a:off x="541870" y="790378"/>
+            <a:ext cx="609600" cy="584776"/>
+          </a:xfrm>
+          <a:prstGeom prst="rect">
+            <a:avLst/>
+          </a:prstGeom>
+        </p:spPr>
+        <p:txBody>
+          <a:bodyPr vert="horz" lIns="91440" tIns="45720" rIns="91440" bIns="45720" rtlCol="0" anchor="ctr">
+            <a:noAutofit/>
+          </a:bodyPr>
+          <a:lstStyle/>
+          <a:p>
+            <a:pPr lvl="0"/>
+            <a:r>
+              <a:rPr lang="en-US" sz="8000" baseline="0" dirty="0">
+                <a:ln w="3175" cmpd="sng">
+                  <a:noFill/>
+                </a:ln>
+                <a:solidFill>
+                  <a:schemeClr val="accent1">
+                    <a:lumMod val="60000"/>
+                    <a:lumOff val="40000"/>
+                  </a:schemeClr>
+                </a:solidFill>
+                <a:effectLst/>
+                <a:latin typeface="Arial"/>
+              </a:rPr>
+              <a:t>“</a:t>
+            </a:r>
+          </a:p>
+        </p:txBody>
+      </p:sp>
+      <p:sp>
+        <p:nvSpPr>
+          <p:cNvPr id="22" name="TextBox 21"/>
+          <p:cNvSpPr txBox="1"/>
+          <p:nvPr/>
+        </p:nvSpPr>
+        <p:spPr>
+          <a:xfrm>
+            <a:off x="8893011" y="2886556"/>
+            <a:ext cx="609600" cy="584776"/>
+          </a:xfrm>
+          <a:prstGeom prst="rect">
+            <a:avLst/>
+          </a:prstGeom>
+        </p:spPr>
+        <p:txBody>
+          <a:bodyPr vert="horz" lIns="91440" tIns="45720" rIns="91440" bIns="45720" rtlCol="0" anchor="ctr">
+            <a:noAutofit/>
+          </a:bodyPr>
+          <a:lstStyle/>
+          <a:p>
+            <a:pPr lvl="0"/>
+            <a:r>
+              <a:rPr lang="en-US" sz="8000" baseline="0" dirty="0">
+                <a:ln w="3175" cmpd="sng">
+                  <a:noFill/>
+                </a:ln>
+                <a:solidFill>
+                  <a:schemeClr val="accent1">
+                    <a:lumMod val="60000"/>
+                    <a:lumOff val="40000"/>
+                  </a:schemeClr>
+                </a:solidFill>
+                <a:latin typeface="Arial"/>
+              </a:rPr>
+              <a:t>”</a:t>
+            </a:r>
+            <a:endParaRPr lang="en-US" dirty="0">
+              <a:solidFill>
+                <a:schemeClr val="accent1">
+                  <a:lumMod val="60000"/>
+                  <a:lumOff val="40000"/>
+                </a:schemeClr>
+              </a:solidFill>
+              <a:latin typeface="Arial"/>
+            </a:endParaRPr>
+          </a:p>
+        </p:txBody>
+      </p:sp>
+    </p:spTree>
+    <p:extLst>
+      <p:ext uri="{BB962C8B-B14F-4D97-AF65-F5344CB8AC3E}">
+        <p14:creationId xmlns:p14="http://schemas.microsoft.com/office/powerpoint/2010/main" val="4199824122"/>
+      </p:ext>
+    </p:extLst>
+  </p:cSld>
+  <p:clrMapOvr>
+    <a:masterClrMapping/>
+  </p:clrMapOvr>
+  <p:hf sldNum="0" hdr="0" ftr="0" dt="0"/>
+</p:sldLayout>
+</file>
+
+<file path=ppt/slideLayouts/slideLayout12.xml><?xml version="1.0" encoding="utf-8"?>
+<p:sldLayout xmlns:a="http://schemas.openxmlformats.org/drawingml/2006/main" xmlns:r="http://schemas.openxmlformats.org/officeDocument/2006/relationships" xmlns:p="http://schemas.openxmlformats.org/presentationml/2006/main" preserve="1">
+  <p:cSld name="Name Card">
+    <p:spTree>
+      <p:nvGrpSpPr>
+        <p:cNvPr id="1" name=""/>
+        <p:cNvGrpSpPr/>
+        <p:nvPr/>
+      </p:nvGrpSpPr>
+      <p:grpSpPr>
+        <a:xfrm>
+          <a:off x="0" y="0"/>
+          <a:ext cx="0" cy="0"/>
+          <a:chOff x="0" y="0"/>
+          <a:chExt cx="0" cy="0"/>
+        </a:xfrm>
+      </p:grpSpPr>
+      <p:sp>
+        <p:nvSpPr>
+          <p:cNvPr id="2" name="Title 1"/>
+          <p:cNvSpPr>
+            <a:spLocks noGrp="1"/>
+          </p:cNvSpPr>
+          <p:nvPr>
+            <p:ph type="title"/>
+          </p:nvPr>
+        </p:nvSpPr>
+        <p:spPr>
+          <a:xfrm>
+            <a:off x="677335" y="1931988"/>
+            <a:ext cx="8596668" cy="2595460"/>
+          </a:xfrm>
+        </p:spPr>
+        <p:txBody>
+          <a:bodyPr anchor="b">
+            <a:normAutofit/>
+          </a:bodyPr>
+          <a:lstStyle>
+            <a:lvl1pPr algn="l">
+              <a:defRPr sz="4400" b="0" cap="none"/>
+            </a:lvl1pPr>
+          </a:lstStyle>
+          <a:p>
+            <a:r>
+              <a:rPr lang="en-US" smtClean="0"/>
+              <a:t>Click to edit Master title style</a:t>
+            </a:r>
+            <a:endParaRPr lang="en-US" dirty="0"/>
+          </a:p>
+        </p:txBody>
+      </p:sp>
+      <p:sp>
+        <p:nvSpPr>
+          <p:cNvPr id="3" name="Text Placeholder 2"/>
+          <p:cNvSpPr>
+            <a:spLocks noGrp="1"/>
+          </p:cNvSpPr>
+          <p:nvPr>
+            <p:ph type="body" idx="1"/>
+          </p:nvPr>
+        </p:nvSpPr>
+        <p:spPr>
+          <a:xfrm>
+            <a:off x="677335" y="4527448"/>
+            <a:ext cx="8596668" cy="1513914"/>
+          </a:xfrm>
+        </p:spPr>
+        <p:txBody>
+          <a:bodyPr anchor="t">
+            <a:normAutofit/>
+          </a:bodyPr>
+          <a:lstStyle>
+            <a:lvl1pPr marL="0" indent="0" algn="l">
+              <a:buNone/>
+              <a:defRPr sz="1800">
+                <a:solidFill>
+                  <a:schemeClr val="tx1">
+                    <a:lumMod val="75000"/>
+                    <a:lumOff val="25000"/>
+                  </a:schemeClr>
+                </a:solidFill>
+              </a:defRPr>
+            </a:lvl1pPr>
+            <a:lvl2pPr marL="457200" indent="0">
+              <a:buNone/>
+              <a:defRPr sz="1800">
+                <a:solidFill>
+                  <a:schemeClr val="tx1">
+                    <a:tint val="75000"/>
+                  </a:schemeClr>
+                </a:solidFill>
+              </a:defRPr>
+            </a:lvl2pPr>
+            <a:lvl3pPr marL="914400" indent="0">
+              <a:buNone/>
+              <a:defRPr sz="1600">
+                <a:solidFill>
+                  <a:schemeClr val="tx1">
+                    <a:tint val="75000"/>
+                  </a:schemeClr>
+                </a:solidFill>
+              </a:defRPr>
+            </a:lvl3pPr>
+            <a:lvl4pPr marL="1371600" indent="0">
+              <a:buNone/>
+              <a:defRPr sz="1400">
+                <a:solidFill>
+                  <a:schemeClr val="tx1">
+                    <a:tint val="75000"/>
+                  </a:schemeClr>
+                </a:solidFill>
+              </a:defRPr>
+            </a:lvl4pPr>
+            <a:lvl5pPr marL="1828800" indent="0">
+              <a:buNone/>
+              <a:defRPr sz="1400">
+                <a:solidFill>
+                  <a:schemeClr val="tx1">
+                    <a:tint val="75000"/>
+                  </a:schemeClr>
+                </a:solidFill>
+              </a:defRPr>
+            </a:lvl5pPr>
+            <a:lvl6pPr marL="2286000" indent="0">
+              <a:buNone/>
+              <a:defRPr sz="1400">
+                <a:solidFill>
+                  <a:schemeClr val="tx1">
+                    <a:tint val="75000"/>
+                  </a:schemeClr>
+                </a:solidFill>
+              </a:defRPr>
+            </a:lvl6pPr>
+            <a:lvl7pPr marL="2743200" indent="0">
+              <a:buNone/>
+              <a:defRPr sz="1400">
+                <a:solidFill>
+                  <a:schemeClr val="tx1">
+                    <a:tint val="75000"/>
+                  </a:schemeClr>
+                </a:solidFill>
+              </a:defRPr>
+            </a:lvl7pPr>
+            <a:lvl8pPr marL="3200400" indent="0">
+              <a:buNone/>
+              <a:defRPr sz="1400">
+                <a:solidFill>
+                  <a:schemeClr val="tx1">
+                    <a:tint val="75000"/>
+                  </a:schemeClr>
+                </a:solidFill>
+              </a:defRPr>
+            </a:lvl8pPr>
+            <a:lvl9pPr marL="3657600" indent="0">
+              <a:buNone/>
+              <a:defRPr sz="1400">
+                <a:solidFill>
+                  <a:schemeClr val="tx1">
+                    <a:tint val="75000"/>
+                  </a:schemeClr>
+                </a:solidFill>
+              </a:defRPr>
+            </a:lvl9pPr>
+          </a:lstStyle>
+          <a:p>
+            <a:pPr lvl="0"/>
+            <a:r>
+              <a:rPr lang="en-US" smtClean="0"/>
+              <a:t>Edit Master text styles</a:t>
+            </a:r>
+          </a:p>
+        </p:txBody>
+      </p:sp>
+      <p:sp>
+        <p:nvSpPr>
+          <p:cNvPr id="4" name="Date Placeholder 3"/>
+          <p:cNvSpPr>
+            <a:spLocks noGrp="1"/>
+          </p:cNvSpPr>
+          <p:nvPr>
+            <p:ph type="dt" sz="half" idx="10"/>
+          </p:nvPr>
+        </p:nvSpPr>
+        <p:spPr/>
+        <p:txBody>
+          <a:bodyPr/>
+          <a:lstStyle/>
+          <a:p>
+            <a:fld id="{4509A250-FF31-4206-8172-F9D3106AACB1}" type="datetimeFigureOut">
+              <a:rPr lang="en-US" smtClean="0"/>
+              <a:t>12/17/2023</a:t>
+            </a:fld>
+            <a:endParaRPr lang="en-US" dirty="0"/>
+          </a:p>
+        </p:txBody>
+      </p:sp>
+      <p:sp>
+        <p:nvSpPr>
+          <p:cNvPr id="5" name="Footer Placeholder 4"/>
+          <p:cNvSpPr>
+            <a:spLocks noGrp="1"/>
+          </p:cNvSpPr>
+          <p:nvPr>
+            <p:ph type="ftr" sz="quarter" idx="11"/>
+          </p:nvPr>
+        </p:nvSpPr>
+        <p:spPr/>
+        <p:txBody>
+          <a:bodyPr/>
+          <a:lstStyle/>
+          <a:p>
+            <a:endParaRPr lang="en-US" dirty="0"/>
+          </a:p>
+        </p:txBody>
+      </p:sp>
+      <p:sp>
+        <p:nvSpPr>
+          <p:cNvPr id="6" name="Slide Number Placeholder 5"/>
+          <p:cNvSpPr>
+            <a:spLocks noGrp="1"/>
+          </p:cNvSpPr>
+          <p:nvPr>
+            <p:ph type="sldNum" sz="quarter" idx="12"/>
+          </p:nvPr>
+        </p:nvSpPr>
+        <p:spPr/>
+        <p:txBody>
+          <a:bodyPr/>
+          <a:lstStyle/>
+          <a:p>
+            <a:fld id="{D57F1E4F-1CFF-5643-939E-02111984F565}" type="slidenum">
+              <a:rPr lang="en-US" smtClean="0"/>
+              <a:t>‹#›</a:t>
+            </a:fld>
+            <a:endParaRPr lang="en-US" dirty="0"/>
+          </a:p>
+        </p:txBody>
+      </p:sp>
+    </p:spTree>
+    <p:extLst>
+      <p:ext uri="{BB962C8B-B14F-4D97-AF65-F5344CB8AC3E}">
+        <p14:creationId xmlns:p14="http://schemas.microsoft.com/office/powerpoint/2010/main" val="2974218600"/>
+      </p:ext>
+    </p:extLst>
+  </p:cSld>
+  <p:clrMapOvr>
+    <a:masterClrMapping/>
+  </p:clrMapOvr>
+  <p:hf sldNum="0" hdr="0" ftr="0" dt="0"/>
+</p:sldLayout>
+</file>
+
+<file path=ppt/slideLayouts/slideLayout13.xml><?xml version="1.0" encoding="utf-8"?>
+<p:sldLayout xmlns:a="http://schemas.openxmlformats.org/drawingml/2006/main" xmlns:r="http://schemas.openxmlformats.org/officeDocument/2006/relationships" xmlns:p="http://schemas.openxmlformats.org/presentationml/2006/main" preserve="1">
+  <p:cSld name="Quote Name Card">
+    <p:spTree>
+      <p:nvGrpSpPr>
+        <p:cNvPr id="1" name=""/>
+        <p:cNvGrpSpPr/>
+        <p:nvPr/>
+      </p:nvGrpSpPr>
+      <p:grpSpPr>
+        <a:xfrm>
+          <a:off x="0" y="0"/>
+          <a:ext cx="0" cy="0"/>
+          <a:chOff x="0" y="0"/>
+          <a:chExt cx="0" cy="0"/>
+        </a:xfrm>
+      </p:grpSpPr>
+      <p:sp>
+        <p:nvSpPr>
+          <p:cNvPr id="2" name="Title 1"/>
+          <p:cNvSpPr>
+            <a:spLocks noGrp="1"/>
+          </p:cNvSpPr>
+          <p:nvPr>
+            <p:ph type="title"/>
+          </p:nvPr>
+        </p:nvSpPr>
+        <p:spPr>
+          <a:xfrm>
+            <a:off x="931334" y="609600"/>
+            <a:ext cx="8094134" cy="3022600"/>
+          </a:xfrm>
+        </p:spPr>
+        <p:txBody>
+          <a:bodyPr anchor="ctr">
+            <a:normAutofit/>
+          </a:bodyPr>
+          <a:lstStyle>
+            <a:lvl1pPr algn="l">
+              <a:defRPr sz="4400" b="0" cap="none"/>
+            </a:lvl1pPr>
+          </a:lstStyle>
+          <a:p>
+            <a:r>
+              <a:rPr lang="en-US" smtClean="0"/>
+              <a:t>Click to edit Master title style</a:t>
+            </a:r>
+            <a:endParaRPr lang="en-US" dirty="0"/>
+          </a:p>
+        </p:txBody>
+      </p:sp>
+      <p:sp>
+        <p:nvSpPr>
+          <p:cNvPr id="23" name="Text Placeholder 9"/>
+          <p:cNvSpPr>
+            <a:spLocks noGrp="1"/>
+          </p:cNvSpPr>
+          <p:nvPr>
+            <p:ph type="body" sz="quarter" idx="13"/>
+          </p:nvPr>
+        </p:nvSpPr>
+        <p:spPr>
+          <a:xfrm>
+            <a:off x="677332" y="4013200"/>
+            <a:ext cx="8596669" cy="514248"/>
+          </a:xfrm>
+        </p:spPr>
+        <p:txBody>
+          <a:bodyPr anchor="b">
+            <a:noAutofit/>
+          </a:bodyPr>
+          <a:lstStyle>
+            <a:lvl1pPr marL="0" indent="0">
+              <a:buFontTx/>
+              <a:buNone/>
+              <a:defRPr sz="2400">
+                <a:solidFill>
+                  <a:schemeClr val="tx1">
+                    <a:lumMod val="75000"/>
+                    <a:lumOff val="25000"/>
+                  </a:schemeClr>
+                </a:solidFill>
+              </a:defRPr>
+            </a:lvl1pPr>
+            <a:lvl2pPr marL="457200" indent="0">
+              <a:buFontTx/>
+              <a:buNone/>
+              <a:defRPr/>
+            </a:lvl2pPr>
+            <a:lvl3pPr marL="914400" indent="0">
+              <a:buFontTx/>
+              <a:buNone/>
+              <a:defRPr/>
+            </a:lvl3pPr>
+            <a:lvl4pPr marL="1371600" indent="0">
+              <a:buFontTx/>
+              <a:buNone/>
+              <a:defRPr/>
+            </a:lvl4pPr>
+            <a:lvl5pPr marL="1828800" indent="0">
+              <a:buFontTx/>
+              <a:buNone/>
+              <a:defRPr/>
+            </a:lvl5pPr>
+          </a:lstStyle>
+          <a:p>
+            <a:pPr lvl="0"/>
+            <a:r>
+              <a:rPr lang="en-US" smtClean="0"/>
+              <a:t>Edit Master text styles</a:t>
+            </a:r>
+          </a:p>
+        </p:txBody>
+      </p:sp>
+      <p:sp>
+        <p:nvSpPr>
+          <p:cNvPr id="3" name="Text Placeholder 2"/>
+          <p:cNvSpPr>
+            <a:spLocks noGrp="1"/>
+          </p:cNvSpPr>
+          <p:nvPr>
+            <p:ph type="body" idx="1"/>
+          </p:nvPr>
+        </p:nvSpPr>
+        <p:spPr>
+          <a:xfrm>
+            <a:off x="677335" y="4527448"/>
+            <a:ext cx="8596668" cy="1513914"/>
+          </a:xfrm>
+        </p:spPr>
+        <p:txBody>
+          <a:bodyPr anchor="t">
+            <a:normAutofit/>
+          </a:bodyPr>
+          <a:lstStyle>
+            <a:lvl1pPr marL="0" indent="0" algn="l">
+              <a:buNone/>
+              <a:defRPr sz="1800">
+                <a:solidFill>
+                  <a:schemeClr val="tx1">
+                    <a:lumMod val="50000"/>
+                    <a:lumOff val="50000"/>
+                  </a:schemeClr>
+                </a:solidFill>
+              </a:defRPr>
+            </a:lvl1pPr>
+            <a:lvl2pPr marL="457200" indent="0">
+              <a:buNone/>
+              <a:defRPr sz="1800">
+                <a:solidFill>
+                  <a:schemeClr val="tx1">
+                    <a:tint val="75000"/>
+                  </a:schemeClr>
+                </a:solidFill>
+              </a:defRPr>
+            </a:lvl2pPr>
+            <a:lvl3pPr marL="914400" indent="0">
+              <a:buNone/>
+              <a:defRPr sz="1600">
+                <a:solidFill>
+                  <a:schemeClr val="tx1">
+                    <a:tint val="75000"/>
+                  </a:schemeClr>
+                </a:solidFill>
+              </a:defRPr>
+            </a:lvl3pPr>
+            <a:lvl4pPr marL="1371600" indent="0">
+              <a:buNone/>
+              <a:defRPr sz="1400">
+                <a:solidFill>
+                  <a:schemeClr val="tx1">
+                    <a:tint val="75000"/>
+                  </a:schemeClr>
+                </a:solidFill>
+              </a:defRPr>
+            </a:lvl4pPr>
+            <a:lvl5pPr marL="1828800" indent="0">
+              <a:buNone/>
+              <a:defRPr sz="1400">
+                <a:solidFill>
+                  <a:schemeClr val="tx1">
+                    <a:tint val="75000"/>
+                  </a:schemeClr>
+                </a:solidFill>
+              </a:defRPr>
+            </a:lvl5pPr>
+            <a:lvl6pPr marL="2286000" indent="0">
+              <a:buNone/>
+              <a:defRPr sz="1400">
+                <a:solidFill>
+                  <a:schemeClr val="tx1">
+                    <a:tint val="75000"/>
+                  </a:schemeClr>
+                </a:solidFill>
+              </a:defRPr>
+            </a:lvl6pPr>
+            <a:lvl7pPr marL="2743200" indent="0">
+              <a:buNone/>
+              <a:defRPr sz="1400">
+                <a:solidFill>
+                  <a:schemeClr val="tx1">
+                    <a:tint val="75000"/>
+                  </a:schemeClr>
+                </a:solidFill>
+              </a:defRPr>
+            </a:lvl7pPr>
+            <a:lvl8pPr marL="3200400" indent="0">
+              <a:buNone/>
+              <a:defRPr sz="1400">
+                <a:solidFill>
+                  <a:schemeClr val="tx1">
+                    <a:tint val="75000"/>
+                  </a:schemeClr>
+                </a:solidFill>
+              </a:defRPr>
+            </a:lvl8pPr>
+            <a:lvl9pPr marL="3657600" indent="0">
+              <a:buNone/>
+              <a:defRPr sz="1400">
+                <a:solidFill>
+                  <a:schemeClr val="tx1">
+                    <a:tint val="75000"/>
+                  </a:schemeClr>
+                </a:solidFill>
+              </a:defRPr>
+            </a:lvl9pPr>
+          </a:lstStyle>
+          <a:p>
+            <a:pPr lvl="0"/>
+            <a:r>
+              <a:rPr lang="en-US" smtClean="0"/>
+              <a:t>Edit Master text styles</a:t>
+            </a:r>
+          </a:p>
+        </p:txBody>
+      </p:sp>
+      <p:sp>
+        <p:nvSpPr>
+          <p:cNvPr id="4" name="Date Placeholder 3"/>
+          <p:cNvSpPr>
+            <a:spLocks noGrp="1"/>
+          </p:cNvSpPr>
+          <p:nvPr>
+            <p:ph type="dt" sz="half" idx="10"/>
+          </p:nvPr>
+        </p:nvSpPr>
+        <p:spPr/>
+        <p:txBody>
+          <a:bodyPr/>
+          <a:lstStyle/>
+          <a:p>
+            <a:fld id="{4AAD347D-5ACD-4C99-B74B-A9C85AD731AF}" type="datetimeFigureOut">
+              <a:rPr lang="en-US" smtClean="0"/>
+              <a:t>12/17/2023</a:t>
+            </a:fld>
+            <a:endParaRPr lang="en-US" dirty="0"/>
+          </a:p>
+        </p:txBody>
+      </p:sp>
+      <p:sp>
+        <p:nvSpPr>
+          <p:cNvPr id="5" name="Footer Placeholder 4"/>
+          <p:cNvSpPr>
+            <a:spLocks noGrp="1"/>
+          </p:cNvSpPr>
+          <p:nvPr>
+            <p:ph type="ftr" sz="quarter" idx="11"/>
+          </p:nvPr>
+        </p:nvSpPr>
+        <p:spPr/>
+        <p:txBody>
+          <a:bodyPr/>
+          <a:lstStyle/>
+          <a:p>
+            <a:endParaRPr lang="en-US" dirty="0"/>
+          </a:p>
+        </p:txBody>
+      </p:sp>
+      <p:sp>
+        <p:nvSpPr>
+          <p:cNvPr id="6" name="Slide Number Placeholder 5"/>
+          <p:cNvSpPr>
+            <a:spLocks noGrp="1"/>
+          </p:cNvSpPr>
+          <p:nvPr>
+            <p:ph type="sldNum" sz="quarter" idx="12"/>
+          </p:nvPr>
+        </p:nvSpPr>
+        <p:spPr/>
+        <p:txBody>
+          <a:bodyPr/>
+          <a:lstStyle/>
+          <a:p>
+            <a:fld id="{D57F1E4F-1CFF-5643-939E-02111984F565}" type="slidenum">
+              <a:rPr lang="en-US" smtClean="0"/>
+              <a:t>‹#›</a:t>
+            </a:fld>
+            <a:endParaRPr lang="en-US" dirty="0"/>
+          </a:p>
+        </p:txBody>
+      </p:sp>
+      <p:sp>
+        <p:nvSpPr>
+          <p:cNvPr id="24" name="TextBox 23"/>
+          <p:cNvSpPr txBox="1"/>
+          <p:nvPr/>
+        </p:nvSpPr>
+        <p:spPr>
+          <a:xfrm>
+            <a:off x="541870" y="790378"/>
+            <a:ext cx="609600" cy="584776"/>
+          </a:xfrm>
+          <a:prstGeom prst="rect">
+            <a:avLst/>
+          </a:prstGeom>
+        </p:spPr>
+        <p:txBody>
+          <a:bodyPr vert="horz" lIns="91440" tIns="45720" rIns="91440" bIns="45720" rtlCol="0" anchor="ctr">
+            <a:noAutofit/>
+          </a:bodyPr>
+          <a:lstStyle/>
+          <a:p>
+            <a:pPr lvl="0"/>
+            <a:r>
+              <a:rPr lang="en-US" sz="8000" baseline="0" dirty="0">
+                <a:ln w="3175" cmpd="sng">
+                  <a:noFill/>
+                </a:ln>
+                <a:solidFill>
+                  <a:schemeClr val="accent1">
+                    <a:lumMod val="60000"/>
+                    <a:lumOff val="40000"/>
+                  </a:schemeClr>
+                </a:solidFill>
+                <a:effectLst/>
+                <a:latin typeface="Arial"/>
+              </a:rPr>
+              <a:t>“</a:t>
+            </a:r>
+          </a:p>
+        </p:txBody>
+      </p:sp>
+      <p:sp>
+        <p:nvSpPr>
+          <p:cNvPr id="25" name="TextBox 24"/>
+          <p:cNvSpPr txBox="1"/>
+          <p:nvPr/>
+        </p:nvSpPr>
+        <p:spPr>
+          <a:xfrm>
+            <a:off x="8893011" y="2886556"/>
+            <a:ext cx="609600" cy="584776"/>
+          </a:xfrm>
+          <a:prstGeom prst="rect">
+            <a:avLst/>
+          </a:prstGeom>
+        </p:spPr>
+        <p:txBody>
+          <a:bodyPr vert="horz" lIns="91440" tIns="45720" rIns="91440" bIns="45720" rtlCol="0" anchor="ctr">
+            <a:noAutofit/>
+          </a:bodyPr>
+          <a:lstStyle/>
+          <a:p>
+            <a:pPr lvl="0"/>
+            <a:r>
+              <a:rPr lang="en-US" sz="8000" baseline="0" dirty="0">
+                <a:ln w="3175" cmpd="sng">
+                  <a:noFill/>
+                </a:ln>
+                <a:solidFill>
+                  <a:schemeClr val="accent1">
+                    <a:lumMod val="60000"/>
+                    <a:lumOff val="40000"/>
+                  </a:schemeClr>
+                </a:solidFill>
+                <a:effectLst/>
+                <a:latin typeface="Arial"/>
+              </a:rPr>
+              <a:t>”</a:t>
+            </a:r>
+          </a:p>
+        </p:txBody>
+      </p:sp>
+    </p:spTree>
+    <p:extLst>
+      <p:ext uri="{BB962C8B-B14F-4D97-AF65-F5344CB8AC3E}">
+        <p14:creationId xmlns:p14="http://schemas.microsoft.com/office/powerpoint/2010/main" val="3012110570"/>
+      </p:ext>
+    </p:extLst>
+  </p:cSld>
+  <p:clrMapOvr>
+    <a:masterClrMapping/>
+  </p:clrMapOvr>
+  <p:hf sldNum="0" hdr="0" ftr="0" dt="0"/>
+</p:sldLayout>
+</file>
+
+<file path=ppt/slideLayouts/slideLayout14.xml><?xml version="1.0" encoding="utf-8"?>
+<p:sldLayout xmlns:a="http://schemas.openxmlformats.org/drawingml/2006/main" xmlns:r="http://schemas.openxmlformats.org/officeDocument/2006/relationships" xmlns:p="http://schemas.openxmlformats.org/presentationml/2006/main" preserve="1">
+  <p:cSld name="True or False">
+    <p:spTree>
+      <p:nvGrpSpPr>
+        <p:cNvPr id="1" name=""/>
+        <p:cNvGrpSpPr/>
+        <p:nvPr/>
+      </p:nvGrpSpPr>
+      <p:grpSpPr>
+        <a:xfrm>
+          <a:off x="0" y="0"/>
+          <a:ext cx="0" cy="0"/>
+          <a:chOff x="0" y="0"/>
+          <a:chExt cx="0" cy="0"/>
+        </a:xfrm>
+      </p:grpSpPr>
+      <p:sp>
+        <p:nvSpPr>
+          <p:cNvPr id="2" name="Title 1"/>
+          <p:cNvSpPr>
+            <a:spLocks noGrp="1"/>
+          </p:cNvSpPr>
+          <p:nvPr>
+            <p:ph type="title"/>
+          </p:nvPr>
+        </p:nvSpPr>
+        <p:spPr>
+          <a:xfrm>
+            <a:off x="685799" y="609600"/>
+            <a:ext cx="8588203" cy="3022600"/>
+          </a:xfrm>
+        </p:spPr>
+        <p:txBody>
+          <a:bodyPr anchor="ctr">
+            <a:normAutofit/>
+          </a:bodyPr>
+          <a:lstStyle>
+            <a:lvl1pPr algn="l">
+              <a:defRPr sz="4400" b="0" cap="none"/>
+            </a:lvl1pPr>
+          </a:lstStyle>
+          <a:p>
+            <a:r>
+              <a:rPr lang="en-US" smtClean="0"/>
+              <a:t>Click to edit Master title style</a:t>
+            </a:r>
+            <a:endParaRPr lang="en-US" dirty="0"/>
+          </a:p>
+        </p:txBody>
+      </p:sp>
+      <p:sp>
+        <p:nvSpPr>
+          <p:cNvPr id="23" name="Text Placeholder 9"/>
+          <p:cNvSpPr>
+            <a:spLocks noGrp="1"/>
+          </p:cNvSpPr>
+          <p:nvPr>
+            <p:ph type="body" sz="quarter" idx="13"/>
+          </p:nvPr>
+        </p:nvSpPr>
+        <p:spPr>
+          <a:xfrm>
+            <a:off x="677332" y="4013200"/>
+            <a:ext cx="8596669" cy="514248"/>
+          </a:xfrm>
+        </p:spPr>
+        <p:txBody>
+          <a:bodyPr anchor="b">
+            <a:noAutofit/>
+          </a:bodyPr>
+          <a:lstStyle>
+            <a:lvl1pPr marL="0" indent="0">
+              <a:buFontTx/>
+              <a:buNone/>
+              <a:defRPr sz="2400">
+                <a:solidFill>
+                  <a:schemeClr val="accent1"/>
+                </a:solidFill>
+              </a:defRPr>
+            </a:lvl1pPr>
+            <a:lvl2pPr marL="457200" indent="0">
+              <a:buFontTx/>
+              <a:buNone/>
+              <a:defRPr/>
+            </a:lvl2pPr>
+            <a:lvl3pPr marL="914400" indent="0">
+              <a:buFontTx/>
+              <a:buNone/>
+              <a:defRPr/>
+            </a:lvl3pPr>
+            <a:lvl4pPr marL="1371600" indent="0">
+              <a:buFontTx/>
+              <a:buNone/>
+              <a:defRPr/>
+            </a:lvl4pPr>
+            <a:lvl5pPr marL="1828800" indent="0">
+              <a:buFontTx/>
+              <a:buNone/>
+              <a:defRPr/>
+            </a:lvl5pPr>
+          </a:lstStyle>
+          <a:p>
+            <a:pPr lvl="0"/>
+            <a:r>
+              <a:rPr lang="en-US" smtClean="0"/>
+              <a:t>Edit Master text styles</a:t>
+            </a:r>
+          </a:p>
+        </p:txBody>
+      </p:sp>
+      <p:sp>
+        <p:nvSpPr>
+          <p:cNvPr id="3" name="Text Placeholder 2"/>
+          <p:cNvSpPr>
+            <a:spLocks noGrp="1"/>
+          </p:cNvSpPr>
+          <p:nvPr>
+            <p:ph type="body" idx="1"/>
+          </p:nvPr>
+        </p:nvSpPr>
+        <p:spPr>
+          <a:xfrm>
+            <a:off x="677335" y="4527448"/>
+            <a:ext cx="8596668" cy="1513914"/>
+          </a:xfrm>
+        </p:spPr>
+        <p:txBody>
+          <a:bodyPr anchor="t">
+            <a:normAutofit/>
+          </a:bodyPr>
+          <a:lstStyle>
+            <a:lvl1pPr marL="0" indent="0" algn="l">
+              <a:buNone/>
+              <a:defRPr sz="1800">
+                <a:solidFill>
+                  <a:schemeClr val="tx1">
+                    <a:lumMod val="50000"/>
+                    <a:lumOff val="50000"/>
+                  </a:schemeClr>
+                </a:solidFill>
+              </a:defRPr>
+            </a:lvl1pPr>
+            <a:lvl2pPr marL="457200" indent="0">
+              <a:buNone/>
+              <a:defRPr sz="1800">
+                <a:solidFill>
+                  <a:schemeClr val="tx1">
+                    <a:tint val="75000"/>
+                  </a:schemeClr>
+                </a:solidFill>
+              </a:defRPr>
+            </a:lvl2pPr>
+            <a:lvl3pPr marL="914400" indent="0">
+              <a:buNone/>
+              <a:defRPr sz="1600">
+                <a:solidFill>
+                  <a:schemeClr val="tx1">
+                    <a:tint val="75000"/>
+                  </a:schemeClr>
+                </a:solidFill>
+              </a:defRPr>
+            </a:lvl3pPr>
+            <a:lvl4pPr marL="1371600" indent="0">
+              <a:buNone/>
+              <a:defRPr sz="1400">
+                <a:solidFill>
+                  <a:schemeClr val="tx1">
+                    <a:tint val="75000"/>
+                  </a:schemeClr>
+                </a:solidFill>
+              </a:defRPr>
+            </a:lvl4pPr>
+            <a:lvl5pPr marL="1828800" indent="0">
+              <a:buNone/>
+              <a:defRPr sz="1400">
+                <a:solidFill>
+                  <a:schemeClr val="tx1">
+                    <a:tint val="75000"/>
+                  </a:schemeClr>
+                </a:solidFill>
+              </a:defRPr>
+            </a:lvl5pPr>
+            <a:lvl6pPr marL="2286000" indent="0">
+              <a:buNone/>
+              <a:defRPr sz="1400">
+                <a:solidFill>
+                  <a:schemeClr val="tx1">
+                    <a:tint val="75000"/>
+                  </a:schemeClr>
+                </a:solidFill>
+              </a:defRPr>
+            </a:lvl6pPr>
+            <a:lvl7pPr marL="2743200" indent="0">
+              <a:buNone/>
+              <a:defRPr sz="1400">
+                <a:solidFill>
+                  <a:schemeClr val="tx1">
+                    <a:tint val="75000"/>
+                  </a:schemeClr>
+                </a:solidFill>
+              </a:defRPr>
+            </a:lvl7pPr>
+            <a:lvl8pPr marL="3200400" indent="0">
+              <a:buNone/>
+              <a:defRPr sz="1400">
+                <a:solidFill>
+                  <a:schemeClr val="tx1">
+                    <a:tint val="75000"/>
+                  </a:schemeClr>
+                </a:solidFill>
+              </a:defRPr>
+            </a:lvl8pPr>
+            <a:lvl9pPr marL="3657600" indent="0">
+              <a:buNone/>
+              <a:defRPr sz="1400">
+                <a:solidFill>
+                  <a:schemeClr val="tx1">
+                    <a:tint val="75000"/>
+                  </a:schemeClr>
+                </a:solidFill>
+              </a:defRPr>
+            </a:lvl9pPr>
+          </a:lstStyle>
+          <a:p>
+            <a:pPr lvl="0"/>
+            <a:r>
+              <a:rPr lang="en-US" smtClean="0"/>
+              <a:t>Edit Master text styles</a:t>
+            </a:r>
+          </a:p>
+        </p:txBody>
+      </p:sp>
+      <p:sp>
+        <p:nvSpPr>
+          <p:cNvPr id="4" name="Date Placeholder 3"/>
+          <p:cNvSpPr>
+            <a:spLocks noGrp="1"/>
+          </p:cNvSpPr>
+          <p:nvPr>
+            <p:ph type="dt" sz="half" idx="10"/>
+          </p:nvPr>
+        </p:nvSpPr>
+        <p:spPr/>
+        <p:txBody>
+          <a:bodyPr/>
+          <a:lstStyle/>
+          <a:p>
+            <a:fld id="{4AAD347D-5ACD-4C99-B74B-A9C85AD731AF}" type="datetimeFigureOut">
+              <a:rPr lang="en-US" smtClean="0"/>
+              <a:t>12/17/2023</a:t>
+            </a:fld>
+            <a:endParaRPr lang="en-US" dirty="0"/>
+          </a:p>
+        </p:txBody>
+      </p:sp>
+      <p:sp>
+        <p:nvSpPr>
+          <p:cNvPr id="5" name="Footer Placeholder 4"/>
+          <p:cNvSpPr>
+            <a:spLocks noGrp="1"/>
+          </p:cNvSpPr>
+          <p:nvPr>
+            <p:ph type="ftr" sz="quarter" idx="11"/>
+          </p:nvPr>
+        </p:nvSpPr>
+        <p:spPr/>
+        <p:txBody>
+          <a:bodyPr/>
+          <a:lstStyle/>
+          <a:p>
+            <a:endParaRPr lang="en-US" dirty="0"/>
+          </a:p>
+        </p:txBody>
+      </p:sp>
+      <p:sp>
+        <p:nvSpPr>
+          <p:cNvPr id="6" name="Slide Number Placeholder 5"/>
+          <p:cNvSpPr>
+            <a:spLocks noGrp="1"/>
+          </p:cNvSpPr>
+          <p:nvPr>
+            <p:ph type="sldNum" sz="quarter" idx="12"/>
+          </p:nvPr>
+        </p:nvSpPr>
+        <p:spPr/>
+        <p:txBody>
+          <a:bodyPr/>
+          <a:lstStyle/>
+          <a:p>
+            <a:fld id="{D57F1E4F-1CFF-5643-939E-02111984F565}" type="slidenum">
+              <a:rPr lang="en-US" smtClean="0"/>
+              <a:t>‹#›</a:t>
+            </a:fld>
+            <a:endParaRPr lang="en-US" dirty="0"/>
+          </a:p>
+        </p:txBody>
+      </p:sp>
+    </p:spTree>
+    <p:extLst>
+      <p:ext uri="{BB962C8B-B14F-4D97-AF65-F5344CB8AC3E}">
+        <p14:creationId xmlns:p14="http://schemas.microsoft.com/office/powerpoint/2010/main" val="676024280"/>
+      </p:ext>
+    </p:extLst>
+  </p:cSld>
+  <p:clrMapOvr>
+    <a:masterClrMapping/>
+  </p:clrMapOvr>
+  <p:hf sldNum="0" hdr="0" ftr="0" dt="0"/>
+</p:sldLayout>
+</file>
+
+<file path=ppt/slideLayouts/slideLayout15.xml><?xml version="1.0" encoding="utf-8"?>
+<p:sldLayout xmlns:a="http://schemas.openxmlformats.org/drawingml/2006/main" xmlns:r="http://schemas.openxmlformats.org/officeDocument/2006/relationships" xmlns:p="http://schemas.openxmlformats.org/presentationml/2006/main" type="vertTx" preserve="1">
+  <p:cSld name="Title and Vertical Text">
+    <p:spTree>
+      <p:nvGrpSpPr>
+        <p:cNvPr id="1" name=""/>
+        <p:cNvGrpSpPr/>
+        <p:nvPr/>
+      </p:nvGrpSpPr>
+      <p:grpSpPr>
+        <a:xfrm>
+          <a:off x="0" y="0"/>
+          <a:ext cx="0" cy="0"/>
+          <a:chOff x="0" y="0"/>
+          <a:chExt cx="0" cy="0"/>
+        </a:xfrm>
+      </p:grpSpPr>
+      <p:sp>
+        <p:nvSpPr>
+          <p:cNvPr id="2" name="Title 1"/>
+          <p:cNvSpPr>
+            <a:spLocks noGrp="1"/>
+          </p:cNvSpPr>
+          <p:nvPr>
+            <p:ph type="title"/>
+          </p:nvPr>
+        </p:nvSpPr>
+        <p:spPr/>
+        <p:txBody>
+          <a:bodyPr/>
+          <a:lstStyle/>
+          <a:p>
+            <a:r>
+              <a:rPr lang="en-US" smtClean="0"/>
+              <a:t>Click to edit Master title style</a:t>
+            </a:r>
+            <a:endParaRPr lang="en-US" dirty="0"/>
+          </a:p>
+        </p:txBody>
+      </p:sp>
+      <p:sp>
+        <p:nvSpPr>
+          <p:cNvPr id="3" name="Vertical Text Placeholder 2"/>
+          <p:cNvSpPr>
+            <a:spLocks noGrp="1"/>
+          </p:cNvSpPr>
+          <p:nvPr>
+            <p:ph type="body" orient="vert" idx="1"/>
+          </p:nvPr>
+        </p:nvSpPr>
+        <p:spPr/>
+        <p:txBody>
+          <a:bodyPr vert="eaVert"/>
+          <a:lstStyle/>
+          <a:p>
+            <a:pPr lvl="0"/>
+            <a:r>
+              <a:rPr lang="en-US" smtClean="0"/>
+              <a:t>Edit Master text styles</a:t>
+            </a:r>
+          </a:p>
+          <a:p>
+            <a:pPr lvl="1"/>
+            <a:r>
+              <a:rPr lang="en-US" smtClean="0"/>
+              <a:t>Second level</a:t>
+            </a:r>
+          </a:p>
+          <a:p>
+            <a:pPr lvl="2"/>
+            <a:r>
+              <a:rPr lang="en-US" smtClean="0"/>
+              <a:t>Third level</a:t>
+            </a:r>
+          </a:p>
+          <a:p>
+            <a:pPr lvl="3"/>
+            <a:r>
+              <a:rPr lang="en-US" smtClean="0"/>
+              <a:t>Fourth level</a:t>
+            </a:r>
+          </a:p>
+          <a:p>
+            <a:pPr lvl="4"/>
+            <a:r>
+              <a:rPr lang="en-US" smtClean="0"/>
+              <a:t>Fifth level</a:t>
+            </a:r>
+            <a:endParaRPr lang="en-US" dirty="0"/>
+          </a:p>
+        </p:txBody>
+      </p:sp>
+      <p:sp>
+        <p:nvSpPr>
+          <p:cNvPr id="4" name="Date Placeholder 3"/>
+          <p:cNvSpPr>
+            <a:spLocks noGrp="1"/>
+          </p:cNvSpPr>
+          <p:nvPr>
+            <p:ph type="dt" sz="half" idx="10"/>
+          </p:nvPr>
+        </p:nvSpPr>
+        <p:spPr/>
+        <p:txBody>
+          <a:bodyPr/>
+          <a:lstStyle/>
+          <a:p>
+            <a:fld id="{4509A250-FF31-4206-8172-F9D3106AACB1}" type="datetimeFigureOut">
+              <a:rPr lang="en-US" smtClean="0"/>
+              <a:t>12/17/2023</a:t>
+            </a:fld>
+            <a:endParaRPr lang="en-US" dirty="0"/>
+          </a:p>
+        </p:txBody>
+      </p:sp>
+      <p:sp>
+        <p:nvSpPr>
+          <p:cNvPr id="5" name="Footer Placeholder 4"/>
+          <p:cNvSpPr>
+            <a:spLocks noGrp="1"/>
+          </p:cNvSpPr>
+          <p:nvPr>
+            <p:ph type="ftr" sz="quarter" idx="11"/>
+          </p:nvPr>
+        </p:nvSpPr>
+        <p:spPr/>
+        <p:txBody>
+          <a:bodyPr/>
+          <a:lstStyle/>
+          <a:p>
+            <a:endParaRPr lang="en-US" dirty="0"/>
+          </a:p>
+        </p:txBody>
+      </p:sp>
+      <p:sp>
+        <p:nvSpPr>
+          <p:cNvPr id="6" name="Slide Number Placeholder 5"/>
+          <p:cNvSpPr>
+            <a:spLocks noGrp="1"/>
+          </p:cNvSpPr>
+          <p:nvPr>
+            <p:ph type="sldNum" sz="quarter" idx="12"/>
+          </p:nvPr>
+        </p:nvSpPr>
+        <p:spPr/>
+        <p:txBody>
+          <a:bodyPr/>
+          <a:lstStyle/>
+          <a:p>
+            <a:fld id="{D57F1E4F-1CFF-5643-939E-02111984F565}" type="slidenum">
+              <a:rPr lang="en-US" smtClean="0"/>
+              <a:t>‹#›</a:t>
+            </a:fld>
+            <a:endParaRPr lang="en-US" dirty="0"/>
+          </a:p>
+        </p:txBody>
+      </p:sp>
+    </p:spTree>
+    <p:extLst>
+      <p:ext uri="{BB962C8B-B14F-4D97-AF65-F5344CB8AC3E}">
+        <p14:creationId xmlns:p14="http://schemas.microsoft.com/office/powerpoint/2010/main" val="25467051"/>
+      </p:ext>
+    </p:extLst>
+  </p:cSld>
+  <p:clrMapOvr>
+    <a:masterClrMapping/>
+  </p:clrMapOvr>
+  <p:hf sldNum="0" hdr="0" ftr="0" dt="0"/>
+</p:sldLayout>
+</file>
+
+<file path=ppt/slideLayouts/slideLayout16.xml><?xml version="1.0" encoding="utf-8"?>
+<p:sldLayout xmlns:a="http://schemas.openxmlformats.org/drawingml/2006/main" xmlns:r="http://schemas.openxmlformats.org/officeDocument/2006/relationships" xmlns:p="http://schemas.openxmlformats.org/presentationml/2006/main" type="vertTitleAndTx" preserve="1">
+  <p:cSld name="Vertical Title and Text">
+    <p:spTree>
+      <p:nvGrpSpPr>
+        <p:cNvPr id="1" name=""/>
+        <p:cNvGrpSpPr/>
+        <p:nvPr/>
+      </p:nvGrpSpPr>
+      <p:grpSpPr>
+        <a:xfrm>
+          <a:off x="0" y="0"/>
+          <a:ext cx="0" cy="0"/>
+          <a:chOff x="0" y="0"/>
+          <a:chExt cx="0" cy="0"/>
+        </a:xfrm>
+      </p:grpSpPr>
+      <p:sp>
+        <p:nvSpPr>
+          <p:cNvPr id="2" name="Vertical Title 1"/>
+          <p:cNvSpPr>
+            <a:spLocks noGrp="1"/>
+          </p:cNvSpPr>
+          <p:nvPr>
+            <p:ph type="title" orient="vert"/>
+          </p:nvPr>
+        </p:nvSpPr>
+        <p:spPr>
+          <a:xfrm>
+            <a:off x="7967673" y="609599"/>
+            <a:ext cx="1304743" cy="5251451"/>
+          </a:xfrm>
+        </p:spPr>
+        <p:txBody>
+          <a:bodyPr vert="eaVert" anchor="ctr"/>
+          <a:lstStyle/>
+          <a:p>
+            <a:r>
+              <a:rPr lang="en-US" smtClean="0"/>
+              <a:t>Click to edit Master title style</a:t>
+            </a:r>
+            <a:endParaRPr lang="en-US" dirty="0"/>
+          </a:p>
+        </p:txBody>
+      </p:sp>
+      <p:sp>
+        <p:nvSpPr>
+          <p:cNvPr id="3" name="Vertical Text Placeholder 2"/>
+          <p:cNvSpPr>
+            <a:spLocks noGrp="1"/>
+          </p:cNvSpPr>
+          <p:nvPr>
+            <p:ph type="body" orient="vert" idx="1"/>
+          </p:nvPr>
+        </p:nvSpPr>
+        <p:spPr>
+          <a:xfrm>
+            <a:off x="677335" y="609600"/>
+            <a:ext cx="7060150" cy="5251450"/>
+          </a:xfrm>
+        </p:spPr>
+        <p:txBody>
+          <a:bodyPr vert="eaVert"/>
+          <a:lstStyle/>
+          <a:p>
+            <a:pPr lvl="0"/>
+            <a:r>
+              <a:rPr lang="en-US" smtClean="0"/>
+              <a:t>Edit Master text styles</a:t>
+            </a:r>
+          </a:p>
+          <a:p>
+            <a:pPr lvl="1"/>
+            <a:r>
+              <a:rPr lang="en-US" smtClean="0"/>
+              <a:t>Second level</a:t>
+            </a:r>
+          </a:p>
+          <a:p>
+            <a:pPr lvl="2"/>
+            <a:r>
+              <a:rPr lang="en-US" smtClean="0"/>
+              <a:t>Third level</a:t>
+            </a:r>
+          </a:p>
+          <a:p>
+            <a:pPr lvl="3"/>
+            <a:r>
+              <a:rPr lang="en-US" smtClean="0"/>
+              <a:t>Fourth level</a:t>
+            </a:r>
+          </a:p>
+          <a:p>
+            <a:pPr lvl="4"/>
+            <a:r>
+              <a:rPr lang="en-US" smtClean="0"/>
+              <a:t>Fifth level</a:t>
+            </a:r>
+            <a:endParaRPr lang="en-US" dirty="0"/>
+          </a:p>
+        </p:txBody>
+      </p:sp>
+      <p:sp>
+        <p:nvSpPr>
+          <p:cNvPr id="4" name="Date Placeholder 3"/>
+          <p:cNvSpPr>
+            <a:spLocks noGrp="1"/>
+          </p:cNvSpPr>
+          <p:nvPr>
+            <p:ph type="dt" sz="half" idx="10"/>
+          </p:nvPr>
+        </p:nvSpPr>
+        <p:spPr/>
+        <p:txBody>
+          <a:bodyPr/>
+          <a:lstStyle/>
+          <a:p>
+            <a:fld id="{4509A250-FF31-4206-8172-F9D3106AACB1}" type="datetimeFigureOut">
+              <a:rPr lang="en-US" smtClean="0"/>
+              <a:t>12/17/2023</a:t>
+            </a:fld>
+            <a:endParaRPr lang="en-US" dirty="0"/>
+          </a:p>
+        </p:txBody>
+      </p:sp>
+      <p:sp>
+        <p:nvSpPr>
+          <p:cNvPr id="5" name="Footer Placeholder 4"/>
+          <p:cNvSpPr>
+            <a:spLocks noGrp="1"/>
+          </p:cNvSpPr>
+          <p:nvPr>
+            <p:ph type="ftr" sz="quarter" idx="11"/>
+          </p:nvPr>
+        </p:nvSpPr>
+        <p:spPr/>
+        <p:txBody>
+          <a:bodyPr/>
+          <a:lstStyle/>
+          <a:p>
+            <a:endParaRPr lang="en-US" dirty="0"/>
+          </a:p>
+        </p:txBody>
+      </p:sp>
+      <p:sp>
+        <p:nvSpPr>
+          <p:cNvPr id="6" name="Slide Number Placeholder 5"/>
+          <p:cNvSpPr>
+            <a:spLocks noGrp="1"/>
+          </p:cNvSpPr>
+          <p:nvPr>
+            <p:ph type="sldNum" sz="quarter" idx="12"/>
+          </p:nvPr>
+        </p:nvSpPr>
+        <p:spPr/>
+        <p:txBody>
+          <a:bodyPr/>
+          <a:lstStyle/>
+          <a:p>
+            <a:fld id="{D57F1E4F-1CFF-5643-939E-02111984F565}" type="slidenum">
+              <a:rPr lang="en-US" smtClean="0"/>
+              <a:t>‹#›</a:t>
+            </a:fld>
+            <a:endParaRPr lang="en-US" dirty="0"/>
+          </a:p>
+        </p:txBody>
+      </p:sp>
+    </p:spTree>
+    <p:extLst>
+      <p:ext uri="{BB962C8B-B14F-4D97-AF65-F5344CB8AC3E}">
+        <p14:creationId xmlns:p14="http://schemas.microsoft.com/office/powerpoint/2010/main" val="856383061"/>
+      </p:ext>
+    </p:extLst>
+  </p:cSld>
+  <p:clrMapOvr>
+    <a:masterClrMapping/>
+  </p:clrMapOvr>
+  <p:hf sldNum="0" hdr="0" ftr="0" dt="0"/>
+</p:sldLayout>
+</file>
+
+<file path=ppt/slideLayouts/slideLayout17.xml><?xml version="1.0" encoding="utf-8"?>
+<p:sldLayout xmlns:a="http://schemas.openxmlformats.org/drawingml/2006/main" xmlns:r="http://schemas.openxmlformats.org/officeDocument/2006/relationships" xmlns:p="http://schemas.openxmlformats.org/presentationml/2006/main" showMasterSp="0" userDrawn="1">
   <p:cSld name="1_Esquema Personalizado">
     <p:spTree>
       <p:nvGrpSpPr>
@@ -3143,7 +5898,7 @@
     </p:spTree>
     <p:extLst>
       <p:ext uri="{BB962C8B-B14F-4D97-AF65-F5344CB8AC3E}">
-        <p14:creationId xmlns:p14="http://schemas.microsoft.com/office/powerpoint/2010/main" val="3111469673"/>
+        <p14:creationId xmlns:p14="http://schemas.microsoft.com/office/powerpoint/2010/main" val="3219714699"/>
       </p:ext>
     </p:extLst>
   </p:cSld>
@@ -3153,8 +5908,8 @@
 </p:sldLayout>
 </file>
 
-<file path=ppt/slideLayouts/slideLayout2.xml><?xml version="1.0" encoding="utf-8"?>
-<p:sldLayout xmlns:a="http://schemas.openxmlformats.org/drawingml/2006/main" xmlns:r="http://schemas.openxmlformats.org/officeDocument/2006/relationships" xmlns:p="http://schemas.openxmlformats.org/presentationml/2006/main" showMasterSp="0" preserve="1" userDrawn="1">
+<file path=ppt/slideLayouts/slideLayout18.xml><?xml version="1.0" encoding="utf-8"?>
+<p:sldLayout xmlns:a="http://schemas.openxmlformats.org/drawingml/2006/main" xmlns:r="http://schemas.openxmlformats.org/officeDocument/2006/relationships" xmlns:p="http://schemas.openxmlformats.org/presentationml/2006/main" showMasterSp="0" userDrawn="1">
   <p:cSld name="11_Esquema Personalizado">
     <p:spTree>
       <p:nvGrpSpPr>
@@ -3210,7 +5965,7 @@
     </p:spTree>
     <p:extLst>
       <p:ext uri="{BB962C8B-B14F-4D97-AF65-F5344CB8AC3E}">
-        <p14:creationId xmlns:p14="http://schemas.microsoft.com/office/powerpoint/2010/main" val="3716709979"/>
+        <p14:creationId xmlns:p14="http://schemas.microsoft.com/office/powerpoint/2010/main" val="68332153"/>
       </p:ext>
     </p:extLst>
   </p:cSld>
@@ -3236,7 +5991,7 @@
 </p:sldLayout>
 </file>
 
-<file path=ppt/slideLayouts/slideLayout3.xml><?xml version="1.0" encoding="utf-8"?>
+<file path=ppt/slideLayouts/slideLayout19.xml><?xml version="1.0" encoding="utf-8"?>
 <p:sldLayout xmlns:a="http://schemas.openxmlformats.org/drawingml/2006/main" xmlns:r="http://schemas.openxmlformats.org/officeDocument/2006/relationships" xmlns:p="http://schemas.openxmlformats.org/presentationml/2006/main" showMasterSp="0" preserve="1" userDrawn="1">
   <p:cSld name="124_Esquema Personalizado">
     <p:spTree>
@@ -3349,7 +6104,184 @@
 </p:sldLayout>
 </file>
 
-<file path=ppt/slideLayouts/slideLayout4.xml><?xml version="1.0" encoding="utf-8"?>
+<file path=ppt/slideLayouts/slideLayout2.xml><?xml version="1.0" encoding="utf-8"?>
+<p:sldLayout xmlns:a="http://schemas.openxmlformats.org/drawingml/2006/main" xmlns:r="http://schemas.openxmlformats.org/officeDocument/2006/relationships" xmlns:p="http://schemas.openxmlformats.org/presentationml/2006/main" type="obj" preserve="1">
+  <p:cSld name="Title and Content">
+    <p:spTree>
+      <p:nvGrpSpPr>
+        <p:cNvPr id="1" name=""/>
+        <p:cNvGrpSpPr/>
+        <p:nvPr/>
+      </p:nvGrpSpPr>
+      <p:grpSpPr>
+        <a:xfrm>
+          <a:off x="0" y="0"/>
+          <a:ext cx="0" cy="0"/>
+          <a:chOff x="0" y="0"/>
+          <a:chExt cx="0" cy="0"/>
+        </a:xfrm>
+      </p:grpSpPr>
+      <p:sp>
+        <p:nvSpPr>
+          <p:cNvPr id="2" name="Title 1"/>
+          <p:cNvSpPr>
+            <a:spLocks noGrp="1"/>
+          </p:cNvSpPr>
+          <p:nvPr>
+            <p:ph type="title"/>
+          </p:nvPr>
+        </p:nvSpPr>
+        <p:spPr/>
+        <p:txBody>
+          <a:bodyPr>
+            <a:normAutofit/>
+          </a:bodyPr>
+          <a:lstStyle>
+            <a:lvl1pPr>
+              <a:defRPr sz="3600"/>
+            </a:lvl1pPr>
+          </a:lstStyle>
+          <a:p>
+            <a:r>
+              <a:rPr lang="en-US" smtClean="0"/>
+              <a:t>Click to edit Master title style</a:t>
+            </a:r>
+            <a:endParaRPr lang="en-US" dirty="0"/>
+          </a:p>
+        </p:txBody>
+      </p:sp>
+      <p:sp>
+        <p:nvSpPr>
+          <p:cNvPr id="3" name="Content Placeholder 2"/>
+          <p:cNvSpPr>
+            <a:spLocks noGrp="1"/>
+          </p:cNvSpPr>
+          <p:nvPr>
+            <p:ph idx="1"/>
+          </p:nvPr>
+        </p:nvSpPr>
+        <p:spPr/>
+        <p:txBody>
+          <a:bodyPr/>
+          <a:lstStyle/>
+          <a:p>
+            <a:pPr lvl="0"/>
+            <a:r>
+              <a:rPr lang="en-US" smtClean="0"/>
+              <a:t>Edit Master text styles</a:t>
+            </a:r>
+          </a:p>
+          <a:p>
+            <a:pPr lvl="1"/>
+            <a:r>
+              <a:rPr lang="en-US" smtClean="0"/>
+              <a:t>Second level</a:t>
+            </a:r>
+          </a:p>
+          <a:p>
+            <a:pPr lvl="2"/>
+            <a:r>
+              <a:rPr lang="en-US" smtClean="0"/>
+              <a:t>Third level</a:t>
+            </a:r>
+          </a:p>
+          <a:p>
+            <a:pPr lvl="3"/>
+            <a:r>
+              <a:rPr lang="en-US" smtClean="0"/>
+              <a:t>Fourth level</a:t>
+            </a:r>
+          </a:p>
+          <a:p>
+            <a:pPr lvl="4"/>
+            <a:r>
+              <a:rPr lang="en-US" smtClean="0"/>
+              <a:t>Fifth level</a:t>
+            </a:r>
+            <a:endParaRPr lang="en-US" dirty="0"/>
+          </a:p>
+        </p:txBody>
+      </p:sp>
+      <p:sp>
+        <p:nvSpPr>
+          <p:cNvPr id="4" name="Date Placeholder 3"/>
+          <p:cNvSpPr>
+            <a:spLocks noGrp="1"/>
+          </p:cNvSpPr>
+          <p:nvPr>
+            <p:ph type="dt" sz="half" idx="10"/>
+          </p:nvPr>
+        </p:nvSpPr>
+        <p:spPr/>
+        <p:txBody>
+          <a:bodyPr/>
+          <a:lstStyle/>
+          <a:p>
+            <a:fld id="{4509A250-FF31-4206-8172-F9D3106AACB1}" type="datetimeFigureOut">
+              <a:rPr lang="en-US" smtClean="0"/>
+              <a:t>12/17/2023</a:t>
+            </a:fld>
+            <a:endParaRPr lang="en-US" dirty="0"/>
+          </a:p>
+        </p:txBody>
+      </p:sp>
+      <p:sp>
+        <p:nvSpPr>
+          <p:cNvPr id="5" name="Footer Placeholder 4"/>
+          <p:cNvSpPr>
+            <a:spLocks noGrp="1"/>
+          </p:cNvSpPr>
+          <p:nvPr>
+            <p:ph type="ftr" sz="quarter" idx="11"/>
+          </p:nvPr>
+        </p:nvSpPr>
+        <p:spPr/>
+        <p:txBody>
+          <a:bodyPr/>
+          <a:lstStyle/>
+          <a:p>
+            <a:endParaRPr lang="en-US" dirty="0"/>
+          </a:p>
+        </p:txBody>
+      </p:sp>
+      <p:sp>
+        <p:nvSpPr>
+          <p:cNvPr id="6" name="Slide Number Placeholder 5"/>
+          <p:cNvSpPr>
+            <a:spLocks noGrp="1"/>
+          </p:cNvSpPr>
+          <p:nvPr>
+            <p:ph type="sldNum" sz="quarter" idx="12"/>
+          </p:nvPr>
+        </p:nvSpPr>
+        <p:spPr/>
+        <p:txBody>
+          <a:bodyPr/>
+          <a:lstStyle/>
+          <a:p>
+            <a:fld id="{D57F1E4F-1CFF-5643-939E-02111984F565}" type="slidenum">
+              <a:rPr lang="en-US" smtClean="0"/>
+              <a:t>‹#›</a:t>
+            </a:fld>
+            <a:endParaRPr lang="en-US" dirty="0"/>
+          </a:p>
+        </p:txBody>
+      </p:sp>
+    </p:spTree>
+    <p:extLst>
+      <p:ext uri="{BB962C8B-B14F-4D97-AF65-F5344CB8AC3E}">
+        <p14:creationId xmlns:p14="http://schemas.microsoft.com/office/powerpoint/2010/main" val="1094265895"/>
+      </p:ext>
+    </p:extLst>
+  </p:cSld>
+  <p:clrMapOvr>
+    <a:masterClrMapping/>
+  </p:clrMapOvr>
+  <p:hf sldNum="0" hdr="0" ftr="0" dt="0"/>
+</p:sldLayout>
+</file>
+
+<file path=ppt/slideLayouts/slideLayout20.xml><?xml version="1.0" encoding="utf-8"?>
 <p:sldLayout xmlns:a="http://schemas.openxmlformats.org/drawingml/2006/main" xmlns:r="http://schemas.openxmlformats.org/officeDocument/2006/relationships" xmlns:p="http://schemas.openxmlformats.org/presentationml/2006/main" showMasterSp="0" preserve="1" userDrawn="1">
   <p:cSld name="40_Esquema Personalizado">
     <p:spTree>
@@ -3459,7 +6391,7 @@
   <p:clrMapOvr>
     <a:masterClrMapping/>
   </p:clrMapOvr>
-  <p:extLst>
+  <p:extLst mod="1">
     <p:ext uri="{DCECCB84-F9BA-43D5-87BE-67443E8EF086}">
       <p15:sldGuideLst xmlns:p15="http://schemas.microsoft.com/office/powerpoint/2012/main">
         <p15:guide id="1" orient="horz" pos="2160">
@@ -3478,16 +6410,1609 @@
 </p:sldLayout>
 </file>
 
+<file path=ppt/slideLayouts/slideLayout3.xml><?xml version="1.0" encoding="utf-8"?>
+<p:sldLayout xmlns:a="http://schemas.openxmlformats.org/drawingml/2006/main" xmlns:r="http://schemas.openxmlformats.org/officeDocument/2006/relationships" xmlns:p="http://schemas.openxmlformats.org/presentationml/2006/main" type="secHead" preserve="1">
+  <p:cSld name="Section Header">
+    <p:spTree>
+      <p:nvGrpSpPr>
+        <p:cNvPr id="1" name=""/>
+        <p:cNvGrpSpPr/>
+        <p:nvPr/>
+      </p:nvGrpSpPr>
+      <p:grpSpPr>
+        <a:xfrm>
+          <a:off x="0" y="0"/>
+          <a:ext cx="0" cy="0"/>
+          <a:chOff x="0" y="0"/>
+          <a:chExt cx="0" cy="0"/>
+        </a:xfrm>
+      </p:grpSpPr>
+      <p:sp>
+        <p:nvSpPr>
+          <p:cNvPr id="2" name="Title 1"/>
+          <p:cNvSpPr>
+            <a:spLocks noGrp="1"/>
+          </p:cNvSpPr>
+          <p:nvPr>
+            <p:ph type="title"/>
+          </p:nvPr>
+        </p:nvSpPr>
+        <p:spPr>
+          <a:xfrm>
+            <a:off x="677335" y="2700867"/>
+            <a:ext cx="8596668" cy="1826581"/>
+          </a:xfrm>
+        </p:spPr>
+        <p:txBody>
+          <a:bodyPr anchor="b"/>
+          <a:lstStyle>
+            <a:lvl1pPr algn="l">
+              <a:defRPr sz="4000" b="0" cap="none"/>
+            </a:lvl1pPr>
+          </a:lstStyle>
+          <a:p>
+            <a:r>
+              <a:rPr lang="en-US" smtClean="0"/>
+              <a:t>Click to edit Master title style</a:t>
+            </a:r>
+            <a:endParaRPr lang="en-US" dirty="0"/>
+          </a:p>
+        </p:txBody>
+      </p:sp>
+      <p:sp>
+        <p:nvSpPr>
+          <p:cNvPr id="3" name="Text Placeholder 2"/>
+          <p:cNvSpPr>
+            <a:spLocks noGrp="1"/>
+          </p:cNvSpPr>
+          <p:nvPr>
+            <p:ph type="body" idx="1"/>
+          </p:nvPr>
+        </p:nvSpPr>
+        <p:spPr>
+          <a:xfrm>
+            <a:off x="677335" y="4527448"/>
+            <a:ext cx="8596668" cy="860400"/>
+          </a:xfrm>
+        </p:spPr>
+        <p:txBody>
+          <a:bodyPr anchor="t"/>
+          <a:lstStyle>
+            <a:lvl1pPr marL="0" indent="0" algn="l">
+              <a:buNone/>
+              <a:defRPr sz="2000">
+                <a:solidFill>
+                  <a:schemeClr val="tx1">
+                    <a:lumMod val="50000"/>
+                    <a:lumOff val="50000"/>
+                  </a:schemeClr>
+                </a:solidFill>
+              </a:defRPr>
+            </a:lvl1pPr>
+            <a:lvl2pPr marL="457200" indent="0">
+              <a:buNone/>
+              <a:defRPr sz="1800">
+                <a:solidFill>
+                  <a:schemeClr val="tx1">
+                    <a:tint val="75000"/>
+                  </a:schemeClr>
+                </a:solidFill>
+              </a:defRPr>
+            </a:lvl2pPr>
+            <a:lvl3pPr marL="914400" indent="0">
+              <a:buNone/>
+              <a:defRPr sz="1600">
+                <a:solidFill>
+                  <a:schemeClr val="tx1">
+                    <a:tint val="75000"/>
+                  </a:schemeClr>
+                </a:solidFill>
+              </a:defRPr>
+            </a:lvl3pPr>
+            <a:lvl4pPr marL="1371600" indent="0">
+              <a:buNone/>
+              <a:defRPr sz="1400">
+                <a:solidFill>
+                  <a:schemeClr val="tx1">
+                    <a:tint val="75000"/>
+                  </a:schemeClr>
+                </a:solidFill>
+              </a:defRPr>
+            </a:lvl4pPr>
+            <a:lvl5pPr marL="1828800" indent="0">
+              <a:buNone/>
+              <a:defRPr sz="1400">
+                <a:solidFill>
+                  <a:schemeClr val="tx1">
+                    <a:tint val="75000"/>
+                  </a:schemeClr>
+                </a:solidFill>
+              </a:defRPr>
+            </a:lvl5pPr>
+            <a:lvl6pPr marL="2286000" indent="0">
+              <a:buNone/>
+              <a:defRPr sz="1400">
+                <a:solidFill>
+                  <a:schemeClr val="tx1">
+                    <a:tint val="75000"/>
+                  </a:schemeClr>
+                </a:solidFill>
+              </a:defRPr>
+            </a:lvl6pPr>
+            <a:lvl7pPr marL="2743200" indent="0">
+              <a:buNone/>
+              <a:defRPr sz="1400">
+                <a:solidFill>
+                  <a:schemeClr val="tx1">
+                    <a:tint val="75000"/>
+                  </a:schemeClr>
+                </a:solidFill>
+              </a:defRPr>
+            </a:lvl7pPr>
+            <a:lvl8pPr marL="3200400" indent="0">
+              <a:buNone/>
+              <a:defRPr sz="1400">
+                <a:solidFill>
+                  <a:schemeClr val="tx1">
+                    <a:tint val="75000"/>
+                  </a:schemeClr>
+                </a:solidFill>
+              </a:defRPr>
+            </a:lvl8pPr>
+            <a:lvl9pPr marL="3657600" indent="0">
+              <a:buNone/>
+              <a:defRPr sz="1400">
+                <a:solidFill>
+                  <a:schemeClr val="tx1">
+                    <a:tint val="75000"/>
+                  </a:schemeClr>
+                </a:solidFill>
+              </a:defRPr>
+            </a:lvl9pPr>
+          </a:lstStyle>
+          <a:p>
+            <a:pPr lvl="0"/>
+            <a:r>
+              <a:rPr lang="en-US" smtClean="0"/>
+              <a:t>Edit Master text styles</a:t>
+            </a:r>
+          </a:p>
+        </p:txBody>
+      </p:sp>
+      <p:sp>
+        <p:nvSpPr>
+          <p:cNvPr id="4" name="Date Placeholder 3"/>
+          <p:cNvSpPr>
+            <a:spLocks noGrp="1"/>
+          </p:cNvSpPr>
+          <p:nvPr>
+            <p:ph type="dt" sz="half" idx="10"/>
+          </p:nvPr>
+        </p:nvSpPr>
+        <p:spPr/>
+        <p:txBody>
+          <a:bodyPr/>
+          <a:lstStyle/>
+          <a:p>
+            <a:fld id="{9796027F-7875-4030-9381-8BD8C4F21935}" type="datetimeFigureOut">
+              <a:rPr lang="en-US" smtClean="0"/>
+              <a:t>12/17/2023</a:t>
+            </a:fld>
+            <a:endParaRPr lang="en-US" dirty="0"/>
+          </a:p>
+        </p:txBody>
+      </p:sp>
+      <p:sp>
+        <p:nvSpPr>
+          <p:cNvPr id="5" name="Footer Placeholder 4"/>
+          <p:cNvSpPr>
+            <a:spLocks noGrp="1"/>
+          </p:cNvSpPr>
+          <p:nvPr>
+            <p:ph type="ftr" sz="quarter" idx="11"/>
+          </p:nvPr>
+        </p:nvSpPr>
+        <p:spPr/>
+        <p:txBody>
+          <a:bodyPr/>
+          <a:lstStyle/>
+          <a:p>
+            <a:endParaRPr lang="en-US" dirty="0"/>
+          </a:p>
+        </p:txBody>
+      </p:sp>
+      <p:sp>
+        <p:nvSpPr>
+          <p:cNvPr id="6" name="Slide Number Placeholder 5"/>
+          <p:cNvSpPr>
+            <a:spLocks noGrp="1"/>
+          </p:cNvSpPr>
+          <p:nvPr>
+            <p:ph type="sldNum" sz="quarter" idx="12"/>
+          </p:nvPr>
+        </p:nvSpPr>
+        <p:spPr/>
+        <p:txBody>
+          <a:bodyPr/>
+          <a:lstStyle/>
+          <a:p>
+            <a:fld id="{D57F1E4F-1CFF-5643-939E-02111984F565}" type="slidenum">
+              <a:rPr lang="en-US" smtClean="0"/>
+              <a:t>‹#›</a:t>
+            </a:fld>
+            <a:endParaRPr lang="en-US" dirty="0"/>
+          </a:p>
+        </p:txBody>
+      </p:sp>
+    </p:spTree>
+    <p:extLst>
+      <p:ext uri="{BB962C8B-B14F-4D97-AF65-F5344CB8AC3E}">
+        <p14:creationId xmlns:p14="http://schemas.microsoft.com/office/powerpoint/2010/main" val="498364708"/>
+      </p:ext>
+    </p:extLst>
+  </p:cSld>
+  <p:clrMapOvr>
+    <a:masterClrMapping/>
+  </p:clrMapOvr>
+  <p:hf sldNum="0" hdr="0" ftr="0" dt="0"/>
+</p:sldLayout>
+</file>
+
+<file path=ppt/slideLayouts/slideLayout4.xml><?xml version="1.0" encoding="utf-8"?>
+<p:sldLayout xmlns:a="http://schemas.openxmlformats.org/drawingml/2006/main" xmlns:r="http://schemas.openxmlformats.org/officeDocument/2006/relationships" xmlns:p="http://schemas.openxmlformats.org/presentationml/2006/main" type="twoObj" preserve="1">
+  <p:cSld name="Two Content">
+    <p:spTree>
+      <p:nvGrpSpPr>
+        <p:cNvPr id="1" name=""/>
+        <p:cNvGrpSpPr/>
+        <p:nvPr/>
+      </p:nvGrpSpPr>
+      <p:grpSpPr>
+        <a:xfrm>
+          <a:off x="0" y="0"/>
+          <a:ext cx="0" cy="0"/>
+          <a:chOff x="0" y="0"/>
+          <a:chExt cx="0" cy="0"/>
+        </a:xfrm>
+      </p:grpSpPr>
+      <p:sp>
+        <p:nvSpPr>
+          <p:cNvPr id="2" name="Title 1"/>
+          <p:cNvSpPr>
+            <a:spLocks noGrp="1"/>
+          </p:cNvSpPr>
+          <p:nvPr>
+            <p:ph type="title"/>
+          </p:nvPr>
+        </p:nvSpPr>
+        <p:spPr/>
+        <p:txBody>
+          <a:bodyPr/>
+          <a:lstStyle/>
+          <a:p>
+            <a:r>
+              <a:rPr lang="en-US" smtClean="0"/>
+              <a:t>Click to edit Master title style</a:t>
+            </a:r>
+            <a:endParaRPr lang="en-US" dirty="0"/>
+          </a:p>
+        </p:txBody>
+      </p:sp>
+      <p:sp>
+        <p:nvSpPr>
+          <p:cNvPr id="3" name="Content Placeholder 2"/>
+          <p:cNvSpPr>
+            <a:spLocks noGrp="1"/>
+          </p:cNvSpPr>
+          <p:nvPr>
+            <p:ph sz="half" idx="1"/>
+          </p:nvPr>
+        </p:nvSpPr>
+        <p:spPr>
+          <a:xfrm>
+            <a:off x="677334" y="2160589"/>
+            <a:ext cx="4184035" cy="3880772"/>
+          </a:xfrm>
+        </p:spPr>
+        <p:txBody>
+          <a:bodyPr/>
+          <a:lstStyle/>
+          <a:p>
+            <a:pPr lvl="0"/>
+            <a:r>
+              <a:rPr lang="en-US" smtClean="0"/>
+              <a:t>Edit Master text styles</a:t>
+            </a:r>
+          </a:p>
+          <a:p>
+            <a:pPr lvl="1"/>
+            <a:r>
+              <a:rPr lang="en-US" smtClean="0"/>
+              <a:t>Second level</a:t>
+            </a:r>
+          </a:p>
+          <a:p>
+            <a:pPr lvl="2"/>
+            <a:r>
+              <a:rPr lang="en-US" smtClean="0"/>
+              <a:t>Third level</a:t>
+            </a:r>
+          </a:p>
+          <a:p>
+            <a:pPr lvl="3"/>
+            <a:r>
+              <a:rPr lang="en-US" smtClean="0"/>
+              <a:t>Fourth level</a:t>
+            </a:r>
+          </a:p>
+          <a:p>
+            <a:pPr lvl="4"/>
+            <a:r>
+              <a:rPr lang="en-US" smtClean="0"/>
+              <a:t>Fifth level</a:t>
+            </a:r>
+            <a:endParaRPr lang="en-US" dirty="0"/>
+          </a:p>
+        </p:txBody>
+      </p:sp>
+      <p:sp>
+        <p:nvSpPr>
+          <p:cNvPr id="4" name="Content Placeholder 3"/>
+          <p:cNvSpPr>
+            <a:spLocks noGrp="1"/>
+          </p:cNvSpPr>
+          <p:nvPr>
+            <p:ph sz="half" idx="2"/>
+          </p:nvPr>
+        </p:nvSpPr>
+        <p:spPr>
+          <a:xfrm>
+            <a:off x="5089970" y="2160589"/>
+            <a:ext cx="4184034" cy="3880773"/>
+          </a:xfrm>
+        </p:spPr>
+        <p:txBody>
+          <a:bodyPr/>
+          <a:lstStyle/>
+          <a:p>
+            <a:pPr lvl="0"/>
+            <a:r>
+              <a:rPr lang="en-US" smtClean="0"/>
+              <a:t>Edit Master text styles</a:t>
+            </a:r>
+          </a:p>
+          <a:p>
+            <a:pPr lvl="1"/>
+            <a:r>
+              <a:rPr lang="en-US" smtClean="0"/>
+              <a:t>Second level</a:t>
+            </a:r>
+          </a:p>
+          <a:p>
+            <a:pPr lvl="2"/>
+            <a:r>
+              <a:rPr lang="en-US" smtClean="0"/>
+              <a:t>Third level</a:t>
+            </a:r>
+          </a:p>
+          <a:p>
+            <a:pPr lvl="3"/>
+            <a:r>
+              <a:rPr lang="en-US" smtClean="0"/>
+              <a:t>Fourth level</a:t>
+            </a:r>
+          </a:p>
+          <a:p>
+            <a:pPr lvl="4"/>
+            <a:r>
+              <a:rPr lang="en-US" smtClean="0"/>
+              <a:t>Fifth level</a:t>
+            </a:r>
+            <a:endParaRPr lang="en-US" dirty="0"/>
+          </a:p>
+        </p:txBody>
+      </p:sp>
+      <p:sp>
+        <p:nvSpPr>
+          <p:cNvPr id="5" name="Date Placeholder 4"/>
+          <p:cNvSpPr>
+            <a:spLocks noGrp="1"/>
+          </p:cNvSpPr>
+          <p:nvPr>
+            <p:ph type="dt" sz="half" idx="10"/>
+          </p:nvPr>
+        </p:nvSpPr>
+        <p:spPr/>
+        <p:txBody>
+          <a:bodyPr/>
+          <a:lstStyle/>
+          <a:p>
+            <a:fld id="{9796027F-7875-4030-9381-8BD8C4F21935}" type="datetimeFigureOut">
+              <a:rPr lang="en-US" smtClean="0"/>
+              <a:t>12/17/2023</a:t>
+            </a:fld>
+            <a:endParaRPr lang="en-US" dirty="0"/>
+          </a:p>
+        </p:txBody>
+      </p:sp>
+      <p:sp>
+        <p:nvSpPr>
+          <p:cNvPr id="6" name="Footer Placeholder 5"/>
+          <p:cNvSpPr>
+            <a:spLocks noGrp="1"/>
+          </p:cNvSpPr>
+          <p:nvPr>
+            <p:ph type="ftr" sz="quarter" idx="11"/>
+          </p:nvPr>
+        </p:nvSpPr>
+        <p:spPr/>
+        <p:txBody>
+          <a:bodyPr/>
+          <a:lstStyle/>
+          <a:p>
+            <a:endParaRPr lang="en-US" dirty="0"/>
+          </a:p>
+        </p:txBody>
+      </p:sp>
+      <p:sp>
+        <p:nvSpPr>
+          <p:cNvPr id="7" name="Slide Number Placeholder 6"/>
+          <p:cNvSpPr>
+            <a:spLocks noGrp="1"/>
+          </p:cNvSpPr>
+          <p:nvPr>
+            <p:ph type="sldNum" sz="quarter" idx="12"/>
+          </p:nvPr>
+        </p:nvSpPr>
+        <p:spPr/>
+        <p:txBody>
+          <a:bodyPr/>
+          <a:lstStyle/>
+          <a:p>
+            <a:fld id="{D57F1E4F-1CFF-5643-939E-02111984F565}" type="slidenum">
+              <a:rPr lang="en-US" smtClean="0"/>
+              <a:t>‹#›</a:t>
+            </a:fld>
+            <a:endParaRPr lang="en-US" dirty="0"/>
+          </a:p>
+        </p:txBody>
+      </p:sp>
+    </p:spTree>
+    <p:extLst>
+      <p:ext uri="{BB962C8B-B14F-4D97-AF65-F5344CB8AC3E}">
+        <p14:creationId xmlns:p14="http://schemas.microsoft.com/office/powerpoint/2010/main" val="3104944289"/>
+      </p:ext>
+    </p:extLst>
+  </p:cSld>
+  <p:clrMapOvr>
+    <a:masterClrMapping/>
+  </p:clrMapOvr>
+  <p:hf sldNum="0" hdr="0" ftr="0" dt="0"/>
+</p:sldLayout>
+</file>
+
+<file path=ppt/slideLayouts/slideLayout5.xml><?xml version="1.0" encoding="utf-8"?>
+<p:sldLayout xmlns:a="http://schemas.openxmlformats.org/drawingml/2006/main" xmlns:r="http://schemas.openxmlformats.org/officeDocument/2006/relationships" xmlns:p="http://schemas.openxmlformats.org/presentationml/2006/main" type="twoTxTwoObj" preserve="1">
+  <p:cSld name="Comparison">
+    <p:spTree>
+      <p:nvGrpSpPr>
+        <p:cNvPr id="1" name=""/>
+        <p:cNvGrpSpPr/>
+        <p:nvPr/>
+      </p:nvGrpSpPr>
+      <p:grpSpPr>
+        <a:xfrm>
+          <a:off x="0" y="0"/>
+          <a:ext cx="0" cy="0"/>
+          <a:chOff x="0" y="0"/>
+          <a:chExt cx="0" cy="0"/>
+        </a:xfrm>
+      </p:grpSpPr>
+      <p:sp>
+        <p:nvSpPr>
+          <p:cNvPr id="2" name="Title 1"/>
+          <p:cNvSpPr>
+            <a:spLocks noGrp="1"/>
+          </p:cNvSpPr>
+          <p:nvPr>
+            <p:ph type="title"/>
+          </p:nvPr>
+        </p:nvSpPr>
+        <p:spPr/>
+        <p:txBody>
+          <a:bodyPr/>
+          <a:lstStyle>
+            <a:lvl1pPr>
+              <a:defRPr/>
+            </a:lvl1pPr>
+          </a:lstStyle>
+          <a:p>
+            <a:r>
+              <a:rPr lang="en-US" smtClean="0"/>
+              <a:t>Click to edit Master title style</a:t>
+            </a:r>
+            <a:endParaRPr lang="en-US" dirty="0"/>
+          </a:p>
+        </p:txBody>
+      </p:sp>
+      <p:sp>
+        <p:nvSpPr>
+          <p:cNvPr id="3" name="Text Placeholder 2"/>
+          <p:cNvSpPr>
+            <a:spLocks noGrp="1"/>
+          </p:cNvSpPr>
+          <p:nvPr>
+            <p:ph type="body" idx="1"/>
+          </p:nvPr>
+        </p:nvSpPr>
+        <p:spPr>
+          <a:xfrm>
+            <a:off x="675745" y="2160983"/>
+            <a:ext cx="4185623" cy="576262"/>
+          </a:xfrm>
+        </p:spPr>
+        <p:txBody>
+          <a:bodyPr anchor="b">
+            <a:noAutofit/>
+          </a:bodyPr>
+          <a:lstStyle>
+            <a:lvl1pPr marL="0" indent="0">
+              <a:buNone/>
+              <a:defRPr sz="2400" b="0"/>
+            </a:lvl1pPr>
+            <a:lvl2pPr marL="457200" indent="0">
+              <a:buNone/>
+              <a:defRPr sz="2000" b="1"/>
+            </a:lvl2pPr>
+            <a:lvl3pPr marL="914400" indent="0">
+              <a:buNone/>
+              <a:defRPr sz="1800" b="1"/>
+            </a:lvl3pPr>
+            <a:lvl4pPr marL="1371600" indent="0">
+              <a:buNone/>
+              <a:defRPr sz="1600" b="1"/>
+            </a:lvl4pPr>
+            <a:lvl5pPr marL="1828800" indent="0">
+              <a:buNone/>
+              <a:defRPr sz="1600" b="1"/>
+            </a:lvl5pPr>
+            <a:lvl6pPr marL="2286000" indent="0">
+              <a:buNone/>
+              <a:defRPr sz="1600" b="1"/>
+            </a:lvl6pPr>
+            <a:lvl7pPr marL="2743200" indent="0">
+              <a:buNone/>
+              <a:defRPr sz="1600" b="1"/>
+            </a:lvl7pPr>
+            <a:lvl8pPr marL="3200400" indent="0">
+              <a:buNone/>
+              <a:defRPr sz="1600" b="1"/>
+            </a:lvl8pPr>
+            <a:lvl9pPr marL="3657600" indent="0">
+              <a:buNone/>
+              <a:defRPr sz="1600" b="1"/>
+            </a:lvl9pPr>
+          </a:lstStyle>
+          <a:p>
+            <a:pPr lvl="0"/>
+            <a:r>
+              <a:rPr lang="en-US" smtClean="0"/>
+              <a:t>Edit Master text styles</a:t>
+            </a:r>
+          </a:p>
+        </p:txBody>
+      </p:sp>
+      <p:sp>
+        <p:nvSpPr>
+          <p:cNvPr id="4" name="Content Placeholder 3"/>
+          <p:cNvSpPr>
+            <a:spLocks noGrp="1"/>
+          </p:cNvSpPr>
+          <p:nvPr>
+            <p:ph sz="half" idx="2"/>
+          </p:nvPr>
+        </p:nvSpPr>
+        <p:spPr>
+          <a:xfrm>
+            <a:off x="675745" y="2737245"/>
+            <a:ext cx="4185623" cy="3304117"/>
+          </a:xfrm>
+        </p:spPr>
+        <p:txBody>
+          <a:bodyPr>
+            <a:normAutofit/>
+          </a:bodyPr>
+          <a:lstStyle/>
+          <a:p>
+            <a:pPr lvl="0"/>
+            <a:r>
+              <a:rPr lang="en-US" smtClean="0"/>
+              <a:t>Edit Master text styles</a:t>
+            </a:r>
+          </a:p>
+          <a:p>
+            <a:pPr lvl="1"/>
+            <a:r>
+              <a:rPr lang="en-US" smtClean="0"/>
+              <a:t>Second level</a:t>
+            </a:r>
+          </a:p>
+          <a:p>
+            <a:pPr lvl="2"/>
+            <a:r>
+              <a:rPr lang="en-US" smtClean="0"/>
+              <a:t>Third level</a:t>
+            </a:r>
+          </a:p>
+          <a:p>
+            <a:pPr lvl="3"/>
+            <a:r>
+              <a:rPr lang="en-US" smtClean="0"/>
+              <a:t>Fourth level</a:t>
+            </a:r>
+          </a:p>
+          <a:p>
+            <a:pPr lvl="4"/>
+            <a:r>
+              <a:rPr lang="en-US" smtClean="0"/>
+              <a:t>Fifth level</a:t>
+            </a:r>
+            <a:endParaRPr lang="en-US" dirty="0"/>
+          </a:p>
+        </p:txBody>
+      </p:sp>
+      <p:sp>
+        <p:nvSpPr>
+          <p:cNvPr id="5" name="Text Placeholder 4"/>
+          <p:cNvSpPr>
+            <a:spLocks noGrp="1"/>
+          </p:cNvSpPr>
+          <p:nvPr>
+            <p:ph type="body" sz="quarter" idx="3"/>
+          </p:nvPr>
+        </p:nvSpPr>
+        <p:spPr>
+          <a:xfrm>
+            <a:off x="5088383" y="2160983"/>
+            <a:ext cx="4185618" cy="576262"/>
+          </a:xfrm>
+        </p:spPr>
+        <p:txBody>
+          <a:bodyPr anchor="b">
+            <a:noAutofit/>
+          </a:bodyPr>
+          <a:lstStyle>
+            <a:lvl1pPr marL="0" indent="0">
+              <a:buNone/>
+              <a:defRPr sz="2400" b="0"/>
+            </a:lvl1pPr>
+            <a:lvl2pPr marL="457200" indent="0">
+              <a:buNone/>
+              <a:defRPr sz="2000" b="1"/>
+            </a:lvl2pPr>
+            <a:lvl3pPr marL="914400" indent="0">
+              <a:buNone/>
+              <a:defRPr sz="1800" b="1"/>
+            </a:lvl3pPr>
+            <a:lvl4pPr marL="1371600" indent="0">
+              <a:buNone/>
+              <a:defRPr sz="1600" b="1"/>
+            </a:lvl4pPr>
+            <a:lvl5pPr marL="1828800" indent="0">
+              <a:buNone/>
+              <a:defRPr sz="1600" b="1"/>
+            </a:lvl5pPr>
+            <a:lvl6pPr marL="2286000" indent="0">
+              <a:buNone/>
+              <a:defRPr sz="1600" b="1"/>
+            </a:lvl6pPr>
+            <a:lvl7pPr marL="2743200" indent="0">
+              <a:buNone/>
+              <a:defRPr sz="1600" b="1"/>
+            </a:lvl7pPr>
+            <a:lvl8pPr marL="3200400" indent="0">
+              <a:buNone/>
+              <a:defRPr sz="1600" b="1"/>
+            </a:lvl8pPr>
+            <a:lvl9pPr marL="3657600" indent="0">
+              <a:buNone/>
+              <a:defRPr sz="1600" b="1"/>
+            </a:lvl9pPr>
+          </a:lstStyle>
+          <a:p>
+            <a:pPr lvl="0"/>
+            <a:r>
+              <a:rPr lang="en-US" smtClean="0"/>
+              <a:t>Edit Master text styles</a:t>
+            </a:r>
+          </a:p>
+        </p:txBody>
+      </p:sp>
+      <p:sp>
+        <p:nvSpPr>
+          <p:cNvPr id="6" name="Content Placeholder 5"/>
+          <p:cNvSpPr>
+            <a:spLocks noGrp="1"/>
+          </p:cNvSpPr>
+          <p:nvPr>
+            <p:ph sz="quarter" idx="4"/>
+          </p:nvPr>
+        </p:nvSpPr>
+        <p:spPr>
+          <a:xfrm>
+            <a:off x="5088384" y="2737245"/>
+            <a:ext cx="4185617" cy="3304117"/>
+          </a:xfrm>
+        </p:spPr>
+        <p:txBody>
+          <a:bodyPr>
+            <a:normAutofit/>
+          </a:bodyPr>
+          <a:lstStyle/>
+          <a:p>
+            <a:pPr lvl="0"/>
+            <a:r>
+              <a:rPr lang="en-US" smtClean="0"/>
+              <a:t>Edit Master text styles</a:t>
+            </a:r>
+          </a:p>
+          <a:p>
+            <a:pPr lvl="1"/>
+            <a:r>
+              <a:rPr lang="en-US" smtClean="0"/>
+              <a:t>Second level</a:t>
+            </a:r>
+          </a:p>
+          <a:p>
+            <a:pPr lvl="2"/>
+            <a:r>
+              <a:rPr lang="en-US" smtClean="0"/>
+              <a:t>Third level</a:t>
+            </a:r>
+          </a:p>
+          <a:p>
+            <a:pPr lvl="3"/>
+            <a:r>
+              <a:rPr lang="en-US" smtClean="0"/>
+              <a:t>Fourth level</a:t>
+            </a:r>
+          </a:p>
+          <a:p>
+            <a:pPr lvl="4"/>
+            <a:r>
+              <a:rPr lang="en-US" smtClean="0"/>
+              <a:t>Fifth level</a:t>
+            </a:r>
+            <a:endParaRPr lang="en-US" dirty="0"/>
+          </a:p>
+        </p:txBody>
+      </p:sp>
+      <p:sp>
+        <p:nvSpPr>
+          <p:cNvPr id="7" name="Date Placeholder 6"/>
+          <p:cNvSpPr>
+            <a:spLocks noGrp="1"/>
+          </p:cNvSpPr>
+          <p:nvPr>
+            <p:ph type="dt" sz="half" idx="10"/>
+          </p:nvPr>
+        </p:nvSpPr>
+        <p:spPr/>
+        <p:txBody>
+          <a:bodyPr/>
+          <a:lstStyle/>
+          <a:p>
+            <a:fld id="{9796027F-7875-4030-9381-8BD8C4F21935}" type="datetimeFigureOut">
+              <a:rPr lang="en-US" smtClean="0"/>
+              <a:t>12/17/2023</a:t>
+            </a:fld>
+            <a:endParaRPr lang="en-US" dirty="0"/>
+          </a:p>
+        </p:txBody>
+      </p:sp>
+      <p:sp>
+        <p:nvSpPr>
+          <p:cNvPr id="8" name="Footer Placeholder 7"/>
+          <p:cNvSpPr>
+            <a:spLocks noGrp="1"/>
+          </p:cNvSpPr>
+          <p:nvPr>
+            <p:ph type="ftr" sz="quarter" idx="11"/>
+          </p:nvPr>
+        </p:nvSpPr>
+        <p:spPr/>
+        <p:txBody>
+          <a:bodyPr/>
+          <a:lstStyle/>
+          <a:p>
+            <a:endParaRPr lang="en-US" dirty="0"/>
+          </a:p>
+        </p:txBody>
+      </p:sp>
+      <p:sp>
+        <p:nvSpPr>
+          <p:cNvPr id="9" name="Slide Number Placeholder 8"/>
+          <p:cNvSpPr>
+            <a:spLocks noGrp="1"/>
+          </p:cNvSpPr>
+          <p:nvPr>
+            <p:ph type="sldNum" sz="quarter" idx="12"/>
+          </p:nvPr>
+        </p:nvSpPr>
+        <p:spPr/>
+        <p:txBody>
+          <a:bodyPr/>
+          <a:lstStyle/>
+          <a:p>
+            <a:fld id="{D57F1E4F-1CFF-5643-939E-02111984F565}" type="slidenum">
+              <a:rPr lang="en-US" smtClean="0"/>
+              <a:t>‹#›</a:t>
+            </a:fld>
+            <a:endParaRPr lang="en-US" dirty="0"/>
+          </a:p>
+        </p:txBody>
+      </p:sp>
+    </p:spTree>
+    <p:extLst>
+      <p:ext uri="{BB962C8B-B14F-4D97-AF65-F5344CB8AC3E}">
+        <p14:creationId xmlns:p14="http://schemas.microsoft.com/office/powerpoint/2010/main" val="2972197791"/>
+      </p:ext>
+    </p:extLst>
+  </p:cSld>
+  <p:clrMapOvr>
+    <a:masterClrMapping/>
+  </p:clrMapOvr>
+  <p:hf sldNum="0" hdr="0" ftr="0" dt="0"/>
+</p:sldLayout>
+</file>
+
+<file path=ppt/slideLayouts/slideLayout6.xml><?xml version="1.0" encoding="utf-8"?>
+<p:sldLayout xmlns:a="http://schemas.openxmlformats.org/drawingml/2006/main" xmlns:r="http://schemas.openxmlformats.org/officeDocument/2006/relationships" xmlns:p="http://schemas.openxmlformats.org/presentationml/2006/main" type="titleOnly" preserve="1">
+  <p:cSld name="Title Only">
+    <p:spTree>
+      <p:nvGrpSpPr>
+        <p:cNvPr id="1" name=""/>
+        <p:cNvGrpSpPr/>
+        <p:nvPr/>
+      </p:nvGrpSpPr>
+      <p:grpSpPr>
+        <a:xfrm>
+          <a:off x="0" y="0"/>
+          <a:ext cx="0" cy="0"/>
+          <a:chOff x="0" y="0"/>
+          <a:chExt cx="0" cy="0"/>
+        </a:xfrm>
+      </p:grpSpPr>
+      <p:sp>
+        <p:nvSpPr>
+          <p:cNvPr id="2" name="Title 1"/>
+          <p:cNvSpPr>
+            <a:spLocks noGrp="1"/>
+          </p:cNvSpPr>
+          <p:nvPr>
+            <p:ph type="title"/>
+          </p:nvPr>
+        </p:nvSpPr>
+        <p:spPr>
+          <a:xfrm>
+            <a:off x="677334" y="609600"/>
+            <a:ext cx="8596668" cy="1320800"/>
+          </a:xfrm>
+        </p:spPr>
+        <p:txBody>
+          <a:bodyPr/>
+          <a:lstStyle/>
+          <a:p>
+            <a:r>
+              <a:rPr lang="en-US" smtClean="0"/>
+              <a:t>Click to edit Master title style</a:t>
+            </a:r>
+            <a:endParaRPr lang="en-US" dirty="0"/>
+          </a:p>
+        </p:txBody>
+      </p:sp>
+      <p:sp>
+        <p:nvSpPr>
+          <p:cNvPr id="3" name="Date Placeholder 2"/>
+          <p:cNvSpPr>
+            <a:spLocks noGrp="1"/>
+          </p:cNvSpPr>
+          <p:nvPr>
+            <p:ph type="dt" sz="half" idx="10"/>
+          </p:nvPr>
+        </p:nvSpPr>
+        <p:spPr/>
+        <p:txBody>
+          <a:bodyPr/>
+          <a:lstStyle/>
+          <a:p>
+            <a:fld id="{4509A250-FF31-4206-8172-F9D3106AACB1}" type="datetimeFigureOut">
+              <a:rPr lang="en-US" smtClean="0"/>
+              <a:t>12/17/2023</a:t>
+            </a:fld>
+            <a:endParaRPr lang="en-US" dirty="0"/>
+          </a:p>
+        </p:txBody>
+      </p:sp>
+      <p:sp>
+        <p:nvSpPr>
+          <p:cNvPr id="4" name="Footer Placeholder 3"/>
+          <p:cNvSpPr>
+            <a:spLocks noGrp="1"/>
+          </p:cNvSpPr>
+          <p:nvPr>
+            <p:ph type="ftr" sz="quarter" idx="11"/>
+          </p:nvPr>
+        </p:nvSpPr>
+        <p:spPr/>
+        <p:txBody>
+          <a:bodyPr/>
+          <a:lstStyle/>
+          <a:p>
+            <a:endParaRPr lang="en-US" dirty="0"/>
+          </a:p>
+        </p:txBody>
+      </p:sp>
+      <p:sp>
+        <p:nvSpPr>
+          <p:cNvPr id="5" name="Slide Number Placeholder 4"/>
+          <p:cNvSpPr>
+            <a:spLocks noGrp="1"/>
+          </p:cNvSpPr>
+          <p:nvPr>
+            <p:ph type="sldNum" sz="quarter" idx="12"/>
+          </p:nvPr>
+        </p:nvSpPr>
+        <p:spPr/>
+        <p:txBody>
+          <a:bodyPr/>
+          <a:lstStyle/>
+          <a:p>
+            <a:fld id="{D57F1E4F-1CFF-5643-939E-02111984F565}" type="slidenum">
+              <a:rPr lang="en-US" smtClean="0"/>
+              <a:t>‹#›</a:t>
+            </a:fld>
+            <a:endParaRPr lang="en-US" dirty="0"/>
+          </a:p>
+        </p:txBody>
+      </p:sp>
+    </p:spTree>
+    <p:extLst>
+      <p:ext uri="{BB962C8B-B14F-4D97-AF65-F5344CB8AC3E}">
+        <p14:creationId xmlns:p14="http://schemas.microsoft.com/office/powerpoint/2010/main" val="239971225"/>
+      </p:ext>
+    </p:extLst>
+  </p:cSld>
+  <p:clrMapOvr>
+    <a:masterClrMapping/>
+  </p:clrMapOvr>
+  <p:hf sldNum="0" hdr="0" ftr="0" dt="0"/>
+</p:sldLayout>
+</file>
+
+<file path=ppt/slideLayouts/slideLayout7.xml><?xml version="1.0" encoding="utf-8"?>
+<p:sldLayout xmlns:a="http://schemas.openxmlformats.org/drawingml/2006/main" xmlns:r="http://schemas.openxmlformats.org/officeDocument/2006/relationships" xmlns:p="http://schemas.openxmlformats.org/presentationml/2006/main" type="blank" preserve="1">
+  <p:cSld name="Blank">
+    <p:spTree>
+      <p:nvGrpSpPr>
+        <p:cNvPr id="1" name=""/>
+        <p:cNvGrpSpPr/>
+        <p:nvPr/>
+      </p:nvGrpSpPr>
+      <p:grpSpPr>
+        <a:xfrm>
+          <a:off x="0" y="0"/>
+          <a:ext cx="0" cy="0"/>
+          <a:chOff x="0" y="0"/>
+          <a:chExt cx="0" cy="0"/>
+        </a:xfrm>
+      </p:grpSpPr>
+      <p:sp>
+        <p:nvSpPr>
+          <p:cNvPr id="2" name="Date Placeholder 1"/>
+          <p:cNvSpPr>
+            <a:spLocks noGrp="1"/>
+          </p:cNvSpPr>
+          <p:nvPr>
+            <p:ph type="dt" sz="half" idx="10"/>
+          </p:nvPr>
+        </p:nvSpPr>
+        <p:spPr/>
+        <p:txBody>
+          <a:bodyPr/>
+          <a:lstStyle/>
+          <a:p>
+            <a:fld id="{4509A250-FF31-4206-8172-F9D3106AACB1}" type="datetimeFigureOut">
+              <a:rPr lang="en-US" smtClean="0"/>
+              <a:t>12/17/2023</a:t>
+            </a:fld>
+            <a:endParaRPr lang="en-US" dirty="0"/>
+          </a:p>
+        </p:txBody>
+      </p:sp>
+      <p:sp>
+        <p:nvSpPr>
+          <p:cNvPr id="3" name="Footer Placeholder 2"/>
+          <p:cNvSpPr>
+            <a:spLocks noGrp="1"/>
+          </p:cNvSpPr>
+          <p:nvPr>
+            <p:ph type="ftr" sz="quarter" idx="11"/>
+          </p:nvPr>
+        </p:nvSpPr>
+        <p:spPr/>
+        <p:txBody>
+          <a:bodyPr/>
+          <a:lstStyle/>
+          <a:p>
+            <a:endParaRPr lang="en-US" dirty="0"/>
+          </a:p>
+        </p:txBody>
+      </p:sp>
+      <p:sp>
+        <p:nvSpPr>
+          <p:cNvPr id="4" name="Slide Number Placeholder 3"/>
+          <p:cNvSpPr>
+            <a:spLocks noGrp="1"/>
+          </p:cNvSpPr>
+          <p:nvPr>
+            <p:ph type="sldNum" sz="quarter" idx="12"/>
+          </p:nvPr>
+        </p:nvSpPr>
+        <p:spPr/>
+        <p:txBody>
+          <a:bodyPr/>
+          <a:lstStyle/>
+          <a:p>
+            <a:fld id="{D57F1E4F-1CFF-5643-939E-02111984F565}" type="slidenum">
+              <a:rPr lang="en-US" smtClean="0"/>
+              <a:t>‹#›</a:t>
+            </a:fld>
+            <a:endParaRPr lang="en-US" dirty="0"/>
+          </a:p>
+        </p:txBody>
+      </p:sp>
+    </p:spTree>
+    <p:extLst>
+      <p:ext uri="{BB962C8B-B14F-4D97-AF65-F5344CB8AC3E}">
+        <p14:creationId xmlns:p14="http://schemas.microsoft.com/office/powerpoint/2010/main" val="2955153115"/>
+      </p:ext>
+    </p:extLst>
+  </p:cSld>
+  <p:clrMapOvr>
+    <a:masterClrMapping/>
+  </p:clrMapOvr>
+  <p:hf sldNum="0" hdr="0" ftr="0" dt="0"/>
+</p:sldLayout>
+</file>
+
+<file path=ppt/slideLayouts/slideLayout8.xml><?xml version="1.0" encoding="utf-8"?>
+<p:sldLayout xmlns:a="http://schemas.openxmlformats.org/drawingml/2006/main" xmlns:r="http://schemas.openxmlformats.org/officeDocument/2006/relationships" xmlns:p="http://schemas.openxmlformats.org/presentationml/2006/main" type="objTx" preserve="1">
+  <p:cSld name="Content with Caption">
+    <p:spTree>
+      <p:nvGrpSpPr>
+        <p:cNvPr id="1" name=""/>
+        <p:cNvGrpSpPr/>
+        <p:nvPr/>
+      </p:nvGrpSpPr>
+      <p:grpSpPr>
+        <a:xfrm>
+          <a:off x="0" y="0"/>
+          <a:ext cx="0" cy="0"/>
+          <a:chOff x="0" y="0"/>
+          <a:chExt cx="0" cy="0"/>
+        </a:xfrm>
+      </p:grpSpPr>
+      <p:sp>
+        <p:nvSpPr>
+          <p:cNvPr id="2" name="Title 1"/>
+          <p:cNvSpPr>
+            <a:spLocks noGrp="1"/>
+          </p:cNvSpPr>
+          <p:nvPr>
+            <p:ph type="title"/>
+          </p:nvPr>
+        </p:nvSpPr>
+        <p:spPr>
+          <a:xfrm>
+            <a:off x="677334" y="1498604"/>
+            <a:ext cx="3854528" cy="1278466"/>
+          </a:xfrm>
+        </p:spPr>
+        <p:txBody>
+          <a:bodyPr anchor="b">
+            <a:normAutofit/>
+          </a:bodyPr>
+          <a:lstStyle>
+            <a:lvl1pPr>
+              <a:defRPr sz="2000"/>
+            </a:lvl1pPr>
+          </a:lstStyle>
+          <a:p>
+            <a:r>
+              <a:rPr lang="en-US" smtClean="0"/>
+              <a:t>Click to edit Master title style</a:t>
+            </a:r>
+            <a:endParaRPr lang="en-US" dirty="0"/>
+          </a:p>
+        </p:txBody>
+      </p:sp>
+      <p:sp>
+        <p:nvSpPr>
+          <p:cNvPr id="3" name="Content Placeholder 2"/>
+          <p:cNvSpPr>
+            <a:spLocks noGrp="1"/>
+          </p:cNvSpPr>
+          <p:nvPr>
+            <p:ph idx="1"/>
+          </p:nvPr>
+        </p:nvSpPr>
+        <p:spPr>
+          <a:xfrm>
+            <a:off x="4760461" y="514924"/>
+            <a:ext cx="4513541" cy="5526437"/>
+          </a:xfrm>
+        </p:spPr>
+        <p:txBody>
+          <a:bodyPr>
+            <a:normAutofit/>
+          </a:bodyPr>
+          <a:lstStyle/>
+          <a:p>
+            <a:pPr lvl="0"/>
+            <a:r>
+              <a:rPr lang="en-US" smtClean="0"/>
+              <a:t>Edit Master text styles</a:t>
+            </a:r>
+          </a:p>
+          <a:p>
+            <a:pPr lvl="1"/>
+            <a:r>
+              <a:rPr lang="en-US" smtClean="0"/>
+              <a:t>Second level</a:t>
+            </a:r>
+          </a:p>
+          <a:p>
+            <a:pPr lvl="2"/>
+            <a:r>
+              <a:rPr lang="en-US" smtClean="0"/>
+              <a:t>Third level</a:t>
+            </a:r>
+          </a:p>
+          <a:p>
+            <a:pPr lvl="3"/>
+            <a:r>
+              <a:rPr lang="en-US" smtClean="0"/>
+              <a:t>Fourth level</a:t>
+            </a:r>
+          </a:p>
+          <a:p>
+            <a:pPr lvl="4"/>
+            <a:r>
+              <a:rPr lang="en-US" smtClean="0"/>
+              <a:t>Fifth level</a:t>
+            </a:r>
+            <a:endParaRPr lang="en-US" dirty="0"/>
+          </a:p>
+        </p:txBody>
+      </p:sp>
+      <p:sp>
+        <p:nvSpPr>
+          <p:cNvPr id="4" name="Text Placeholder 3"/>
+          <p:cNvSpPr>
+            <a:spLocks noGrp="1"/>
+          </p:cNvSpPr>
+          <p:nvPr>
+            <p:ph type="body" sz="half" idx="2"/>
+          </p:nvPr>
+        </p:nvSpPr>
+        <p:spPr>
+          <a:xfrm>
+            <a:off x="677334" y="2777069"/>
+            <a:ext cx="3854528" cy="2584449"/>
+          </a:xfrm>
+        </p:spPr>
+        <p:txBody>
+          <a:bodyPr>
+            <a:normAutofit/>
+          </a:bodyPr>
+          <a:lstStyle>
+            <a:lvl1pPr marL="0" indent="0">
+              <a:buNone/>
+              <a:defRPr sz="1400"/>
+            </a:lvl1pPr>
+            <a:lvl2pPr marL="457063" indent="0">
+              <a:buNone/>
+              <a:defRPr sz="1400"/>
+            </a:lvl2pPr>
+            <a:lvl3pPr marL="914126" indent="0">
+              <a:buNone/>
+              <a:defRPr sz="1200"/>
+            </a:lvl3pPr>
+            <a:lvl4pPr marL="1371189" indent="0">
+              <a:buNone/>
+              <a:defRPr sz="1000"/>
+            </a:lvl4pPr>
+            <a:lvl5pPr marL="1828251" indent="0">
+              <a:buNone/>
+              <a:defRPr sz="1000"/>
+            </a:lvl5pPr>
+            <a:lvl6pPr marL="2285314" indent="0">
+              <a:buNone/>
+              <a:defRPr sz="1000"/>
+            </a:lvl6pPr>
+            <a:lvl7pPr marL="2742377" indent="0">
+              <a:buNone/>
+              <a:defRPr sz="1000"/>
+            </a:lvl7pPr>
+            <a:lvl8pPr marL="3199440" indent="0">
+              <a:buNone/>
+              <a:defRPr sz="1000"/>
+            </a:lvl8pPr>
+            <a:lvl9pPr marL="3656503" indent="0">
+              <a:buNone/>
+              <a:defRPr sz="1000"/>
+            </a:lvl9pPr>
+          </a:lstStyle>
+          <a:p>
+            <a:pPr lvl="0"/>
+            <a:r>
+              <a:rPr lang="en-US" smtClean="0"/>
+              <a:t>Edit Master text styles</a:t>
+            </a:r>
+          </a:p>
+        </p:txBody>
+      </p:sp>
+      <p:sp>
+        <p:nvSpPr>
+          <p:cNvPr id="5" name="Date Placeholder 4"/>
+          <p:cNvSpPr>
+            <a:spLocks noGrp="1"/>
+          </p:cNvSpPr>
+          <p:nvPr>
+            <p:ph type="dt" sz="half" idx="10"/>
+          </p:nvPr>
+        </p:nvSpPr>
+        <p:spPr/>
+        <p:txBody>
+          <a:bodyPr/>
+          <a:lstStyle/>
+          <a:p>
+            <a:fld id="{4509A250-FF31-4206-8172-F9D3106AACB1}" type="datetimeFigureOut">
+              <a:rPr lang="en-US" smtClean="0"/>
+              <a:t>12/17/2023</a:t>
+            </a:fld>
+            <a:endParaRPr lang="en-US" dirty="0"/>
+          </a:p>
+        </p:txBody>
+      </p:sp>
+      <p:sp>
+        <p:nvSpPr>
+          <p:cNvPr id="6" name="Footer Placeholder 5"/>
+          <p:cNvSpPr>
+            <a:spLocks noGrp="1"/>
+          </p:cNvSpPr>
+          <p:nvPr>
+            <p:ph type="ftr" sz="quarter" idx="11"/>
+          </p:nvPr>
+        </p:nvSpPr>
+        <p:spPr/>
+        <p:txBody>
+          <a:bodyPr/>
+          <a:lstStyle/>
+          <a:p>
+            <a:endParaRPr lang="en-US" dirty="0"/>
+          </a:p>
+        </p:txBody>
+      </p:sp>
+      <p:sp>
+        <p:nvSpPr>
+          <p:cNvPr id="7" name="Slide Number Placeholder 6"/>
+          <p:cNvSpPr>
+            <a:spLocks noGrp="1"/>
+          </p:cNvSpPr>
+          <p:nvPr>
+            <p:ph type="sldNum" sz="quarter" idx="12"/>
+          </p:nvPr>
+        </p:nvSpPr>
+        <p:spPr/>
+        <p:txBody>
+          <a:bodyPr/>
+          <a:lstStyle/>
+          <a:p>
+            <a:fld id="{D57F1E4F-1CFF-5643-939E-02111984F565}" type="slidenum">
+              <a:rPr lang="en-US" smtClean="0"/>
+              <a:t>‹#›</a:t>
+            </a:fld>
+            <a:endParaRPr lang="en-US" dirty="0"/>
+          </a:p>
+        </p:txBody>
+      </p:sp>
+    </p:spTree>
+    <p:extLst>
+      <p:ext uri="{BB962C8B-B14F-4D97-AF65-F5344CB8AC3E}">
+        <p14:creationId xmlns:p14="http://schemas.microsoft.com/office/powerpoint/2010/main" val="2026111126"/>
+      </p:ext>
+    </p:extLst>
+  </p:cSld>
+  <p:clrMapOvr>
+    <a:masterClrMapping/>
+  </p:clrMapOvr>
+  <p:hf sldNum="0" hdr="0" ftr="0" dt="0"/>
+</p:sldLayout>
+</file>
+
+<file path=ppt/slideLayouts/slideLayout9.xml><?xml version="1.0" encoding="utf-8"?>
+<p:sldLayout xmlns:a="http://schemas.openxmlformats.org/drawingml/2006/main" xmlns:r="http://schemas.openxmlformats.org/officeDocument/2006/relationships" xmlns:p="http://schemas.openxmlformats.org/presentationml/2006/main" type="picTx" preserve="1">
+  <p:cSld name="Picture with Caption">
+    <p:spTree>
+      <p:nvGrpSpPr>
+        <p:cNvPr id="1" name=""/>
+        <p:cNvGrpSpPr/>
+        <p:nvPr/>
+      </p:nvGrpSpPr>
+      <p:grpSpPr>
+        <a:xfrm>
+          <a:off x="0" y="0"/>
+          <a:ext cx="0" cy="0"/>
+          <a:chOff x="0" y="0"/>
+          <a:chExt cx="0" cy="0"/>
+        </a:xfrm>
+      </p:grpSpPr>
+      <p:sp>
+        <p:nvSpPr>
+          <p:cNvPr id="2" name="Title 1"/>
+          <p:cNvSpPr>
+            <a:spLocks noGrp="1"/>
+          </p:cNvSpPr>
+          <p:nvPr>
+            <p:ph type="title"/>
+          </p:nvPr>
+        </p:nvSpPr>
+        <p:spPr>
+          <a:xfrm>
+            <a:off x="677334" y="4800600"/>
+            <a:ext cx="8596667" cy="566738"/>
+          </a:xfrm>
+        </p:spPr>
+        <p:txBody>
+          <a:bodyPr anchor="b">
+            <a:normAutofit/>
+          </a:bodyPr>
+          <a:lstStyle>
+            <a:lvl1pPr algn="l">
+              <a:defRPr sz="2400" b="0"/>
+            </a:lvl1pPr>
+          </a:lstStyle>
+          <a:p>
+            <a:r>
+              <a:rPr lang="en-US" smtClean="0"/>
+              <a:t>Click to edit Master title style</a:t>
+            </a:r>
+            <a:endParaRPr lang="en-US" dirty="0"/>
+          </a:p>
+        </p:txBody>
+      </p:sp>
+      <p:sp>
+        <p:nvSpPr>
+          <p:cNvPr id="3" name="Picture Placeholder 2"/>
+          <p:cNvSpPr>
+            <a:spLocks noGrp="1" noChangeAspect="1"/>
+          </p:cNvSpPr>
+          <p:nvPr>
+            <p:ph type="pic" idx="1"/>
+          </p:nvPr>
+        </p:nvSpPr>
+        <p:spPr>
+          <a:xfrm>
+            <a:off x="677334" y="609600"/>
+            <a:ext cx="8596668" cy="3845718"/>
+          </a:xfrm>
+        </p:spPr>
+        <p:txBody>
+          <a:bodyPr anchor="t">
+            <a:normAutofit/>
+          </a:bodyPr>
+          <a:lstStyle>
+            <a:lvl1pPr marL="0" indent="0" algn="ctr">
+              <a:buNone/>
+              <a:defRPr sz="1600"/>
+            </a:lvl1pPr>
+            <a:lvl2pPr marL="457200" indent="0">
+              <a:buNone/>
+              <a:defRPr sz="1600"/>
+            </a:lvl2pPr>
+            <a:lvl3pPr marL="914400" indent="0">
+              <a:buNone/>
+              <a:defRPr sz="1600"/>
+            </a:lvl3pPr>
+            <a:lvl4pPr marL="1371600" indent="0">
+              <a:buNone/>
+              <a:defRPr sz="1600"/>
+            </a:lvl4pPr>
+            <a:lvl5pPr marL="1828800" indent="0">
+              <a:buNone/>
+              <a:defRPr sz="1600"/>
+            </a:lvl5pPr>
+            <a:lvl6pPr marL="2286000" indent="0">
+              <a:buNone/>
+              <a:defRPr sz="1600"/>
+            </a:lvl6pPr>
+            <a:lvl7pPr marL="2743200" indent="0">
+              <a:buNone/>
+              <a:defRPr sz="1600"/>
+            </a:lvl7pPr>
+            <a:lvl8pPr marL="3200400" indent="0">
+              <a:buNone/>
+              <a:defRPr sz="1600"/>
+            </a:lvl8pPr>
+            <a:lvl9pPr marL="3657600" indent="0">
+              <a:buNone/>
+              <a:defRPr sz="1600"/>
+            </a:lvl9pPr>
+          </a:lstStyle>
+          <a:p>
+            <a:r>
+              <a:rPr lang="en-US" smtClean="0"/>
+              <a:t>Click icon to add picture</a:t>
+            </a:r>
+            <a:endParaRPr lang="en-US" dirty="0"/>
+          </a:p>
+        </p:txBody>
+      </p:sp>
+      <p:sp>
+        <p:nvSpPr>
+          <p:cNvPr id="4" name="Text Placeholder 3"/>
+          <p:cNvSpPr>
+            <a:spLocks noGrp="1"/>
+          </p:cNvSpPr>
+          <p:nvPr>
+            <p:ph type="body" sz="half" idx="2"/>
+          </p:nvPr>
+        </p:nvSpPr>
+        <p:spPr>
+          <a:xfrm>
+            <a:off x="677334" y="5367338"/>
+            <a:ext cx="8596667" cy="674024"/>
+          </a:xfrm>
+        </p:spPr>
+        <p:txBody>
+          <a:bodyPr>
+            <a:normAutofit/>
+          </a:bodyPr>
+          <a:lstStyle>
+            <a:lvl1pPr marL="0" indent="0">
+              <a:buNone/>
+              <a:defRPr sz="1200"/>
+            </a:lvl1pPr>
+            <a:lvl2pPr marL="457200" indent="0">
+              <a:buNone/>
+              <a:defRPr sz="1200"/>
+            </a:lvl2pPr>
+            <a:lvl3pPr marL="914400" indent="0">
+              <a:buNone/>
+              <a:defRPr sz="1000"/>
+            </a:lvl3pPr>
+            <a:lvl4pPr marL="1371600" indent="0">
+              <a:buNone/>
+              <a:defRPr sz="900"/>
+            </a:lvl4pPr>
+            <a:lvl5pPr marL="1828800" indent="0">
+              <a:buNone/>
+              <a:defRPr sz="900"/>
+            </a:lvl5pPr>
+            <a:lvl6pPr marL="2286000" indent="0">
+              <a:buNone/>
+              <a:defRPr sz="900"/>
+            </a:lvl6pPr>
+            <a:lvl7pPr marL="2743200" indent="0">
+              <a:buNone/>
+              <a:defRPr sz="900"/>
+            </a:lvl7pPr>
+            <a:lvl8pPr marL="3200400" indent="0">
+              <a:buNone/>
+              <a:defRPr sz="900"/>
+            </a:lvl8pPr>
+            <a:lvl9pPr marL="3657600" indent="0">
+              <a:buNone/>
+              <a:defRPr sz="900"/>
+            </a:lvl9pPr>
+          </a:lstStyle>
+          <a:p>
+            <a:pPr lvl="0"/>
+            <a:r>
+              <a:rPr lang="en-US" smtClean="0"/>
+              <a:t>Edit Master text styles</a:t>
+            </a:r>
+          </a:p>
+        </p:txBody>
+      </p:sp>
+      <p:sp>
+        <p:nvSpPr>
+          <p:cNvPr id="5" name="Date Placeholder 4"/>
+          <p:cNvSpPr>
+            <a:spLocks noGrp="1"/>
+          </p:cNvSpPr>
+          <p:nvPr>
+            <p:ph type="dt" sz="half" idx="10"/>
+          </p:nvPr>
+        </p:nvSpPr>
+        <p:spPr/>
+        <p:txBody>
+          <a:bodyPr/>
+          <a:lstStyle/>
+          <a:p>
+            <a:fld id="{4509A250-FF31-4206-8172-F9D3106AACB1}" type="datetimeFigureOut">
+              <a:rPr lang="en-US" smtClean="0"/>
+              <a:t>12/17/2023</a:t>
+            </a:fld>
+            <a:endParaRPr lang="en-US" dirty="0"/>
+          </a:p>
+        </p:txBody>
+      </p:sp>
+      <p:sp>
+        <p:nvSpPr>
+          <p:cNvPr id="6" name="Footer Placeholder 5"/>
+          <p:cNvSpPr>
+            <a:spLocks noGrp="1"/>
+          </p:cNvSpPr>
+          <p:nvPr>
+            <p:ph type="ftr" sz="quarter" idx="11"/>
+          </p:nvPr>
+        </p:nvSpPr>
+        <p:spPr/>
+        <p:txBody>
+          <a:bodyPr/>
+          <a:lstStyle/>
+          <a:p>
+            <a:endParaRPr lang="en-US" dirty="0"/>
+          </a:p>
+        </p:txBody>
+      </p:sp>
+      <p:sp>
+        <p:nvSpPr>
+          <p:cNvPr id="7" name="Slide Number Placeholder 6"/>
+          <p:cNvSpPr>
+            <a:spLocks noGrp="1"/>
+          </p:cNvSpPr>
+          <p:nvPr>
+            <p:ph type="sldNum" sz="quarter" idx="12"/>
+          </p:nvPr>
+        </p:nvSpPr>
+        <p:spPr/>
+        <p:txBody>
+          <a:bodyPr/>
+          <a:lstStyle/>
+          <a:p>
+            <a:fld id="{D57F1E4F-1CFF-5643-939E-02111984F565}" type="slidenum">
+              <a:rPr lang="en-US" smtClean="0"/>
+              <a:t>‹#›</a:t>
+            </a:fld>
+            <a:endParaRPr lang="en-US" dirty="0"/>
+          </a:p>
+        </p:txBody>
+      </p:sp>
+    </p:spTree>
+    <p:extLst>
+      <p:ext uri="{BB962C8B-B14F-4D97-AF65-F5344CB8AC3E}">
+        <p14:creationId xmlns:p14="http://schemas.microsoft.com/office/powerpoint/2010/main" val="979009145"/>
+      </p:ext>
+    </p:extLst>
+  </p:cSld>
+  <p:clrMapOvr>
+    <a:masterClrMapping/>
+  </p:clrMapOvr>
+  <p:hf sldNum="0" hdr="0" ftr="0" dt="0"/>
+</p:sldLayout>
+</file>
+
 <file path=ppt/slideMasters/slideMaster1.xml><?xml version="1.0" encoding="utf-8"?>
 <p:sldMaster xmlns:a="http://schemas.openxmlformats.org/drawingml/2006/main" xmlns:r="http://schemas.openxmlformats.org/officeDocument/2006/relationships" xmlns:p="http://schemas.openxmlformats.org/presentationml/2006/main">
   <p:cSld>
     <p:bg>
-      <p:bgPr>
-        <a:solidFill>
-          <a:schemeClr val="bg1"/>
-        </a:solidFill>
-        <a:effectLst/>
-      </p:bgPr>
+      <p:bgRef idx="1001">
+        <a:schemeClr val="bg1"/>
+      </p:bgRef>
     </p:bg>
     <p:spTree>
       <p:nvGrpSpPr>
@@ -3505,7 +8030,749 @@
       </p:grpSpPr>
       <p:grpSp>
         <p:nvGrpSpPr>
-          <p:cNvPr id="15" name="Grupo 14"/>
+          <p:cNvPr id="7" name="Group 6"/>
+          <p:cNvGrpSpPr/>
+          <p:nvPr/>
+        </p:nvGrpSpPr>
+        <p:grpSpPr>
+          <a:xfrm>
+            <a:off x="0" y="-8467"/>
+            <a:ext cx="12192000" cy="6866467"/>
+            <a:chOff x="0" y="-8467"/>
+            <a:chExt cx="12192000" cy="6866467"/>
+          </a:xfrm>
+        </p:grpSpPr>
+        <p:cxnSp>
+          <p:nvCxnSpPr>
+            <p:cNvPr id="20" name="Straight Connector 19"/>
+            <p:cNvCxnSpPr/>
+            <p:nvPr/>
+          </p:nvCxnSpPr>
+          <p:spPr>
+            <a:xfrm>
+              <a:off x="9371012" y="0"/>
+              <a:ext cx="1219200" cy="6858000"/>
+            </a:xfrm>
+            <a:prstGeom prst="line">
+              <a:avLst/>
+            </a:prstGeom>
+            <a:ln w="9525">
+              <a:solidFill>
+                <a:schemeClr val="bg1">
+                  <a:lumMod val="75000"/>
+                </a:schemeClr>
+              </a:solidFill>
+            </a:ln>
+          </p:spPr>
+          <p:style>
+            <a:lnRef idx="2">
+              <a:schemeClr val="accent1"/>
+            </a:lnRef>
+            <a:fillRef idx="0">
+              <a:schemeClr val="accent1"/>
+            </a:fillRef>
+            <a:effectRef idx="1">
+              <a:schemeClr val="accent1"/>
+            </a:effectRef>
+            <a:fontRef idx="minor">
+              <a:schemeClr val="tx1"/>
+            </a:fontRef>
+          </p:style>
+        </p:cxnSp>
+        <p:cxnSp>
+          <p:nvCxnSpPr>
+            <p:cNvPr id="21" name="Straight Connector 20"/>
+            <p:cNvCxnSpPr/>
+            <p:nvPr/>
+          </p:nvCxnSpPr>
+          <p:spPr>
+            <a:xfrm flipH="1">
+              <a:off x="7425267" y="3681413"/>
+              <a:ext cx="4763558" cy="3176587"/>
+            </a:xfrm>
+            <a:prstGeom prst="line">
+              <a:avLst/>
+            </a:prstGeom>
+            <a:ln w="9525">
+              <a:solidFill>
+                <a:schemeClr val="bg1">
+                  <a:lumMod val="85000"/>
+                </a:schemeClr>
+              </a:solidFill>
+            </a:ln>
+          </p:spPr>
+          <p:style>
+            <a:lnRef idx="2">
+              <a:schemeClr val="accent1"/>
+            </a:lnRef>
+            <a:fillRef idx="0">
+              <a:schemeClr val="accent1"/>
+            </a:fillRef>
+            <a:effectRef idx="1">
+              <a:schemeClr val="accent1"/>
+            </a:effectRef>
+            <a:fontRef idx="minor">
+              <a:schemeClr val="tx1"/>
+            </a:fontRef>
+          </p:style>
+        </p:cxnSp>
+        <p:sp>
+          <p:nvSpPr>
+            <p:cNvPr id="22" name="Rectangle 23"/>
+            <p:cNvSpPr/>
+            <p:nvPr/>
+          </p:nvSpPr>
+          <p:spPr>
+            <a:xfrm>
+              <a:off x="9181476" y="-8467"/>
+              <a:ext cx="3007349" cy="6866467"/>
+            </a:xfrm>
+            <a:custGeom>
+              <a:avLst/>
+              <a:gdLst/>
+              <a:ahLst/>
+              <a:cxnLst/>
+              <a:rect l="l" t="t" r="r" b="b"/>
+              <a:pathLst>
+                <a:path w="3007349" h="6866467">
+                  <a:moveTo>
+                    <a:pt x="2045532" y="0"/>
+                  </a:moveTo>
+                  <a:lnTo>
+                    <a:pt x="3007349" y="0"/>
+                  </a:lnTo>
+                  <a:lnTo>
+                    <a:pt x="3007349" y="6866467"/>
+                  </a:lnTo>
+                  <a:lnTo>
+                    <a:pt x="0" y="6866467"/>
+                  </a:lnTo>
+                  <a:lnTo>
+                    <a:pt x="2045532" y="0"/>
+                  </a:lnTo>
+                  <a:close/>
+                </a:path>
+              </a:pathLst>
+            </a:custGeom>
+            <a:solidFill>
+              <a:schemeClr val="accent1">
+                <a:alpha val="30000"/>
+              </a:schemeClr>
+            </a:solidFill>
+            <a:ln>
+              <a:noFill/>
+            </a:ln>
+            <a:effectLst/>
+          </p:spPr>
+          <p:style>
+            <a:lnRef idx="1">
+              <a:schemeClr val="accent1"/>
+            </a:lnRef>
+            <a:fillRef idx="3">
+              <a:schemeClr val="accent1"/>
+            </a:fillRef>
+            <a:effectRef idx="2">
+              <a:schemeClr val="accent1"/>
+            </a:effectRef>
+            <a:fontRef idx="minor">
+              <a:schemeClr val="lt1"/>
+            </a:fontRef>
+          </p:style>
+        </p:sp>
+        <p:sp>
+          <p:nvSpPr>
+            <p:cNvPr id="23" name="Rectangle 25"/>
+            <p:cNvSpPr/>
+            <p:nvPr/>
+          </p:nvSpPr>
+          <p:spPr>
+            <a:xfrm>
+              <a:off x="9603442" y="-8467"/>
+              <a:ext cx="2588558" cy="6866467"/>
+            </a:xfrm>
+            <a:custGeom>
+              <a:avLst/>
+              <a:gdLst/>
+              <a:ahLst/>
+              <a:cxnLst/>
+              <a:rect l="l" t="t" r="r" b="b"/>
+              <a:pathLst>
+                <a:path w="2573311" h="6866467">
+                  <a:moveTo>
+                    <a:pt x="0" y="0"/>
+                  </a:moveTo>
+                  <a:lnTo>
+                    <a:pt x="2573311" y="0"/>
+                  </a:lnTo>
+                  <a:lnTo>
+                    <a:pt x="2573311" y="6866467"/>
+                  </a:lnTo>
+                  <a:lnTo>
+                    <a:pt x="1202336" y="6866467"/>
+                  </a:lnTo>
+                  <a:lnTo>
+                    <a:pt x="0" y="0"/>
+                  </a:lnTo>
+                  <a:close/>
+                </a:path>
+              </a:pathLst>
+            </a:custGeom>
+            <a:solidFill>
+              <a:schemeClr val="accent1">
+                <a:alpha val="20000"/>
+              </a:schemeClr>
+            </a:solidFill>
+            <a:ln>
+              <a:noFill/>
+            </a:ln>
+            <a:effectLst/>
+          </p:spPr>
+          <p:style>
+            <a:lnRef idx="1">
+              <a:schemeClr val="accent1"/>
+            </a:lnRef>
+            <a:fillRef idx="3">
+              <a:schemeClr val="accent1"/>
+            </a:fillRef>
+            <a:effectRef idx="2">
+              <a:schemeClr val="accent1"/>
+            </a:effectRef>
+            <a:fontRef idx="minor">
+              <a:schemeClr val="lt1"/>
+            </a:fontRef>
+          </p:style>
+        </p:sp>
+        <p:sp>
+          <p:nvSpPr>
+            <p:cNvPr id="24" name="Isosceles Triangle 23"/>
+            <p:cNvSpPr/>
+            <p:nvPr/>
+          </p:nvSpPr>
+          <p:spPr>
+            <a:xfrm>
+              <a:off x="8932333" y="3048000"/>
+              <a:ext cx="3259667" cy="3810000"/>
+            </a:xfrm>
+            <a:prstGeom prst="triangle">
+              <a:avLst>
+                <a:gd name="adj" fmla="val 100000"/>
+              </a:avLst>
+            </a:prstGeom>
+            <a:solidFill>
+              <a:schemeClr val="accent2">
+                <a:alpha val="72000"/>
+              </a:schemeClr>
+            </a:solidFill>
+            <a:ln>
+              <a:noFill/>
+            </a:ln>
+            <a:effectLst/>
+          </p:spPr>
+          <p:style>
+            <a:lnRef idx="1">
+              <a:schemeClr val="accent1"/>
+            </a:lnRef>
+            <a:fillRef idx="3">
+              <a:schemeClr val="accent1"/>
+            </a:fillRef>
+            <a:effectRef idx="2">
+              <a:schemeClr val="accent1"/>
+            </a:effectRef>
+            <a:fontRef idx="minor">
+              <a:schemeClr val="lt1"/>
+            </a:fontRef>
+          </p:style>
+        </p:sp>
+        <p:sp>
+          <p:nvSpPr>
+            <p:cNvPr id="25" name="Rectangle 27"/>
+            <p:cNvSpPr/>
+            <p:nvPr/>
+          </p:nvSpPr>
+          <p:spPr>
+            <a:xfrm>
+              <a:off x="9334500" y="-8467"/>
+              <a:ext cx="2854326" cy="6866467"/>
+            </a:xfrm>
+            <a:custGeom>
+              <a:avLst/>
+              <a:gdLst/>
+              <a:ahLst/>
+              <a:cxnLst/>
+              <a:rect l="l" t="t" r="r" b="b"/>
+              <a:pathLst>
+                <a:path w="2858013" h="6866467">
+                  <a:moveTo>
+                    <a:pt x="0" y="0"/>
+                  </a:moveTo>
+                  <a:lnTo>
+                    <a:pt x="2858013" y="0"/>
+                  </a:lnTo>
+                  <a:lnTo>
+                    <a:pt x="2858013" y="6866467"/>
+                  </a:lnTo>
+                  <a:lnTo>
+                    <a:pt x="2473942" y="6866467"/>
+                  </a:lnTo>
+                  <a:lnTo>
+                    <a:pt x="0" y="0"/>
+                  </a:lnTo>
+                  <a:close/>
+                </a:path>
+              </a:pathLst>
+            </a:custGeom>
+            <a:solidFill>
+              <a:schemeClr val="accent2">
+                <a:lumMod val="75000"/>
+                <a:alpha val="70000"/>
+              </a:schemeClr>
+            </a:solidFill>
+            <a:ln>
+              <a:noFill/>
+            </a:ln>
+            <a:effectLst/>
+          </p:spPr>
+          <p:style>
+            <a:lnRef idx="1">
+              <a:schemeClr val="accent1"/>
+            </a:lnRef>
+            <a:fillRef idx="3">
+              <a:schemeClr val="accent1"/>
+            </a:fillRef>
+            <a:effectRef idx="2">
+              <a:schemeClr val="accent1"/>
+            </a:effectRef>
+            <a:fontRef idx="minor">
+              <a:schemeClr val="lt1"/>
+            </a:fontRef>
+          </p:style>
+        </p:sp>
+        <p:sp>
+          <p:nvSpPr>
+            <p:cNvPr id="26" name="Rectangle 28"/>
+            <p:cNvSpPr/>
+            <p:nvPr/>
+          </p:nvSpPr>
+          <p:spPr>
+            <a:xfrm>
+              <a:off x="10898730" y="-8467"/>
+              <a:ext cx="1290094" cy="6866467"/>
+            </a:xfrm>
+            <a:custGeom>
+              <a:avLst/>
+              <a:gdLst/>
+              <a:ahLst/>
+              <a:cxnLst/>
+              <a:rect l="l" t="t" r="r" b="b"/>
+              <a:pathLst>
+                <a:path w="1290094" h="6858000">
+                  <a:moveTo>
+                    <a:pt x="1019735" y="0"/>
+                  </a:moveTo>
+                  <a:lnTo>
+                    <a:pt x="1290094" y="0"/>
+                  </a:lnTo>
+                  <a:lnTo>
+                    <a:pt x="1290094" y="6858000"/>
+                  </a:lnTo>
+                  <a:lnTo>
+                    <a:pt x="0" y="6858000"/>
+                  </a:lnTo>
+                  <a:lnTo>
+                    <a:pt x="1019735" y="0"/>
+                  </a:lnTo>
+                  <a:close/>
+                </a:path>
+              </a:pathLst>
+            </a:custGeom>
+            <a:solidFill>
+              <a:schemeClr val="accent1">
+                <a:lumMod val="60000"/>
+                <a:lumOff val="40000"/>
+                <a:alpha val="70000"/>
+              </a:schemeClr>
+            </a:solidFill>
+            <a:ln>
+              <a:noFill/>
+            </a:ln>
+            <a:effectLst/>
+          </p:spPr>
+          <p:style>
+            <a:lnRef idx="1">
+              <a:schemeClr val="accent1"/>
+            </a:lnRef>
+            <a:fillRef idx="3">
+              <a:schemeClr val="accent1"/>
+            </a:fillRef>
+            <a:effectRef idx="2">
+              <a:schemeClr val="accent1"/>
+            </a:effectRef>
+            <a:fontRef idx="minor">
+              <a:schemeClr val="lt1"/>
+            </a:fontRef>
+          </p:style>
+        </p:sp>
+        <p:sp>
+          <p:nvSpPr>
+            <p:cNvPr id="27" name="Rectangle 29"/>
+            <p:cNvSpPr/>
+            <p:nvPr/>
+          </p:nvSpPr>
+          <p:spPr>
+            <a:xfrm>
+              <a:off x="10938999" y="-8467"/>
+              <a:ext cx="1249825" cy="6866467"/>
+            </a:xfrm>
+            <a:custGeom>
+              <a:avLst/>
+              <a:gdLst/>
+              <a:ahLst/>
+              <a:cxnLst/>
+              <a:rect l="l" t="t" r="r" b="b"/>
+              <a:pathLst>
+                <a:path w="1249825" h="6858000">
+                  <a:moveTo>
+                    <a:pt x="0" y="0"/>
+                  </a:moveTo>
+                  <a:lnTo>
+                    <a:pt x="1249825" y="0"/>
+                  </a:lnTo>
+                  <a:lnTo>
+                    <a:pt x="1249825" y="6858000"/>
+                  </a:lnTo>
+                  <a:lnTo>
+                    <a:pt x="1109382" y="6858000"/>
+                  </a:lnTo>
+                  <a:lnTo>
+                    <a:pt x="0" y="0"/>
+                  </a:lnTo>
+                  <a:close/>
+                </a:path>
+              </a:pathLst>
+            </a:custGeom>
+            <a:solidFill>
+              <a:schemeClr val="accent1">
+                <a:alpha val="65000"/>
+              </a:schemeClr>
+            </a:solidFill>
+            <a:ln>
+              <a:noFill/>
+            </a:ln>
+            <a:effectLst/>
+          </p:spPr>
+          <p:style>
+            <a:lnRef idx="1">
+              <a:schemeClr val="accent1"/>
+            </a:lnRef>
+            <a:fillRef idx="3">
+              <a:schemeClr val="accent1"/>
+            </a:fillRef>
+            <a:effectRef idx="2">
+              <a:schemeClr val="accent1"/>
+            </a:effectRef>
+            <a:fontRef idx="minor">
+              <a:schemeClr val="lt1"/>
+            </a:fontRef>
+          </p:style>
+        </p:sp>
+        <p:sp>
+          <p:nvSpPr>
+            <p:cNvPr id="28" name="Isosceles Triangle 27"/>
+            <p:cNvSpPr/>
+            <p:nvPr/>
+          </p:nvSpPr>
+          <p:spPr>
+            <a:xfrm>
+              <a:off x="10371666" y="3589867"/>
+              <a:ext cx="1817159" cy="3268133"/>
+            </a:xfrm>
+            <a:prstGeom prst="triangle">
+              <a:avLst>
+                <a:gd name="adj" fmla="val 100000"/>
+              </a:avLst>
+            </a:prstGeom>
+            <a:solidFill>
+              <a:schemeClr val="accent1">
+                <a:alpha val="80000"/>
+              </a:schemeClr>
+            </a:solidFill>
+            <a:ln>
+              <a:noFill/>
+            </a:ln>
+            <a:effectLst/>
+          </p:spPr>
+          <p:style>
+            <a:lnRef idx="1">
+              <a:schemeClr val="accent1"/>
+            </a:lnRef>
+            <a:fillRef idx="3">
+              <a:schemeClr val="accent1"/>
+            </a:fillRef>
+            <a:effectRef idx="2">
+              <a:schemeClr val="accent1"/>
+            </a:effectRef>
+            <a:fontRef idx="minor">
+              <a:schemeClr val="lt1"/>
+            </a:fontRef>
+          </p:style>
+        </p:sp>
+        <p:sp>
+          <p:nvSpPr>
+            <p:cNvPr id="29" name="Isosceles Triangle 28"/>
+            <p:cNvSpPr/>
+            <p:nvPr/>
+          </p:nvSpPr>
+          <p:spPr>
+            <a:xfrm>
+              <a:off x="0" y="4013200"/>
+              <a:ext cx="448733" cy="2844800"/>
+            </a:xfrm>
+            <a:prstGeom prst="triangle">
+              <a:avLst>
+                <a:gd name="adj" fmla="val 0"/>
+              </a:avLst>
+            </a:prstGeom>
+            <a:solidFill>
+              <a:schemeClr val="accent1">
+                <a:alpha val="85000"/>
+              </a:schemeClr>
+            </a:solidFill>
+            <a:ln>
+              <a:noFill/>
+            </a:ln>
+            <a:effectLst/>
+          </p:spPr>
+          <p:style>
+            <a:lnRef idx="1">
+              <a:schemeClr val="accent1"/>
+            </a:lnRef>
+            <a:fillRef idx="3">
+              <a:schemeClr val="accent1"/>
+            </a:fillRef>
+            <a:effectRef idx="2">
+              <a:schemeClr val="accent1"/>
+            </a:effectRef>
+            <a:fontRef idx="minor">
+              <a:schemeClr val="lt1"/>
+            </a:fontRef>
+          </p:style>
+        </p:sp>
+      </p:grpSp>
+      <p:sp>
+        <p:nvSpPr>
+          <p:cNvPr id="2" name="Title Placeholder 1"/>
+          <p:cNvSpPr>
+            <a:spLocks noGrp="1"/>
+          </p:cNvSpPr>
+          <p:nvPr>
+            <p:ph type="title"/>
+          </p:nvPr>
+        </p:nvSpPr>
+        <p:spPr>
+          <a:xfrm>
+            <a:off x="677334" y="609600"/>
+            <a:ext cx="8596668" cy="1320800"/>
+          </a:xfrm>
+          <a:prstGeom prst="rect">
+            <a:avLst/>
+          </a:prstGeom>
+        </p:spPr>
+        <p:txBody>
+          <a:bodyPr vert="horz" lIns="91440" tIns="45720" rIns="91440" bIns="45720" rtlCol="0" anchor="t">
+            <a:normAutofit/>
+          </a:bodyPr>
+          <a:lstStyle/>
+          <a:p>
+            <a:r>
+              <a:rPr lang="en-US" smtClean="0"/>
+              <a:t>Click to edit Master title style</a:t>
+            </a:r>
+            <a:endParaRPr lang="en-US" dirty="0"/>
+          </a:p>
+        </p:txBody>
+      </p:sp>
+      <p:sp>
+        <p:nvSpPr>
+          <p:cNvPr id="3" name="Text Placeholder 2"/>
+          <p:cNvSpPr>
+            <a:spLocks noGrp="1"/>
+          </p:cNvSpPr>
+          <p:nvPr>
+            <p:ph type="body" idx="1"/>
+          </p:nvPr>
+        </p:nvSpPr>
+        <p:spPr>
+          <a:xfrm>
+            <a:off x="677334" y="2160589"/>
+            <a:ext cx="8596668" cy="3880773"/>
+          </a:xfrm>
+          <a:prstGeom prst="rect">
+            <a:avLst/>
+          </a:prstGeom>
+        </p:spPr>
+        <p:txBody>
+          <a:bodyPr vert="horz" lIns="91440" tIns="45720" rIns="91440" bIns="45720" rtlCol="0">
+            <a:normAutofit/>
+          </a:bodyPr>
+          <a:lstStyle/>
+          <a:p>
+            <a:pPr lvl="0"/>
+            <a:r>
+              <a:rPr lang="en-US" smtClean="0"/>
+              <a:t>Edit Master text styles</a:t>
+            </a:r>
+          </a:p>
+          <a:p>
+            <a:pPr lvl="1"/>
+            <a:r>
+              <a:rPr lang="en-US" smtClean="0"/>
+              <a:t>Second level</a:t>
+            </a:r>
+          </a:p>
+          <a:p>
+            <a:pPr lvl="2"/>
+            <a:r>
+              <a:rPr lang="en-US" smtClean="0"/>
+              <a:t>Third level</a:t>
+            </a:r>
+          </a:p>
+          <a:p>
+            <a:pPr lvl="3"/>
+            <a:r>
+              <a:rPr lang="en-US" smtClean="0"/>
+              <a:t>Fourth level</a:t>
+            </a:r>
+          </a:p>
+          <a:p>
+            <a:pPr lvl="4"/>
+            <a:r>
+              <a:rPr lang="en-US" smtClean="0"/>
+              <a:t>Fifth level</a:t>
+            </a:r>
+            <a:endParaRPr lang="en-US" dirty="0"/>
+          </a:p>
+        </p:txBody>
+      </p:sp>
+      <p:sp>
+        <p:nvSpPr>
+          <p:cNvPr id="4" name="Date Placeholder 3"/>
+          <p:cNvSpPr>
+            <a:spLocks noGrp="1"/>
+          </p:cNvSpPr>
+          <p:nvPr>
+            <p:ph type="dt" sz="half" idx="2"/>
+          </p:nvPr>
+        </p:nvSpPr>
+        <p:spPr>
+          <a:xfrm>
+            <a:off x="7205133" y="6041362"/>
+            <a:ext cx="911939" cy="365125"/>
+          </a:xfrm>
+          <a:prstGeom prst="rect">
+            <a:avLst/>
+          </a:prstGeom>
+        </p:spPr>
+        <p:txBody>
+          <a:bodyPr vert="horz" lIns="91440" tIns="45720" rIns="91440" bIns="45720" rtlCol="0" anchor="ctr"/>
+          <a:lstStyle>
+            <a:lvl1pPr algn="r">
+              <a:defRPr sz="900">
+                <a:solidFill>
+                  <a:schemeClr val="tx1">
+                    <a:tint val="75000"/>
+                  </a:schemeClr>
+                </a:solidFill>
+              </a:defRPr>
+            </a:lvl1pPr>
+          </a:lstStyle>
+          <a:p>
+            <a:fld id="{4AAD347D-5ACD-4C99-B74B-A9C85AD731AF}" type="datetimeFigureOut">
+              <a:rPr lang="en-US" smtClean="0"/>
+              <a:t>12/17/2023</a:t>
+            </a:fld>
+            <a:endParaRPr lang="en-US" dirty="0"/>
+          </a:p>
+        </p:txBody>
+      </p:sp>
+      <p:sp>
+        <p:nvSpPr>
+          <p:cNvPr id="5" name="Footer Placeholder 4"/>
+          <p:cNvSpPr>
+            <a:spLocks noGrp="1"/>
+          </p:cNvSpPr>
+          <p:nvPr>
+            <p:ph type="ftr" sz="quarter" idx="3"/>
+          </p:nvPr>
+        </p:nvSpPr>
+        <p:spPr>
+          <a:xfrm>
+            <a:off x="677334" y="6041362"/>
+            <a:ext cx="6297612" cy="365125"/>
+          </a:xfrm>
+          <a:prstGeom prst="rect">
+            <a:avLst/>
+          </a:prstGeom>
+        </p:spPr>
+        <p:txBody>
+          <a:bodyPr vert="horz" lIns="91440" tIns="45720" rIns="91440" bIns="45720" rtlCol="0" anchor="ctr"/>
+          <a:lstStyle>
+            <a:lvl1pPr algn="l">
+              <a:defRPr sz="900">
+                <a:solidFill>
+                  <a:schemeClr val="tx1">
+                    <a:tint val="75000"/>
+                  </a:schemeClr>
+                </a:solidFill>
+              </a:defRPr>
+            </a:lvl1pPr>
+          </a:lstStyle>
+          <a:p>
+            <a:endParaRPr lang="en-US" dirty="0"/>
+          </a:p>
+        </p:txBody>
+      </p:sp>
+      <p:sp>
+        <p:nvSpPr>
+          <p:cNvPr id="6" name="Slide Number Placeholder 5"/>
+          <p:cNvSpPr>
+            <a:spLocks noGrp="1"/>
+          </p:cNvSpPr>
+          <p:nvPr>
+            <p:ph type="sldNum" sz="quarter" idx="4"/>
+          </p:nvPr>
+        </p:nvSpPr>
+        <p:spPr>
+          <a:xfrm>
+            <a:off x="8590663" y="6041362"/>
+            <a:ext cx="683339" cy="365125"/>
+          </a:xfrm>
+          <a:prstGeom prst="rect">
+            <a:avLst/>
+          </a:prstGeom>
+        </p:spPr>
+        <p:txBody>
+          <a:bodyPr vert="horz" lIns="91440" tIns="45720" rIns="91440" bIns="45720" rtlCol="0" anchor="ctr"/>
+          <a:lstStyle>
+            <a:lvl1pPr algn="r">
+              <a:defRPr sz="900">
+                <a:solidFill>
+                  <a:schemeClr val="accent1"/>
+                </a:solidFill>
+              </a:defRPr>
+            </a:lvl1pPr>
+          </a:lstStyle>
+          <a:p>
+            <a:fld id="{D57F1E4F-1CFF-5643-939E-02111984F565}" type="slidenum">
+              <a:rPr lang="en-US" smtClean="0"/>
+              <a:t>‹#›</a:t>
+            </a:fld>
+            <a:endParaRPr lang="en-US" dirty="0"/>
+          </a:p>
+        </p:txBody>
+      </p:sp>
+      <p:grpSp>
+        <p:nvGrpSpPr>
+          <p:cNvPr id="18" name="Grupo 14"/>
           <p:cNvGrpSpPr/>
           <p:nvPr userDrawn="1"/>
         </p:nvGrpSpPr>
@@ -3519,7 +8786,7 @@
         </p:grpSpPr>
         <p:sp>
           <p:nvSpPr>
-            <p:cNvPr id="16" name="Retângulo 15"/>
+            <p:cNvPr id="19" name="Retângulo 15"/>
             <p:cNvSpPr/>
             <p:nvPr/>
           </p:nvSpPr>
@@ -3565,7 +8832,7 @@
         </p:sp>
         <p:sp>
           <p:nvSpPr>
-            <p:cNvPr id="17" name="Retângulo 16"/>
+            <p:cNvPr id="30" name="Retângulo 16"/>
             <p:cNvSpPr/>
             <p:nvPr/>
           </p:nvSpPr>
@@ -3612,7 +8879,7 @@
       </p:grpSp>
       <p:sp>
         <p:nvSpPr>
-          <p:cNvPr id="2" name="Retângulo 1"/>
+          <p:cNvPr id="31" name="Retângulo 1"/>
           <p:cNvSpPr/>
           <p:nvPr userDrawn="1"/>
         </p:nvSpPr>
@@ -3660,7 +8927,7 @@
       </p:sp>
       <p:sp>
         <p:nvSpPr>
-          <p:cNvPr id="12" name="Caixa de texto 11"/>
+          <p:cNvPr id="32" name="Caixa de texto 11"/>
           <p:cNvSpPr txBox="1"/>
           <p:nvPr userDrawn="1"/>
         </p:nvSpPr>
@@ -3691,7 +8958,7 @@
                 <a:cs typeface="Segoe UI Light" panose="020B0502040204020203" pitchFamily="34" charset="0"/>
               </a:rPr>
               <a:pPr algn="r" rtl="0"/>
-              <a:t>‹nº›</a:t>
+              <a:t>‹#›</a:t>
             </a:fld>
             <a:endParaRPr lang="pt-PT" sz="8000" b="0" i="0" strike="noStrike" spc="0" noProof="0">
               <a:solidFill>
@@ -3706,7 +8973,7 @@
       </p:sp>
       <p:sp>
         <p:nvSpPr>
-          <p:cNvPr id="9" name="Caixa de texto 8"/>
+          <p:cNvPr id="33" name="Caixa de texto 8"/>
           <p:cNvSpPr txBox="1"/>
           <p:nvPr userDrawn="1"/>
         </p:nvSpPr>
@@ -3741,7 +9008,7 @@
       </p:sp>
       <p:sp>
         <p:nvSpPr>
-          <p:cNvPr id="4" name="CaixaDeTexto 3">
+          <p:cNvPr id="34" name="CaixaDeTexto 3">
             <a:extLst>
               <a:ext uri="{FF2B5EF4-FFF2-40B4-BE49-F238E27FC236}">
                 <a16:creationId xmlns:a16="http://schemas.microsoft.com/office/drawing/2014/main" id="{B3A3BB51-71C4-0C74-E566-44F5269840DF}"/>
@@ -3752,7 +9019,7 @@
           <p:nvPr userDrawn="1">
             <p:extLst>
               <p:ext uri="{1162E1C5-73C7-4A58-AE30-91384D911F3F}">
-                <p184:classification xmlns:p184="http://schemas.microsoft.com/office/powerpoint/2018/4/main" val="hdr"/>
+                <p184:classification xmlns:p184="http://schemas.microsoft.com/office/powerpoint/2018/4/main" xmlns="" val="hdr"/>
               </p:ext>
             </p:extLst>
           </p:nvPr>
@@ -3790,195 +9057,327 @@
     </p:spTree>
     <p:extLst>
       <p:ext uri="{BB962C8B-B14F-4D97-AF65-F5344CB8AC3E}">
-        <p14:creationId xmlns:p14="http://schemas.microsoft.com/office/powerpoint/2010/main" val="3008118459"/>
+        <p14:creationId xmlns:p14="http://schemas.microsoft.com/office/powerpoint/2010/main" val="1708042252"/>
       </p:ext>
     </p:extLst>
   </p:cSld>
   <p:clrMap bg1="lt1" tx1="dk1" bg2="lt2" tx2="dk2" accent1="accent1" accent2="accent2" accent3="accent3" accent4="accent4" accent5="accent5" accent6="accent6" hlink="hlink" folHlink="folHlink"/>
   <p:sldLayoutIdLst>
-    <p:sldLayoutId id="2147483651" r:id="rId1"/>
-    <p:sldLayoutId id="2147483662" r:id="rId2"/>
-    <p:sldLayoutId id="2147483781" r:id="rId3"/>
-    <p:sldLayoutId id="2147483692" r:id="rId4"/>
+    <p:sldLayoutId id="2147483803" r:id="rId1"/>
+    <p:sldLayoutId id="2147483804" r:id="rId2"/>
+    <p:sldLayoutId id="2147483805" r:id="rId3"/>
+    <p:sldLayoutId id="2147483806" r:id="rId4"/>
+    <p:sldLayoutId id="2147483807" r:id="rId5"/>
+    <p:sldLayoutId id="2147483808" r:id="rId6"/>
+    <p:sldLayoutId id="2147483809" r:id="rId7"/>
+    <p:sldLayoutId id="2147483810" r:id="rId8"/>
+    <p:sldLayoutId id="2147483811" r:id="rId9"/>
+    <p:sldLayoutId id="2147483812" r:id="rId10"/>
+    <p:sldLayoutId id="2147483813" r:id="rId11"/>
+    <p:sldLayoutId id="2147483814" r:id="rId12"/>
+    <p:sldLayoutId id="2147483815" r:id="rId13"/>
+    <p:sldLayoutId id="2147483816" r:id="rId14"/>
+    <p:sldLayoutId id="2147483817" r:id="rId15"/>
+    <p:sldLayoutId id="2147483818" r:id="rId16"/>
+    <p:sldLayoutId id="2147483819" r:id="rId17"/>
+    <p:sldLayoutId id="2147483820" r:id="rId18"/>
+    <p:sldLayoutId id="2147483781" r:id="rId19"/>
+    <p:sldLayoutId id="2147483692" r:id="rId20"/>
   </p:sldLayoutIdLst>
   <p:hf sldNum="0" hdr="0" ftr="0" dt="0"/>
   <p:txStyles>
     <p:titleStyle>
-      <a:lvl1pPr algn="l" defTabSz="914400" rtl="0" eaLnBrk="1" latinLnBrk="0" hangingPunct="1">
-        <a:lnSpc>
-          <a:spcPct val="90000"/>
-        </a:lnSpc>
+      <a:lvl1pPr algn="l" defTabSz="457200" rtl="0" eaLnBrk="1" latinLnBrk="0" hangingPunct="1">
         <a:spcBef>
           <a:spcPct val="0"/>
         </a:spcBef>
         <a:buNone/>
-        <a:defRPr sz="4400" kern="1200">
+        <a:defRPr sz="3600" kern="1200">
           <a:solidFill>
-            <a:schemeClr val="tx1"/>
+            <a:schemeClr val="accent1"/>
           </a:solidFill>
           <a:latin typeface="+mj-lt"/>
           <a:ea typeface="+mj-ea"/>
           <a:cs typeface="+mj-cs"/>
         </a:defRPr>
       </a:lvl1pPr>
+      <a:lvl2pPr eaLnBrk="1" hangingPunct="1">
+        <a:defRPr>
+          <a:solidFill>
+            <a:schemeClr val="tx2"/>
+          </a:solidFill>
+        </a:defRPr>
+      </a:lvl2pPr>
+      <a:lvl3pPr eaLnBrk="1" hangingPunct="1">
+        <a:defRPr>
+          <a:solidFill>
+            <a:schemeClr val="tx2"/>
+          </a:solidFill>
+        </a:defRPr>
+      </a:lvl3pPr>
+      <a:lvl4pPr eaLnBrk="1" hangingPunct="1">
+        <a:defRPr>
+          <a:solidFill>
+            <a:schemeClr val="tx2"/>
+          </a:solidFill>
+        </a:defRPr>
+      </a:lvl4pPr>
+      <a:lvl5pPr eaLnBrk="1" hangingPunct="1">
+        <a:defRPr>
+          <a:solidFill>
+            <a:schemeClr val="tx2"/>
+          </a:solidFill>
+        </a:defRPr>
+      </a:lvl5pPr>
+      <a:lvl6pPr eaLnBrk="1" hangingPunct="1">
+        <a:defRPr>
+          <a:solidFill>
+            <a:schemeClr val="tx2"/>
+          </a:solidFill>
+        </a:defRPr>
+      </a:lvl6pPr>
+      <a:lvl7pPr eaLnBrk="1" hangingPunct="1">
+        <a:defRPr>
+          <a:solidFill>
+            <a:schemeClr val="tx2"/>
+          </a:solidFill>
+        </a:defRPr>
+      </a:lvl7pPr>
+      <a:lvl8pPr eaLnBrk="1" hangingPunct="1">
+        <a:defRPr>
+          <a:solidFill>
+            <a:schemeClr val="tx2"/>
+          </a:solidFill>
+        </a:defRPr>
+      </a:lvl8pPr>
+      <a:lvl9pPr eaLnBrk="1" hangingPunct="1">
+        <a:defRPr>
+          <a:solidFill>
+            <a:schemeClr val="tx2"/>
+          </a:solidFill>
+        </a:defRPr>
+      </a:lvl9pPr>
     </p:titleStyle>
     <p:bodyStyle>
-      <a:lvl1pPr marL="228600" indent="-228600" algn="l" defTabSz="914400" rtl="0" eaLnBrk="1" latinLnBrk="0" hangingPunct="1">
-        <a:lnSpc>
-          <a:spcPct val="90000"/>
-        </a:lnSpc>
+      <a:lvl1pPr marL="342900" indent="-342900" algn="l" defTabSz="457200" rtl="0" eaLnBrk="1" latinLnBrk="0" hangingPunct="1">
         <a:spcBef>
           <a:spcPts val="1000"/>
         </a:spcBef>
-        <a:buFont typeface="Arial" panose="020B0604020202020204" pitchFamily="34" charset="0"/>
-        <a:buChar char="•"/>
-        <a:defRPr sz="2800" kern="1200">
+        <a:spcAft>
+          <a:spcPts val="0"/>
+        </a:spcAft>
+        <a:buClr>
+          <a:schemeClr val="accent1"/>
+        </a:buClr>
+        <a:buSzPct val="80000"/>
+        <a:buFont typeface="Wingdings 3" charset="2"/>
+        <a:buChar char=""/>
+        <a:defRPr sz="1800" kern="1200">
           <a:solidFill>
-            <a:schemeClr val="tx1"/>
+            <a:schemeClr val="tx1">
+              <a:lumMod val="75000"/>
+              <a:lumOff val="25000"/>
+            </a:schemeClr>
           </a:solidFill>
           <a:latin typeface="+mn-lt"/>
           <a:ea typeface="+mn-ea"/>
           <a:cs typeface="+mn-cs"/>
         </a:defRPr>
       </a:lvl1pPr>
-      <a:lvl2pPr marL="685800" indent="-228600" algn="l" defTabSz="914400" rtl="0" eaLnBrk="1" latinLnBrk="0" hangingPunct="1">
-        <a:lnSpc>
-          <a:spcPct val="90000"/>
-        </a:lnSpc>
+      <a:lvl2pPr marL="742950" indent="-285750" algn="l" defTabSz="457200" rtl="0" eaLnBrk="1" latinLnBrk="0" hangingPunct="1">
         <a:spcBef>
-          <a:spcPts val="500"/>
+          <a:spcPts val="1000"/>
         </a:spcBef>
-        <a:buFont typeface="Arial" panose="020B0604020202020204" pitchFamily="34" charset="0"/>
-        <a:buChar char="•"/>
-        <a:defRPr sz="2400" kern="1200">
+        <a:spcAft>
+          <a:spcPts val="0"/>
+        </a:spcAft>
+        <a:buClr>
+          <a:schemeClr val="accent1"/>
+        </a:buClr>
+        <a:buSzPct val="80000"/>
+        <a:buFont typeface="Wingdings 3" charset="2"/>
+        <a:buChar char=""/>
+        <a:defRPr sz="1600" kern="1200">
           <a:solidFill>
-            <a:schemeClr val="tx1"/>
+            <a:schemeClr val="tx1">
+              <a:lumMod val="75000"/>
+              <a:lumOff val="25000"/>
+            </a:schemeClr>
           </a:solidFill>
           <a:latin typeface="+mn-lt"/>
           <a:ea typeface="+mn-ea"/>
           <a:cs typeface="+mn-cs"/>
         </a:defRPr>
       </a:lvl2pPr>
-      <a:lvl3pPr marL="1143000" indent="-228600" algn="l" defTabSz="914400" rtl="0" eaLnBrk="1" latinLnBrk="0" hangingPunct="1">
-        <a:lnSpc>
-          <a:spcPct val="90000"/>
-        </a:lnSpc>
+      <a:lvl3pPr marL="1143000" indent="-228600" algn="l" defTabSz="457200" rtl="0" eaLnBrk="1" latinLnBrk="0" hangingPunct="1">
         <a:spcBef>
-          <a:spcPts val="500"/>
+          <a:spcPts val="1000"/>
         </a:spcBef>
-        <a:buFont typeface="Arial" panose="020B0604020202020204" pitchFamily="34" charset="0"/>
-        <a:buChar char="•"/>
-        <a:defRPr sz="2000" kern="1200">
+        <a:spcAft>
+          <a:spcPts val="0"/>
+        </a:spcAft>
+        <a:buClr>
+          <a:schemeClr val="accent1"/>
+        </a:buClr>
+        <a:buSzPct val="80000"/>
+        <a:buFont typeface="Wingdings 3" charset="2"/>
+        <a:buChar char=""/>
+        <a:defRPr sz="1400" kern="1200">
           <a:solidFill>
-            <a:schemeClr val="tx1"/>
+            <a:schemeClr val="tx1">
+              <a:lumMod val="75000"/>
+              <a:lumOff val="25000"/>
+            </a:schemeClr>
           </a:solidFill>
           <a:latin typeface="+mn-lt"/>
           <a:ea typeface="+mn-ea"/>
           <a:cs typeface="+mn-cs"/>
         </a:defRPr>
       </a:lvl3pPr>
-      <a:lvl4pPr marL="1600200" indent="-228600" algn="l" defTabSz="914400" rtl="0" eaLnBrk="1" latinLnBrk="0" hangingPunct="1">
-        <a:lnSpc>
-          <a:spcPct val="90000"/>
-        </a:lnSpc>
+      <a:lvl4pPr marL="1600200" indent="-228600" algn="l" defTabSz="457200" rtl="0" eaLnBrk="1" latinLnBrk="0" hangingPunct="1">
         <a:spcBef>
-          <a:spcPts val="500"/>
+          <a:spcPts val="1000"/>
         </a:spcBef>
-        <a:buFont typeface="Arial" panose="020B0604020202020204" pitchFamily="34" charset="0"/>
-        <a:buChar char="•"/>
-        <a:defRPr sz="1800" kern="1200">
+        <a:spcAft>
+          <a:spcPts val="0"/>
+        </a:spcAft>
+        <a:buClr>
+          <a:schemeClr val="accent1"/>
+        </a:buClr>
+        <a:buSzPct val="80000"/>
+        <a:buFont typeface="Wingdings 3" charset="2"/>
+        <a:buChar char=""/>
+        <a:defRPr sz="1200" kern="1200">
           <a:solidFill>
-            <a:schemeClr val="tx1"/>
+            <a:schemeClr val="tx1">
+              <a:lumMod val="75000"/>
+              <a:lumOff val="25000"/>
+            </a:schemeClr>
           </a:solidFill>
           <a:latin typeface="+mn-lt"/>
           <a:ea typeface="+mn-ea"/>
           <a:cs typeface="+mn-cs"/>
         </a:defRPr>
       </a:lvl4pPr>
-      <a:lvl5pPr marL="2057400" indent="-228600" algn="l" defTabSz="914400" rtl="0" eaLnBrk="1" latinLnBrk="0" hangingPunct="1">
-        <a:lnSpc>
-          <a:spcPct val="90000"/>
-        </a:lnSpc>
+      <a:lvl5pPr marL="2057400" indent="-228600" algn="l" defTabSz="457200" rtl="0" eaLnBrk="1" latinLnBrk="0" hangingPunct="1">
         <a:spcBef>
-          <a:spcPts val="500"/>
+          <a:spcPts val="1000"/>
         </a:spcBef>
-        <a:buFont typeface="Arial" panose="020B0604020202020204" pitchFamily="34" charset="0"/>
-        <a:buChar char="•"/>
-        <a:defRPr sz="1800" kern="1200">
+        <a:spcAft>
+          <a:spcPts val="0"/>
+        </a:spcAft>
+        <a:buClr>
+          <a:schemeClr val="accent1"/>
+        </a:buClr>
+        <a:buSzPct val="80000"/>
+        <a:buFont typeface="Wingdings 3" charset="2"/>
+        <a:buChar char=""/>
+        <a:defRPr sz="1200" kern="1200">
           <a:solidFill>
-            <a:schemeClr val="tx1"/>
+            <a:schemeClr val="tx1">
+              <a:lumMod val="75000"/>
+              <a:lumOff val="25000"/>
+            </a:schemeClr>
           </a:solidFill>
           <a:latin typeface="+mn-lt"/>
           <a:ea typeface="+mn-ea"/>
           <a:cs typeface="+mn-cs"/>
         </a:defRPr>
       </a:lvl5pPr>
-      <a:lvl6pPr marL="2514600" indent="-228600" algn="l" defTabSz="914400" rtl="0" eaLnBrk="1" latinLnBrk="0" hangingPunct="1">
-        <a:lnSpc>
-          <a:spcPct val="90000"/>
-        </a:lnSpc>
+      <a:lvl6pPr marL="2514600" indent="-228600" algn="l" defTabSz="457200" rtl="0" eaLnBrk="1" latinLnBrk="0" hangingPunct="1">
         <a:spcBef>
-          <a:spcPts val="500"/>
+          <a:spcPts val="1000"/>
         </a:spcBef>
-        <a:buFont typeface="Arial" panose="020B0604020202020204" pitchFamily="34" charset="0"/>
-        <a:buChar char="•"/>
-        <a:defRPr sz="1800" kern="1200">
+        <a:spcAft>
+          <a:spcPts val="0"/>
+        </a:spcAft>
+        <a:buClr>
+          <a:schemeClr val="accent1"/>
+        </a:buClr>
+        <a:buSzPct val="80000"/>
+        <a:buFont typeface="Wingdings 3" charset="2"/>
+        <a:buChar char=""/>
+        <a:defRPr sz="1200" kern="1200">
           <a:solidFill>
-            <a:schemeClr val="tx1"/>
+            <a:schemeClr val="tx1">
+              <a:lumMod val="75000"/>
+              <a:lumOff val="25000"/>
+            </a:schemeClr>
           </a:solidFill>
           <a:latin typeface="+mn-lt"/>
           <a:ea typeface="+mn-ea"/>
           <a:cs typeface="+mn-cs"/>
         </a:defRPr>
       </a:lvl6pPr>
-      <a:lvl7pPr marL="2971800" indent="-228600" algn="l" defTabSz="914400" rtl="0" eaLnBrk="1" latinLnBrk="0" hangingPunct="1">
-        <a:lnSpc>
-          <a:spcPct val="90000"/>
-        </a:lnSpc>
+      <a:lvl7pPr marL="2971800" indent="-228600" algn="l" defTabSz="457200" rtl="0" eaLnBrk="1" latinLnBrk="0" hangingPunct="1">
         <a:spcBef>
-          <a:spcPts val="500"/>
+          <a:spcPts val="1000"/>
         </a:spcBef>
-        <a:buFont typeface="Arial" panose="020B0604020202020204" pitchFamily="34" charset="0"/>
-        <a:buChar char="•"/>
-        <a:defRPr sz="1800" kern="1200">
+        <a:spcAft>
+          <a:spcPts val="0"/>
+        </a:spcAft>
+        <a:buClr>
+          <a:schemeClr val="accent1"/>
+        </a:buClr>
+        <a:buSzPct val="80000"/>
+        <a:buFont typeface="Wingdings 3" charset="2"/>
+        <a:buChar char=""/>
+        <a:defRPr sz="1200" kern="1200">
           <a:solidFill>
-            <a:schemeClr val="tx1"/>
+            <a:schemeClr val="tx1">
+              <a:lumMod val="75000"/>
+              <a:lumOff val="25000"/>
+            </a:schemeClr>
           </a:solidFill>
           <a:latin typeface="+mn-lt"/>
           <a:ea typeface="+mn-ea"/>
           <a:cs typeface="+mn-cs"/>
         </a:defRPr>
       </a:lvl7pPr>
-      <a:lvl8pPr marL="3429000" indent="-228600" algn="l" defTabSz="914400" rtl="0" eaLnBrk="1" latinLnBrk="0" hangingPunct="1">
-        <a:lnSpc>
-          <a:spcPct val="90000"/>
-        </a:lnSpc>
+      <a:lvl8pPr marL="3429000" indent="-228600" algn="l" defTabSz="457200" rtl="0" eaLnBrk="1" latinLnBrk="0" hangingPunct="1">
         <a:spcBef>
-          <a:spcPts val="500"/>
+          <a:spcPts val="1000"/>
         </a:spcBef>
-        <a:buFont typeface="Arial" panose="020B0604020202020204" pitchFamily="34" charset="0"/>
-        <a:buChar char="•"/>
-        <a:defRPr sz="1800" kern="1200">
+        <a:spcAft>
+          <a:spcPts val="0"/>
+        </a:spcAft>
+        <a:buClr>
+          <a:schemeClr val="accent1"/>
+        </a:buClr>
+        <a:buSzPct val="80000"/>
+        <a:buFont typeface="Wingdings 3" charset="2"/>
+        <a:buChar char=""/>
+        <a:defRPr sz="1200" kern="1200">
           <a:solidFill>
-            <a:schemeClr val="tx1"/>
+            <a:schemeClr val="tx1">
+              <a:lumMod val="75000"/>
+              <a:lumOff val="25000"/>
+            </a:schemeClr>
           </a:solidFill>
           <a:latin typeface="+mn-lt"/>
           <a:ea typeface="+mn-ea"/>
           <a:cs typeface="+mn-cs"/>
         </a:defRPr>
       </a:lvl8pPr>
-      <a:lvl9pPr marL="3886200" indent="-228600" algn="l" defTabSz="914400" rtl="0" eaLnBrk="1" latinLnBrk="0" hangingPunct="1">
-        <a:lnSpc>
-          <a:spcPct val="90000"/>
-        </a:lnSpc>
+      <a:lvl9pPr marL="3886200" indent="-228600" algn="l" defTabSz="457200" rtl="0" eaLnBrk="1" latinLnBrk="0" hangingPunct="1">
         <a:spcBef>
-          <a:spcPts val="500"/>
+          <a:spcPts val="1000"/>
         </a:spcBef>
-        <a:buFont typeface="Arial" panose="020B0604020202020204" pitchFamily="34" charset="0"/>
-        <a:buChar char="•"/>
-        <a:defRPr sz="1800" kern="1200">
+        <a:spcAft>
+          <a:spcPts val="0"/>
+        </a:spcAft>
+        <a:buClr>
+          <a:schemeClr val="accent1"/>
+        </a:buClr>
+        <a:buSzPct val="80000"/>
+        <a:buFont typeface="Wingdings 3" charset="2"/>
+        <a:buChar char=""/>
+        <a:defRPr sz="1200" kern="1200">
           <a:solidFill>
-            <a:schemeClr val="tx1"/>
+            <a:schemeClr val="tx1">
+              <a:lumMod val="75000"/>
+              <a:lumOff val="25000"/>
+            </a:schemeClr>
           </a:solidFill>
           <a:latin typeface="+mn-lt"/>
           <a:ea typeface="+mn-ea"/>
@@ -3990,7 +9389,7 @@
       <a:defPPr>
         <a:defRPr lang="en-US"/>
       </a:defPPr>
-      <a:lvl1pPr marL="0" algn="l" defTabSz="914400" rtl="0" eaLnBrk="1" latinLnBrk="0" hangingPunct="1">
+      <a:lvl1pPr marL="0" algn="l" defTabSz="457200" rtl="0" eaLnBrk="1" latinLnBrk="0" hangingPunct="1">
         <a:defRPr sz="1800" kern="1200">
           <a:solidFill>
             <a:schemeClr val="tx1"/>
@@ -4000,7 +9399,7 @@
           <a:cs typeface="+mn-cs"/>
         </a:defRPr>
       </a:lvl1pPr>
-      <a:lvl2pPr marL="457200" algn="l" defTabSz="914400" rtl="0" eaLnBrk="1" latinLnBrk="0" hangingPunct="1">
+      <a:lvl2pPr marL="457200" algn="l" defTabSz="457200" rtl="0" eaLnBrk="1" latinLnBrk="0" hangingPunct="1">
         <a:defRPr sz="1800" kern="1200">
           <a:solidFill>
             <a:schemeClr val="tx1"/>
@@ -4010,7 +9409,7 @@
           <a:cs typeface="+mn-cs"/>
         </a:defRPr>
       </a:lvl2pPr>
-      <a:lvl3pPr marL="914400" algn="l" defTabSz="914400" rtl="0" eaLnBrk="1" latinLnBrk="0" hangingPunct="1">
+      <a:lvl3pPr marL="914400" algn="l" defTabSz="457200" rtl="0" eaLnBrk="1" latinLnBrk="0" hangingPunct="1">
         <a:defRPr sz="1800" kern="1200">
           <a:solidFill>
             <a:schemeClr val="tx1"/>
@@ -4020,7 +9419,7 @@
           <a:cs typeface="+mn-cs"/>
         </a:defRPr>
       </a:lvl3pPr>
-      <a:lvl4pPr marL="1371600" algn="l" defTabSz="914400" rtl="0" eaLnBrk="1" latinLnBrk="0" hangingPunct="1">
+      <a:lvl4pPr marL="1371600" algn="l" defTabSz="457200" rtl="0" eaLnBrk="1" latinLnBrk="0" hangingPunct="1">
         <a:defRPr sz="1800" kern="1200">
           <a:solidFill>
             <a:schemeClr val="tx1"/>
@@ -4030,7 +9429,7 @@
           <a:cs typeface="+mn-cs"/>
         </a:defRPr>
       </a:lvl4pPr>
-      <a:lvl5pPr marL="1828800" algn="l" defTabSz="914400" rtl="0" eaLnBrk="1" latinLnBrk="0" hangingPunct="1">
+      <a:lvl5pPr marL="1828800" algn="l" defTabSz="457200" rtl="0" eaLnBrk="1" latinLnBrk="0" hangingPunct="1">
         <a:defRPr sz="1800" kern="1200">
           <a:solidFill>
             <a:schemeClr val="tx1"/>
@@ -4040,7 +9439,7 @@
           <a:cs typeface="+mn-cs"/>
         </a:defRPr>
       </a:lvl5pPr>
-      <a:lvl6pPr marL="2286000" algn="l" defTabSz="914400" rtl="0" eaLnBrk="1" latinLnBrk="0" hangingPunct="1">
+      <a:lvl6pPr marL="2286000" algn="l" defTabSz="457200" rtl="0" eaLnBrk="1" latinLnBrk="0" hangingPunct="1">
         <a:defRPr sz="1800" kern="1200">
           <a:solidFill>
             <a:schemeClr val="tx1"/>
@@ -4050,7 +9449,7 @@
           <a:cs typeface="+mn-cs"/>
         </a:defRPr>
       </a:lvl6pPr>
-      <a:lvl7pPr marL="2743200" algn="l" defTabSz="914400" rtl="0" eaLnBrk="1" latinLnBrk="0" hangingPunct="1">
+      <a:lvl7pPr marL="2743200" algn="l" defTabSz="457200" rtl="0" eaLnBrk="1" latinLnBrk="0" hangingPunct="1">
         <a:defRPr sz="1800" kern="1200">
           <a:solidFill>
             <a:schemeClr val="tx1"/>
@@ -4060,7 +9459,7 @@
           <a:cs typeface="+mn-cs"/>
         </a:defRPr>
       </a:lvl7pPr>
-      <a:lvl8pPr marL="3200400" algn="l" defTabSz="914400" rtl="0" eaLnBrk="1" latinLnBrk="0" hangingPunct="1">
+      <a:lvl8pPr marL="3200400" algn="l" defTabSz="457200" rtl="0" eaLnBrk="1" latinLnBrk="0" hangingPunct="1">
         <a:defRPr sz="1800" kern="1200">
           <a:solidFill>
             <a:schemeClr val="tx1"/>
@@ -4070,7 +9469,7 @@
           <a:cs typeface="+mn-cs"/>
         </a:defRPr>
       </a:lvl8pPr>
-      <a:lvl9pPr marL="3657600" algn="l" defTabSz="914400" rtl="0" eaLnBrk="1" latinLnBrk="0" hangingPunct="1">
+      <a:lvl9pPr marL="3657600" algn="l" defTabSz="457200" rtl="0" eaLnBrk="1" latinLnBrk="0" hangingPunct="1">
         <a:defRPr sz="1800" kern="1200">
           <a:solidFill>
             <a:schemeClr val="tx1"/>
@@ -4107,7 +9506,7 @@
           <p:cNvPr id="6" name="Retângulo 5">
             <a:extLst>
               <a:ext uri="{C183D7F6-B498-43B3-948B-1728B52AA6E4}">
-                <adec:decorative xmlns:adec="http://schemas.microsoft.com/office/drawing/2017/decorative" val="1"/>
+                <adec:decorative xmlns:adec="http://schemas.microsoft.com/office/drawing/2017/decorative" xmlns="" val="1"/>
               </a:ext>
             </a:extLst>
           </p:cNvPr>
@@ -4551,8 +9950,8 @@
         </p:nvSpPr>
         <p:spPr>
           <a:xfrm>
-            <a:off x="1642506" y="3269852"/>
-            <a:ext cx="4453494" cy="1384995"/>
+            <a:off x="1642506" y="3054409"/>
+            <a:ext cx="4453494" cy="1892059"/>
           </a:xfrm>
           <a:prstGeom prst="roundRect">
             <a:avLst/>
@@ -4614,8 +10013,8 @@
         </p:nvSpPr>
         <p:spPr>
           <a:xfrm>
-            <a:off x="1902733" y="3269852"/>
-            <a:ext cx="4154477" cy="1384995"/>
+            <a:off x="1902733" y="3054409"/>
+            <a:ext cx="4154477" cy="1815882"/>
           </a:xfrm>
           <a:prstGeom prst="rect">
             <a:avLst/>
@@ -4629,7 +10028,11 @@
           <a:lstStyle/>
           <a:p>
             <a:r>
-              <a:rPr lang="pt-PT" sz="2800" dirty="0"/>
+              <a:rPr lang="pt-PT" sz="2800" dirty="0">
+                <a:solidFill>
+                  <a:schemeClr val="bg1"/>
+                </a:solidFill>
+              </a:rPr>
               <a:t>Lista de bares/restaurantes junto da morada do estádio</a:t>
             </a:r>
           </a:p>
@@ -4719,7 +10122,7 @@
                   <a14:useLocalDpi xmlns:a14="http://schemas.microsoft.com/office/drawing/2010/main" val="0"/>
                 </a:ext>
                 <a:ext uri="{96DAC541-7B7A-43D3-8B79-37D633B846F1}">
-                  <asvg:svgBlip xmlns:asvg="http://schemas.microsoft.com/office/drawing/2016/SVG/main" r:embed="rId5"/>
+                  <asvg:svgBlip xmlns:asvg="http://schemas.microsoft.com/office/drawing/2016/SVG/main" xmlns="" r:embed="rId5"/>
                 </a:ext>
               </a:extLst>
             </a:blip>
@@ -4956,6 +10359,13 @@
       </p:transition>
     </mc:Fallback>
   </mc:AlternateContent>
+  <p:timing>
+    <p:tnLst>
+      <p:par>
+        <p:cTn id="1" dur="indefinite" restart="never" nodeType="tmRoot"/>
+      </p:par>
+    </p:tnLst>
+  </p:timing>
 </p:sld>
 </file>
 
@@ -5198,7 +10608,7 @@
                   <a14:useLocalDpi xmlns:a14="http://schemas.microsoft.com/office/drawing/2010/main" val="0"/>
                 </a:ext>
                 <a:ext uri="{96DAC541-7B7A-43D3-8B79-37D633B846F1}">
-                  <asvg:svgBlip xmlns:asvg="http://schemas.microsoft.com/office/drawing/2016/SVG/main" r:embed="rId5"/>
+                  <asvg:svgBlip xmlns:asvg="http://schemas.microsoft.com/office/drawing/2016/SVG/main" xmlns="" r:embed="rId5"/>
                 </a:ext>
               </a:extLst>
             </a:blip>
@@ -5507,7 +10917,11 @@
           <a:lstStyle/>
           <a:p>
             <a:r>
-              <a:rPr lang="pt-PT" sz="2800" dirty="0"/>
+              <a:rPr lang="pt-PT" sz="2800" dirty="0">
+                <a:solidFill>
+                  <a:schemeClr val="bg1"/>
+                </a:solidFill>
+              </a:rPr>
               <a:t>Lista de parques de estacionamento junto da morada do estádio</a:t>
             </a:r>
           </a:p>
@@ -5535,6 +10949,13 @@
       </p:transition>
     </mc:Fallback>
   </mc:AlternateContent>
+  <p:timing>
+    <p:tnLst>
+      <p:par>
+        <p:cTn id="1" dur="indefinite" restart="never" nodeType="tmRoot"/>
+      </p:par>
+    </p:tnLst>
+  </p:timing>
 </p:sld>
 </file>
 
@@ -5780,7 +11201,7 @@
                   <a14:useLocalDpi xmlns:a14="http://schemas.microsoft.com/office/drawing/2010/main" val="0"/>
                 </a:ext>
                 <a:ext uri="{96DAC541-7B7A-43D3-8B79-37D633B846F1}">
-                  <asvg:svgBlip xmlns:asvg="http://schemas.microsoft.com/office/drawing/2016/SVG/main" r:embed="rId5"/>
+                  <asvg:svgBlip xmlns:asvg="http://schemas.microsoft.com/office/drawing/2016/SVG/main" xmlns="" r:embed="rId5"/>
                 </a:ext>
               </a:extLst>
             </a:blip>
@@ -6169,6 +11590,10 @@
               <a:r>
                 <a:rPr lang="en-US" sz="1400" b="1" kern="1200" dirty="0"/>
                 <a:t>POST</a:t>
+              </a:r>
+              <a:r>
+                <a:rPr lang="en-US" sz="1400" kern="1200" dirty="0"/>
+                <a:t/>
               </a:r>
               <a:br>
                 <a:rPr lang="en-US" sz="1400" kern="1200" dirty="0"/>
@@ -6835,6 +12260,13 @@
       </p:transition>
     </mc:Fallback>
   </mc:AlternateContent>
+  <p:timing>
+    <p:tnLst>
+      <p:par>
+        <p:cTn id="1" dur="indefinite" restart="never" nodeType="tmRoot"/>
+      </p:par>
+    </p:tnLst>
+  </p:timing>
 </p:sld>
 </file>
 
@@ -8478,6 +13910,593 @@
       </p:grpSpPr>
       <p:pic>
         <p:nvPicPr>
+          <p:cNvPr id="4" name="Picture 3"/>
+          <p:cNvPicPr>
+            <a:picLocks noChangeAspect="1"/>
+          </p:cNvPicPr>
+          <p:nvPr/>
+        </p:nvPicPr>
+        <p:blipFill>
+          <a:blip r:embed="rId2"/>
+          <a:stretch>
+            <a:fillRect/>
+          </a:stretch>
+        </p:blipFill>
+        <p:spPr>
+          <a:xfrm>
+            <a:off x="1463040" y="2186442"/>
+            <a:ext cx="9257582" cy="3942807"/>
+          </a:xfrm>
+          <a:prstGeom prst="rect">
+            <a:avLst/>
+          </a:prstGeom>
+        </p:spPr>
+      </p:pic>
+      <p:grpSp>
+        <p:nvGrpSpPr>
+          <p:cNvPr id="5" name="Agrupar 3">
+            <a:extLst>
+              <a:ext uri="{FF2B5EF4-FFF2-40B4-BE49-F238E27FC236}">
+                <a16:creationId xmlns:a16="http://schemas.microsoft.com/office/drawing/2014/main" id="{761FD80A-886F-CE14-1631-FF7A2970F215}"/>
+              </a:ext>
+            </a:extLst>
+          </p:cNvPr>
+          <p:cNvGrpSpPr/>
+          <p:nvPr/>
+        </p:nvGrpSpPr>
+        <p:grpSpPr>
+          <a:xfrm>
+            <a:off x="0" y="186736"/>
+            <a:ext cx="12109581" cy="635452"/>
+            <a:chOff x="0" y="187846"/>
+            <a:chExt cx="12109581" cy="635452"/>
+          </a:xfrm>
+        </p:grpSpPr>
+        <p:sp>
+          <p:nvSpPr>
+            <p:cNvPr id="6" name="Caixa de texto 1133">
+              <a:extLst>
+                <a:ext uri="{FF2B5EF4-FFF2-40B4-BE49-F238E27FC236}">
+                  <a16:creationId xmlns:a16="http://schemas.microsoft.com/office/drawing/2014/main" id="{5EC9520A-5152-C35A-8324-C0FB412AEFAF}"/>
+                </a:ext>
+              </a:extLst>
+            </p:cNvPr>
+            <p:cNvSpPr txBox="1"/>
+            <p:nvPr/>
+          </p:nvSpPr>
+          <p:spPr>
+            <a:xfrm>
+              <a:off x="569202" y="287767"/>
+              <a:ext cx="6254969" cy="535531"/>
+            </a:xfrm>
+            <a:prstGeom prst="rect">
+              <a:avLst/>
+            </a:prstGeom>
+            <a:noFill/>
+          </p:spPr>
+          <p:txBody>
+            <a:bodyPr wrap="square" rtlCol="0">
+              <a:spAutoFit/>
+            </a:bodyPr>
+            <a:lstStyle/>
+            <a:p>
+              <a:pPr>
+                <a:lnSpc>
+                  <a:spcPct val="80000"/>
+                </a:lnSpc>
+              </a:pPr>
+              <a:r>
+                <a:rPr lang="pt-PT" sz="2800" b="1" dirty="0">
+                  <a:solidFill>
+                    <a:srgbClr val="1C1E26"/>
+                  </a:solidFill>
+                  <a:latin typeface="Arial Black" panose="020B0A04020102020204" pitchFamily="34" charset="0"/>
+                  <a:ea typeface="Lato Black" panose="020F0502020204030203" pitchFamily="34" charset="0"/>
+                  <a:cs typeface="Lato Black" panose="020F0502020204030203" pitchFamily="34" charset="0"/>
+                </a:rPr>
+                <a:t> </a:t>
+              </a:r>
+              <a:r>
+                <a:rPr lang="pt-PT" sz="3600" b="1" dirty="0" err="1">
+                  <a:solidFill>
+                    <a:srgbClr val="1C1E26"/>
+                  </a:solidFill>
+                  <a:latin typeface="Arial" panose="020B0604020202020204" pitchFamily="34" charset="0"/>
+                  <a:ea typeface="Lato Black" panose="020F0502020204030203" pitchFamily="34" charset="0"/>
+                  <a:cs typeface="Arial" panose="020B0604020202020204" pitchFamily="34" charset="0"/>
+                </a:rPr>
+                <a:t>User</a:t>
+              </a:r>
+              <a:r>
+                <a:rPr lang="pt-PT" sz="3600" b="1" dirty="0">
+                  <a:solidFill>
+                    <a:srgbClr val="1C1E26"/>
+                  </a:solidFill>
+                  <a:latin typeface="Arial" panose="020B0604020202020204" pitchFamily="34" charset="0"/>
+                  <a:ea typeface="Lato Black" panose="020F0502020204030203" pitchFamily="34" charset="0"/>
+                  <a:cs typeface="Arial" panose="020B0604020202020204" pitchFamily="34" charset="0"/>
+                </a:rPr>
+                <a:t> Interface</a:t>
+              </a:r>
+              <a:endParaRPr lang="pt-PT" sz="2800" b="1" dirty="0">
+                <a:solidFill>
+                  <a:srgbClr val="1C1E26"/>
+                </a:solidFill>
+                <a:latin typeface="Arial" panose="020B0604020202020204" pitchFamily="34" charset="0"/>
+                <a:ea typeface="Lato Black" panose="020F0502020204030203" pitchFamily="34" charset="0"/>
+                <a:cs typeface="Arial" panose="020B0604020202020204" pitchFamily="34" charset="0"/>
+              </a:endParaRPr>
+            </a:p>
+          </p:txBody>
+        </p:sp>
+        <p:pic>
+          <p:nvPicPr>
+            <p:cNvPr id="7" name="Picture 25">
+              <a:extLst>
+                <a:ext uri="{FF2B5EF4-FFF2-40B4-BE49-F238E27FC236}">
+                  <a16:creationId xmlns:a16="http://schemas.microsoft.com/office/drawing/2014/main" id="{275C4221-6C34-4059-8F06-D14252E3ECE5}"/>
+                </a:ext>
+              </a:extLst>
+            </p:cNvPr>
+            <p:cNvPicPr>
+              <a:picLocks noChangeAspect="1"/>
+            </p:cNvPicPr>
+            <p:nvPr/>
+          </p:nvPicPr>
+          <p:blipFill>
+            <a:blip r:embed="rId3">
+              <a:extLst>
+                <a:ext uri="{28A0092B-C50C-407E-A947-70E740481C1C}">
+                  <a14:useLocalDpi xmlns:a14="http://schemas.microsoft.com/office/drawing/2010/main" val="0"/>
+                </a:ext>
+              </a:extLst>
+            </a:blip>
+            <a:stretch>
+              <a:fillRect/>
+            </a:stretch>
+          </p:blipFill>
+          <p:spPr>
+            <a:xfrm>
+              <a:off x="0" y="219217"/>
+              <a:ext cx="424123" cy="508375"/>
+            </a:xfrm>
+            <a:prstGeom prst="rect">
+              <a:avLst/>
+            </a:prstGeom>
+          </p:spPr>
+        </p:pic>
+        <p:pic>
+          <p:nvPicPr>
+            <p:cNvPr id="8" name="Picture 25">
+              <a:extLst>
+                <a:ext uri="{FF2B5EF4-FFF2-40B4-BE49-F238E27FC236}">
+                  <a16:creationId xmlns:a16="http://schemas.microsoft.com/office/drawing/2014/main" id="{33ECF624-AEBD-8B69-2F22-8B0C3BCA0D67}"/>
+                </a:ext>
+              </a:extLst>
+            </p:cNvPr>
+            <p:cNvPicPr>
+              <a:picLocks noChangeAspect="1"/>
+            </p:cNvPicPr>
+            <p:nvPr/>
+          </p:nvPicPr>
+          <p:blipFill>
+            <a:blip r:embed="rId3">
+              <a:extLst>
+                <a:ext uri="{28A0092B-C50C-407E-A947-70E740481C1C}">
+                  <a14:useLocalDpi xmlns:a14="http://schemas.microsoft.com/office/drawing/2010/main" val="0"/>
+                </a:ext>
+              </a:extLst>
+            </a:blip>
+            <a:stretch>
+              <a:fillRect/>
+            </a:stretch>
+          </p:blipFill>
+          <p:spPr>
+            <a:xfrm>
+              <a:off x="11685458" y="187846"/>
+              <a:ext cx="424123" cy="508375"/>
+            </a:xfrm>
+            <a:prstGeom prst="rect">
+              <a:avLst/>
+            </a:prstGeom>
+          </p:spPr>
+        </p:pic>
+      </p:grpSp>
+      <p:grpSp>
+        <p:nvGrpSpPr>
+          <p:cNvPr id="9" name="Agrupar 2">
+            <a:extLst>
+              <a:ext uri="{FF2B5EF4-FFF2-40B4-BE49-F238E27FC236}">
+                <a16:creationId xmlns:a16="http://schemas.microsoft.com/office/drawing/2014/main" id="{1D3AC053-E98E-76EA-C211-50E406737CBA}"/>
+              </a:ext>
+            </a:extLst>
+          </p:cNvPr>
+          <p:cNvGrpSpPr/>
+          <p:nvPr/>
+        </p:nvGrpSpPr>
+        <p:grpSpPr>
+          <a:xfrm>
+            <a:off x="1463040" y="1091968"/>
+            <a:ext cx="1649387" cy="824693"/>
+            <a:chOff x="2042417" y="1485374"/>
+            <a:chExt cx="1649387" cy="824693"/>
+          </a:xfrm>
+          <a:solidFill>
+            <a:schemeClr val="accent5">
+              <a:lumMod val="60000"/>
+              <a:lumOff val="40000"/>
+            </a:schemeClr>
+          </a:solidFill>
+        </p:grpSpPr>
+        <p:sp>
+          <p:nvSpPr>
+            <p:cNvPr id="10" name="Retângulo: Cantos Arredondados 21">
+              <a:extLst>
+                <a:ext uri="{FF2B5EF4-FFF2-40B4-BE49-F238E27FC236}">
+                  <a16:creationId xmlns:a16="http://schemas.microsoft.com/office/drawing/2014/main" id="{08867A40-63E5-1A16-A9BB-521694ABB861}"/>
+                </a:ext>
+              </a:extLst>
+            </p:cNvPr>
+            <p:cNvSpPr/>
+            <p:nvPr/>
+          </p:nvSpPr>
+          <p:spPr>
+            <a:xfrm>
+              <a:off x="2042417" y="1485374"/>
+              <a:ext cx="1649387" cy="824693"/>
+            </a:xfrm>
+            <a:prstGeom prst="roundRect">
+              <a:avLst>
+                <a:gd name="adj" fmla="val 10000"/>
+              </a:avLst>
+            </a:prstGeom>
+            <a:grpFill/>
+          </p:spPr>
+          <p:style>
+            <a:lnRef idx="0">
+              <a:schemeClr val="lt1">
+                <a:hueOff val="0"/>
+                <a:satOff val="0"/>
+                <a:lumOff val="0"/>
+                <a:alphaOff val="0"/>
+              </a:schemeClr>
+            </a:lnRef>
+            <a:fillRef idx="3">
+              <a:schemeClr val="accent3">
+                <a:hueOff val="0"/>
+                <a:satOff val="0"/>
+                <a:lumOff val="0"/>
+                <a:alphaOff val="0"/>
+              </a:schemeClr>
+            </a:fillRef>
+            <a:effectRef idx="2">
+              <a:schemeClr val="accent3">
+                <a:hueOff val="0"/>
+                <a:satOff val="0"/>
+                <a:lumOff val="0"/>
+                <a:alphaOff val="0"/>
+              </a:schemeClr>
+            </a:effectRef>
+            <a:fontRef idx="minor">
+              <a:schemeClr val="lt1"/>
+            </a:fontRef>
+          </p:style>
+          <p:txBody>
+            <a:bodyPr/>
+            <a:lstStyle/>
+            <a:p>
+              <a:endParaRPr lang="pt-PT"/>
+            </a:p>
+          </p:txBody>
+        </p:sp>
+        <p:sp>
+          <p:nvSpPr>
+            <p:cNvPr id="11" name="Retângulo: Cantos Arredondados 6">
+              <a:extLst>
+                <a:ext uri="{FF2B5EF4-FFF2-40B4-BE49-F238E27FC236}">
+                  <a16:creationId xmlns:a16="http://schemas.microsoft.com/office/drawing/2014/main" id="{25C76AB6-9933-6C03-B94D-BE3CCDC6FE88}"/>
+                </a:ext>
+              </a:extLst>
+            </p:cNvPr>
+            <p:cNvSpPr txBox="1"/>
+            <p:nvPr/>
+          </p:nvSpPr>
+          <p:spPr>
+            <a:xfrm>
+              <a:off x="2066571" y="1586480"/>
+              <a:ext cx="1625233" cy="699433"/>
+            </a:xfrm>
+            <a:prstGeom prst="rect">
+              <a:avLst/>
+            </a:prstGeom>
+            <a:grpFill/>
+          </p:spPr>
+          <p:style>
+            <a:lnRef idx="0">
+              <a:scrgbClr r="0" g="0" b="0"/>
+            </a:lnRef>
+            <a:fillRef idx="0">
+              <a:scrgbClr r="0" g="0" b="0"/>
+            </a:fillRef>
+            <a:effectRef idx="0">
+              <a:scrgbClr r="0" g="0" b="0"/>
+            </a:effectRef>
+            <a:fontRef idx="minor">
+              <a:schemeClr val="lt1"/>
+            </a:fontRef>
+          </p:style>
+          <p:txBody>
+            <a:bodyPr spcFirstLastPara="0" vert="horz" wrap="square" lIns="38100" tIns="25400" rIns="38100" bIns="25400" numCol="1" spcCol="1270" anchor="ctr" anchorCtr="0">
+              <a:noAutofit/>
+            </a:bodyPr>
+            <a:lstStyle/>
+            <a:p>
+              <a:pPr marL="0" lvl="0" indent="0" algn="ctr" defTabSz="889000">
+                <a:lnSpc>
+                  <a:spcPct val="90000"/>
+                </a:lnSpc>
+                <a:spcBef>
+                  <a:spcPct val="0"/>
+                </a:spcBef>
+                <a:spcAft>
+                  <a:spcPct val="35000"/>
+                </a:spcAft>
+                <a:buNone/>
+                <a:defRPr cap="all"/>
+              </a:pPr>
+              <a:r>
+                <a:rPr lang="pt-PT" sz="2000" kern="1200" dirty="0" smtClean="0"/>
+                <a:t>Processo de negócio</a:t>
+              </a:r>
+              <a:endParaRPr lang="en-US" sz="2000" kern="1200" dirty="0"/>
+            </a:p>
+          </p:txBody>
+        </p:sp>
+      </p:grpSp>
+    </p:spTree>
+    <p:extLst>
+      <p:ext uri="{BB962C8B-B14F-4D97-AF65-F5344CB8AC3E}">
+        <p14:creationId xmlns:p14="http://schemas.microsoft.com/office/powerpoint/2010/main" val="332345711"/>
+      </p:ext>
+    </p:extLst>
+  </p:cSld>
+  <p:clrMapOvr>
+    <a:masterClrMapping/>
+  </p:clrMapOvr>
+  <p:timing>
+    <p:tnLst>
+      <p:par>
+        <p:cTn id="1" dur="indefinite" restart="never" nodeType="tmRoot">
+          <p:childTnLst>
+            <p:seq concurrent="1" nextAc="seek">
+              <p:cTn id="2" dur="indefinite" nodeType="mainSeq">
+                <p:childTnLst>
+                  <p:par>
+                    <p:cTn id="3" fill="hold">
+                      <p:stCondLst>
+                        <p:cond delay="indefinite"/>
+                      </p:stCondLst>
+                      <p:childTnLst>
+                        <p:par>
+                          <p:cTn id="4" fill="hold">
+                            <p:stCondLst>
+                              <p:cond delay="0"/>
+                            </p:stCondLst>
+                            <p:childTnLst>
+                              <p:par>
+                                <p:cTn id="5" presetID="2" presetClass="entr" presetSubtype="4" fill="hold" nodeType="clickEffect">
+                                  <p:stCondLst>
+                                    <p:cond delay="0"/>
+                                  </p:stCondLst>
+                                  <p:childTnLst>
+                                    <p:set>
+                                      <p:cBhvr>
+                                        <p:cTn id="6" dur="1" fill="hold">
+                                          <p:stCondLst>
+                                            <p:cond delay="0"/>
+                                          </p:stCondLst>
+                                        </p:cTn>
+                                        <p:tgtEl>
+                                          <p:spTgt spid="9"/>
+                                        </p:tgtEl>
+                                        <p:attrNameLst>
+                                          <p:attrName>style.visibility</p:attrName>
+                                        </p:attrNameLst>
+                                      </p:cBhvr>
+                                      <p:to>
+                                        <p:strVal val="visible"/>
+                                      </p:to>
+                                    </p:set>
+                                    <p:anim calcmode="lin" valueType="num">
+                                      <p:cBhvr additive="base">
+                                        <p:cTn id="7" dur="500" fill="hold"/>
+                                        <p:tgtEl>
+                                          <p:spTgt spid="9"/>
+                                        </p:tgtEl>
+                                        <p:attrNameLst>
+                                          <p:attrName>ppt_x</p:attrName>
+                                        </p:attrNameLst>
+                                      </p:cBhvr>
+                                      <p:tavLst>
+                                        <p:tav tm="0">
+                                          <p:val>
+                                            <p:strVal val="#ppt_x"/>
+                                          </p:val>
+                                        </p:tav>
+                                        <p:tav tm="100000">
+                                          <p:val>
+                                            <p:strVal val="#ppt_x"/>
+                                          </p:val>
+                                        </p:tav>
+                                      </p:tavLst>
+                                    </p:anim>
+                                    <p:anim calcmode="lin" valueType="num">
+                                      <p:cBhvr additive="base">
+                                        <p:cTn id="8" dur="500" fill="hold"/>
+                                        <p:tgtEl>
+                                          <p:spTgt spid="9"/>
+                                        </p:tgtEl>
+                                        <p:attrNameLst>
+                                          <p:attrName>ppt_y</p:attrName>
+                                        </p:attrNameLst>
+                                      </p:cBhvr>
+                                      <p:tavLst>
+                                        <p:tav tm="0">
+                                          <p:val>
+                                            <p:strVal val="1+#ppt_h/2"/>
+                                          </p:val>
+                                        </p:tav>
+                                        <p:tav tm="100000">
+                                          <p:val>
+                                            <p:strVal val="#ppt_y"/>
+                                          </p:val>
+                                        </p:tav>
+                                      </p:tavLst>
+                                    </p:anim>
+                                  </p:childTnLst>
+                                </p:cTn>
+                              </p:par>
+                            </p:childTnLst>
+                          </p:cTn>
+                        </p:par>
+                      </p:childTnLst>
+                    </p:cTn>
+                  </p:par>
+                  <p:par>
+                    <p:cTn id="9" fill="hold">
+                      <p:stCondLst>
+                        <p:cond delay="indefinite"/>
+                      </p:stCondLst>
+                      <p:childTnLst>
+                        <p:par>
+                          <p:cTn id="10" fill="hold">
+                            <p:stCondLst>
+                              <p:cond delay="0"/>
+                            </p:stCondLst>
+                            <p:childTnLst>
+                              <p:par>
+                                <p:cTn id="11" presetID="2" presetClass="entr" presetSubtype="4" fill="hold" nodeType="clickEffect">
+                                  <p:stCondLst>
+                                    <p:cond delay="0"/>
+                                  </p:stCondLst>
+                                  <p:childTnLst>
+                                    <p:set>
+                                      <p:cBhvr>
+                                        <p:cTn id="12" dur="1" fill="hold">
+                                          <p:stCondLst>
+                                            <p:cond delay="0"/>
+                                          </p:stCondLst>
+                                        </p:cTn>
+                                        <p:tgtEl>
+                                          <p:spTgt spid="4"/>
+                                        </p:tgtEl>
+                                        <p:attrNameLst>
+                                          <p:attrName>style.visibility</p:attrName>
+                                        </p:attrNameLst>
+                                      </p:cBhvr>
+                                      <p:to>
+                                        <p:strVal val="visible"/>
+                                      </p:to>
+                                    </p:set>
+                                    <p:anim calcmode="lin" valueType="num">
+                                      <p:cBhvr additive="base">
+                                        <p:cTn id="13" dur="500" fill="hold"/>
+                                        <p:tgtEl>
+                                          <p:spTgt spid="4"/>
+                                        </p:tgtEl>
+                                        <p:attrNameLst>
+                                          <p:attrName>ppt_x</p:attrName>
+                                        </p:attrNameLst>
+                                      </p:cBhvr>
+                                      <p:tavLst>
+                                        <p:tav tm="0">
+                                          <p:val>
+                                            <p:strVal val="#ppt_x"/>
+                                          </p:val>
+                                        </p:tav>
+                                        <p:tav tm="100000">
+                                          <p:val>
+                                            <p:strVal val="#ppt_x"/>
+                                          </p:val>
+                                        </p:tav>
+                                      </p:tavLst>
+                                    </p:anim>
+                                    <p:anim calcmode="lin" valueType="num">
+                                      <p:cBhvr additive="base">
+                                        <p:cTn id="14" dur="500" fill="hold"/>
+                                        <p:tgtEl>
+                                          <p:spTgt spid="4"/>
+                                        </p:tgtEl>
+                                        <p:attrNameLst>
+                                          <p:attrName>ppt_y</p:attrName>
+                                        </p:attrNameLst>
+                                      </p:cBhvr>
+                                      <p:tavLst>
+                                        <p:tav tm="0">
+                                          <p:val>
+                                            <p:strVal val="1+#ppt_h/2"/>
+                                          </p:val>
+                                        </p:tav>
+                                        <p:tav tm="100000">
+                                          <p:val>
+                                            <p:strVal val="#ppt_y"/>
+                                          </p:val>
+                                        </p:tav>
+                                      </p:tavLst>
+                                    </p:anim>
+                                  </p:childTnLst>
+                                </p:cTn>
+                              </p:par>
+                            </p:childTnLst>
+                          </p:cTn>
+                        </p:par>
+                      </p:childTnLst>
+                    </p:cTn>
+                  </p:par>
+                </p:childTnLst>
+              </p:cTn>
+              <p:prevCondLst>
+                <p:cond evt="onPrev" delay="0">
+                  <p:tgtEl>
+                    <p:sldTgt/>
+                  </p:tgtEl>
+                </p:cond>
+              </p:prevCondLst>
+              <p:nextCondLst>
+                <p:cond evt="onNext" delay="0">
+                  <p:tgtEl>
+                    <p:sldTgt/>
+                  </p:tgtEl>
+                </p:cond>
+              </p:nextCondLst>
+            </p:seq>
+          </p:childTnLst>
+        </p:cTn>
+      </p:par>
+    </p:tnLst>
+  </p:timing>
+</p:sld>
+</file>
+
+<file path=ppt/slides/slide15.xml><?xml version="1.0" encoding="utf-8"?>
+<p:sld xmlns:a="http://schemas.openxmlformats.org/drawingml/2006/main" xmlns:r="http://schemas.openxmlformats.org/officeDocument/2006/relationships" xmlns:p="http://schemas.openxmlformats.org/presentationml/2006/main">
+  <p:cSld>
+    <p:spTree>
+      <p:nvGrpSpPr>
+        <p:cNvPr id="1" name=""/>
+        <p:cNvGrpSpPr/>
+        <p:nvPr/>
+      </p:nvGrpSpPr>
+      <p:grpSpPr>
+        <a:xfrm>
+          <a:off x="0" y="0"/>
+          <a:ext cx="0" cy="0"/>
+          <a:chOff x="0" y="0"/>
+          <a:chExt cx="0" cy="0"/>
+        </a:xfrm>
+      </p:grpSpPr>
+      <p:pic>
+        <p:nvPicPr>
           <p:cNvPr id="4" name="Imagem 3">
             <a:extLst>
               <a:ext uri="{FF2B5EF4-FFF2-40B4-BE49-F238E27FC236}">
@@ -8520,7 +14539,7 @@
         </p:nvSpPr>
         <p:spPr>
           <a:xfrm>
-            <a:off x="192160" y="589608"/>
+            <a:off x="192160" y="655411"/>
             <a:ext cx="4601372" cy="495905"/>
           </a:xfrm>
           <a:prstGeom prst="rect">
@@ -8541,6 +14560,9 @@
             </a:pPr>
             <a:r>
               <a:rPr lang="pt-PT" sz="3200" dirty="0">
+                <a:solidFill>
+                  <a:schemeClr val="bg1"/>
+                </a:solidFill>
                 <a:latin typeface="Arial Black" panose="020B0A04020102020204" pitchFamily="34" charset="0"/>
                 <a:ea typeface="Lato Black" panose="020F0502020204030203" pitchFamily="34" charset="0"/>
                 <a:cs typeface="Lato Black" panose="020F0502020204030203" pitchFamily="34" charset="0"/>
@@ -8564,8 +14586,8 @@
         </p:nvSpPr>
         <p:spPr>
           <a:xfrm>
-            <a:off x="10075466" y="4774082"/>
-            <a:ext cx="2829569" cy="2108911"/>
+            <a:off x="295741" y="1151316"/>
+            <a:ext cx="2829569" cy="1606594"/>
           </a:xfrm>
           <a:prstGeom prst="rect">
             <a:avLst/>
@@ -8583,33 +14605,53 @@
               </a:lnSpc>
             </a:pPr>
             <a:r>
-              <a:rPr lang="pt-PT" sz="1400" b="1" dirty="0">
+              <a:rPr lang="pt-PT" sz="1400" b="1" dirty="0" smtClean="0">
+                <a:solidFill>
+                  <a:schemeClr val="bg1"/>
+                </a:solidFill>
+                <a:latin typeface="Arial" panose="020B0604020202020204" pitchFamily="34" charset="0"/>
+                <a:ea typeface="Lato" panose="020F0502020204030203" pitchFamily="34" charset="0"/>
+                <a:cs typeface="Arial" panose="020B0604020202020204" pitchFamily="34" charset="0"/>
+              </a:rPr>
+              <a:t>Trabalho realizado por:</a:t>
+            </a:r>
+          </a:p>
+          <a:p>
+            <a:pPr>
+              <a:lnSpc>
+                <a:spcPct val="120000"/>
+              </a:lnSpc>
+            </a:pPr>
+            <a:endParaRPr lang="pt-PT" sz="1400" b="1" dirty="0" smtClean="0">
+              <a:solidFill>
+                <a:schemeClr val="bg1"/>
+              </a:solidFill>
+              <a:latin typeface="Arial" panose="020B0604020202020204" pitchFamily="34" charset="0"/>
+              <a:ea typeface="Lato" panose="020F0502020204030203" pitchFamily="34" charset="0"/>
+              <a:cs typeface="Arial" panose="020B0604020202020204" pitchFamily="34" charset="0"/>
+            </a:endParaRPr>
+          </a:p>
+          <a:p>
+            <a:pPr>
+              <a:lnSpc>
+                <a:spcPct val="120000"/>
+              </a:lnSpc>
+            </a:pPr>
+            <a:r>
+              <a:rPr lang="pt-PT" sz="1400" b="1" dirty="0" smtClean="0">
+                <a:solidFill>
+                  <a:schemeClr val="bg1"/>
+                </a:solidFill>
                 <a:latin typeface="Arial" panose="020B0604020202020204" pitchFamily="34" charset="0"/>
                 <a:ea typeface="Lato" panose="020F0502020204030203" pitchFamily="34" charset="0"/>
                 <a:cs typeface="Arial" panose="020B0604020202020204" pitchFamily="34" charset="0"/>
               </a:rPr>
               <a:t>José Carreira</a:t>
             </a:r>
-          </a:p>
-          <a:p>
-            <a:pPr rtl="0">
-              <a:lnSpc>
-                <a:spcPct val="120000"/>
-              </a:lnSpc>
-            </a:pPr>
             <a:endParaRPr lang="pt-PT" sz="1400" b="1" dirty="0">
-              <a:latin typeface="Arial" panose="020B0604020202020204" pitchFamily="34" charset="0"/>
-              <a:ea typeface="Lato" panose="020F0502020204030203" pitchFamily="34" charset="0"/>
-              <a:cs typeface="Arial" panose="020B0604020202020204" pitchFamily="34" charset="0"/>
-            </a:endParaRPr>
-          </a:p>
-          <a:p>
-            <a:pPr rtl="0">
-              <a:lnSpc>
-                <a:spcPct val="120000"/>
-              </a:lnSpc>
-            </a:pPr>
-            <a:endParaRPr lang="pt-PT" sz="1400" b="1" dirty="0">
+              <a:solidFill>
+                <a:schemeClr val="bg1"/>
+              </a:solidFill>
               <a:latin typeface="Arial" panose="020B0604020202020204" pitchFamily="34" charset="0"/>
               <a:ea typeface="Lato" panose="020F0502020204030203" pitchFamily="34" charset="0"/>
               <a:cs typeface="Arial" panose="020B0604020202020204" pitchFamily="34" charset="0"/>
@@ -8623,32 +14665,30 @@
             </a:pPr>
             <a:r>
               <a:rPr lang="pt-PT" sz="1400" b="1" dirty="0">
+                <a:solidFill>
+                  <a:schemeClr val="bg1"/>
+                </a:solidFill>
                 <a:latin typeface="Arial" panose="020B0604020202020204" pitchFamily="34" charset="0"/>
                 <a:ea typeface="Lato" panose="020F0502020204030203" pitchFamily="34" charset="0"/>
                 <a:cs typeface="Arial" panose="020B0604020202020204" pitchFamily="34" charset="0"/>
               </a:rPr>
-              <a:t>José Pedro Gomes</a:t>
+              <a:t>José Pedro </a:t>
             </a:r>
-          </a:p>
-          <a:p>
-            <a:pPr rtl="0">
-              <a:lnSpc>
-                <a:spcPct val="120000"/>
-              </a:lnSpc>
-            </a:pPr>
+            <a:r>
+              <a:rPr lang="pt-PT" sz="1400" b="1" dirty="0" smtClean="0">
+                <a:solidFill>
+                  <a:schemeClr val="bg1"/>
+                </a:solidFill>
+                <a:latin typeface="Arial" panose="020B0604020202020204" pitchFamily="34" charset="0"/>
+                <a:ea typeface="Lato" panose="020F0502020204030203" pitchFamily="34" charset="0"/>
+                <a:cs typeface="Arial" panose="020B0604020202020204" pitchFamily="34" charset="0"/>
+              </a:rPr>
+              <a:t>Gomes</a:t>
+            </a:r>
             <a:endParaRPr lang="pt-PT" sz="1400" b="1" dirty="0">
-              <a:latin typeface="Arial" panose="020B0604020202020204" pitchFamily="34" charset="0"/>
-              <a:ea typeface="Lato" panose="020F0502020204030203" pitchFamily="34" charset="0"/>
-              <a:cs typeface="Arial" panose="020B0604020202020204" pitchFamily="34" charset="0"/>
-            </a:endParaRPr>
-          </a:p>
-          <a:p>
-            <a:pPr rtl="0">
-              <a:lnSpc>
-                <a:spcPct val="120000"/>
-              </a:lnSpc>
-            </a:pPr>
-            <a:endParaRPr lang="pt-PT" sz="1400" b="1" dirty="0">
+              <a:solidFill>
+                <a:schemeClr val="bg1"/>
+              </a:solidFill>
               <a:latin typeface="Arial" panose="020B0604020202020204" pitchFamily="34" charset="0"/>
               <a:ea typeface="Lato" panose="020F0502020204030203" pitchFamily="34" charset="0"/>
               <a:cs typeface="Arial" panose="020B0604020202020204" pitchFamily="34" charset="0"/>
@@ -8662,6 +14702,9 @@
             </a:pPr>
             <a:r>
               <a:rPr lang="pt-PT" sz="1400" b="1" dirty="0">
+                <a:solidFill>
+                  <a:schemeClr val="bg1"/>
+                </a:solidFill>
                 <a:latin typeface="Arial" panose="020B0604020202020204" pitchFamily="34" charset="0"/>
                 <a:ea typeface="Lato" panose="020F0502020204030203" pitchFamily="34" charset="0"/>
                 <a:cs typeface="Arial" panose="020B0604020202020204" pitchFamily="34" charset="0"/>
@@ -9075,38 +15118,8 @@
         </p:blipFill>
         <p:spPr>
           <a:xfrm>
-            <a:off x="7496769" y="1636334"/>
+            <a:off x="6625912" y="1631860"/>
             <a:ext cx="4575974" cy="4081745"/>
-          </a:xfrm>
-          <a:prstGeom prst="rect">
-            <a:avLst/>
-          </a:prstGeom>
-        </p:spPr>
-      </p:pic>
-      <p:pic>
-        <p:nvPicPr>
-          <p:cNvPr id="4" name="Imagem 3">
-            <a:extLst>
-              <a:ext uri="{FF2B5EF4-FFF2-40B4-BE49-F238E27FC236}">
-                <a16:creationId xmlns:a16="http://schemas.microsoft.com/office/drawing/2014/main" id="{33222782-C3A6-0832-375B-2B268C4F921F}"/>
-              </a:ext>
-            </a:extLst>
-          </p:cNvPr>
-          <p:cNvPicPr>
-            <a:picLocks noChangeAspect="1"/>
-          </p:cNvPicPr>
-          <p:nvPr/>
-        </p:nvPicPr>
-        <p:blipFill>
-          <a:blip r:embed="rId4"/>
-          <a:stretch>
-            <a:fillRect/>
-          </a:stretch>
-        </p:blipFill>
-        <p:spPr>
-          <a:xfrm>
-            <a:off x="5564261" y="1636334"/>
-            <a:ext cx="1932508" cy="4081745"/>
           </a:xfrm>
           <a:prstGeom prst="rect">
             <a:avLst/>
@@ -9263,42 +15276,6 @@
                             </p:childTnLst>
                           </p:cTn>
                         </p:par>
-                        <p:par>
-                          <p:cTn id="13" fill="hold">
-                            <p:stCondLst>
-                              <p:cond delay="1250"/>
-                            </p:stCondLst>
-                            <p:childTnLst>
-                              <p:par>
-                                <p:cTn id="14" presetID="1" presetClass="entr" presetSubtype="0" fill="hold" nodeType="afterEffect">
-                                  <p:stCondLst>
-                                    <p:cond delay="0"/>
-                                  </p:stCondLst>
-                                  <p:childTnLst>
-                                    <p:set>
-                                      <p:cBhvr>
-                                        <p:cTn id="15" dur="1" fill="hold">
-                                          <p:stCondLst>
-                                            <p:cond delay="2499"/>
-                                          </p:stCondLst>
-                                        </p:cTn>
-                                        <p:tgtEl>
-                                          <p:spTgt spid="4"/>
-                                        </p:tgtEl>
-                                        <p:attrNameLst>
-                                          <p:attrName>style.visibility</p:attrName>
-                                        </p:attrNameLst>
-                                      </p:cBhvr>
-                                      <p:to>
-                                        <p:strVal val="visible"/>
-                                      </p:to>
-                                    </p:set>
-                                  </p:childTnLst>
-                                </p:cTn>
-                              </p:par>
-                            </p:childTnLst>
-                          </p:cTn>
-                        </p:par>
                       </p:childTnLst>
                     </p:cTn>
                   </p:par>
@@ -9370,21 +15347,49 @@
         </p:blipFill>
         <p:spPr>
           <a:xfrm>
-            <a:off x="1462769" y="0"/>
-            <a:ext cx="9923486" cy="6858000"/>
+            <a:off x="2046515" y="1038142"/>
+            <a:ext cx="8003177" cy="5603188"/>
           </a:xfrm>
           <a:prstGeom prst="rect">
             <a:avLst/>
           </a:prstGeom>
-          <a:noFill/>
+          <a:solidFill>
+            <a:srgbClr val="FFFFFF">
+              <a:shade val="85000"/>
+            </a:srgbClr>
+          </a:solidFill>
+          <a:ln w="190500" cap="rnd">
+            <a:solidFill>
+              <a:srgbClr val="FFFFFF"/>
+            </a:solidFill>
+          </a:ln>
+          <a:effectLst>
+            <a:outerShdw blurRad="50000" algn="tl" rotWithShape="0">
+              <a:srgbClr val="000000">
+                <a:alpha val="41000"/>
+              </a:srgbClr>
+            </a:outerShdw>
+          </a:effectLst>
+          <a:scene3d>
+            <a:camera prst="orthographicFront"/>
+            <a:lightRig rig="twoPt" dir="t">
+              <a:rot lat="0" lon="0" rev="7800000"/>
+            </a:lightRig>
+          </a:scene3d>
+          <a:sp3d contourW="6350">
+            <a:bevelT w="50800" h="16510"/>
+            <a:contourClr>
+              <a:srgbClr val="C0C0C0"/>
+            </a:contourClr>
+          </a:sp3d>
         </p:spPr>
       </p:pic>
       <p:grpSp>
         <p:nvGrpSpPr>
-          <p:cNvPr id="4" name="Agrupar 3">
+          <p:cNvPr id="9" name="Agrupar 11">
             <a:extLst>
               <a:ext uri="{FF2B5EF4-FFF2-40B4-BE49-F238E27FC236}">
-                <a16:creationId xmlns:a16="http://schemas.microsoft.com/office/drawing/2014/main" id="{8BE8D723-EFC8-D048-3D7D-62BA42B0BA61}"/>
+                <a16:creationId xmlns:a16="http://schemas.microsoft.com/office/drawing/2014/main" id="{E7908082-A3E3-7CCA-3781-ABF31C32820C}"/>
               </a:ext>
             </a:extLst>
           </p:cNvPr>
@@ -9401,13 +15406,7 @@
         </p:grpSpPr>
         <p:sp>
           <p:nvSpPr>
-            <p:cNvPr id="5" name="Caixa de texto 1133">
-              <a:extLst>
-                <a:ext uri="{FF2B5EF4-FFF2-40B4-BE49-F238E27FC236}">
-                  <a16:creationId xmlns:a16="http://schemas.microsoft.com/office/drawing/2014/main" id="{942599A0-347B-FEBB-EDA5-0CF9C1D540D7}"/>
-                </a:ext>
-              </a:extLst>
-            </p:cNvPr>
+            <p:cNvPr id="10" name="Caixa de texto 1133"/>
             <p:cNvSpPr txBox="1"/>
             <p:nvPr/>
           </p:nvSpPr>
@@ -9433,16 +15432,14 @@
                 </a:lnSpc>
               </a:pPr>
               <a:r>
-                <a:rPr lang="pt-PT" sz="3600" b="1" dirty="0">
+                <a:rPr lang="pt-PT" sz="3600" b="1" dirty="0" smtClean="0">
                   <a:latin typeface="Arial" panose="020B0604020202020204" pitchFamily="34" charset="0"/>
-                  <a:ea typeface="Lato Black" panose="020F0502020204030203" pitchFamily="34" charset="0"/>
                   <a:cs typeface="Arial" panose="020B0604020202020204" pitchFamily="34" charset="0"/>
                 </a:rPr>
-                <a:t>Arquitetura</a:t>
+                <a:t>Arquitetura da solução</a:t>
               </a:r>
-              <a:endParaRPr lang="pt-PT" sz="2800" b="1" dirty="0">
+              <a:endParaRPr lang="pt-PT" sz="3600" b="1" dirty="0">
                 <a:latin typeface="Arial" panose="020B0604020202020204" pitchFamily="34" charset="0"/>
-                <a:ea typeface="Lato Black" panose="020F0502020204030203" pitchFamily="34" charset="0"/>
                 <a:cs typeface="Arial" panose="020B0604020202020204" pitchFamily="34" charset="0"/>
               </a:endParaRPr>
             </a:p>
@@ -9450,10 +15447,10 @@
         </p:sp>
         <p:pic>
           <p:nvPicPr>
-            <p:cNvPr id="6" name="Picture 25">
+            <p:cNvPr id="11" name="Picture 25">
               <a:extLst>
                 <a:ext uri="{FF2B5EF4-FFF2-40B4-BE49-F238E27FC236}">
-                  <a16:creationId xmlns:a16="http://schemas.microsoft.com/office/drawing/2014/main" id="{57682025-C3C7-621D-5F8E-0DBECA089142}"/>
+                  <a16:creationId xmlns:a16="http://schemas.microsoft.com/office/drawing/2014/main" id="{A9ED15DC-937D-E1F6-8C2F-6B9F8BD63147}"/>
                 </a:ext>
               </a:extLst>
             </p:cNvPr>
@@ -9486,10 +15483,10 @@
         </p:pic>
         <p:pic>
           <p:nvPicPr>
-            <p:cNvPr id="7" name="Picture 25">
+            <p:cNvPr id="12" name="Picture 25">
               <a:extLst>
                 <a:ext uri="{FF2B5EF4-FFF2-40B4-BE49-F238E27FC236}">
-                  <a16:creationId xmlns:a16="http://schemas.microsoft.com/office/drawing/2014/main" id="{E2110A74-E435-12DA-DD04-73071198745F}"/>
+                  <a16:creationId xmlns:a16="http://schemas.microsoft.com/office/drawing/2014/main" id="{03232D70-B0ED-F4AC-3DCC-0456C1F268A3}"/>
                 </a:ext>
               </a:extLst>
             </p:cNvPr>
@@ -9543,6 +15540,13 @@
       </p:transition>
     </mc:Fallback>
   </mc:AlternateContent>
+  <p:timing>
+    <p:tnLst>
+      <p:par>
+        <p:cTn id="1" dur="indefinite" restart="never" nodeType="tmRoot"/>
+      </p:par>
+    </p:tnLst>
+  </p:timing>
 </p:sld>
 </file>
 
@@ -9800,9 +15804,6 @@
             </a:pPr>
             <a:r>
               <a:rPr lang="pt-PT" sz="2400" b="1" dirty="0">
-                <a:solidFill>
-                  <a:srgbClr val="000000"/>
-                </a:solidFill>
                 <a:effectLst/>
                 <a:latin typeface="Arial" panose="020B0604020202020204" pitchFamily="34" charset="0"/>
                 <a:ea typeface="Times New Roman" panose="02020603050405020304" pitchFamily="18" charset="0"/>
@@ -9812,9 +15813,6 @@
             </a:r>
             <a:r>
               <a:rPr lang="pt-PT" sz="2400" b="1" dirty="0" err="1">
-                <a:solidFill>
-                  <a:srgbClr val="000000"/>
-                </a:solidFill>
                 <a:effectLst/>
                 <a:latin typeface="Arial" panose="020B0604020202020204" pitchFamily="34" charset="0"/>
                 <a:ea typeface="Times New Roman" panose="02020603050405020304" pitchFamily="18" charset="0"/>
@@ -9824,9 +15822,6 @@
             </a:r>
             <a:r>
               <a:rPr lang="pt-PT" sz="2400" b="1" dirty="0">
-                <a:solidFill>
-                  <a:srgbClr val="000000"/>
-                </a:solidFill>
                 <a:effectLst/>
                 <a:latin typeface="Arial" panose="020B0604020202020204" pitchFamily="34" charset="0"/>
                 <a:ea typeface="Times New Roman" panose="02020603050405020304" pitchFamily="18" charset="0"/>
@@ -12798,7 +18793,7 @@
                   <a14:useLocalDpi xmlns:a14="http://schemas.microsoft.com/office/drawing/2010/main" val="0"/>
                 </a:ext>
                 <a:ext uri="{96DAC541-7B7A-43D3-8B79-37D633B846F1}">
-                  <asvg:svgBlip xmlns:asvg="http://schemas.microsoft.com/office/drawing/2016/SVG/main" r:embed="rId5"/>
+                  <asvg:svgBlip xmlns:asvg="http://schemas.microsoft.com/office/drawing/2016/SVG/main" xmlns="" r:embed="rId5"/>
                 </a:ext>
               </a:extLst>
             </a:blip>
@@ -13067,7 +19062,7 @@
                   <a14:useLocalDpi xmlns:a14="http://schemas.microsoft.com/office/drawing/2010/main" val="0"/>
                 </a:ext>
                 <a:ext uri="{96DAC541-7B7A-43D3-8B79-37D633B846F1}">
-                  <asvg:svgBlip xmlns:asvg="http://schemas.microsoft.com/office/drawing/2016/SVG/main" r:embed="rId7"/>
+                  <asvg:svgBlip xmlns:asvg="http://schemas.microsoft.com/office/drawing/2016/SVG/main" xmlns="" r:embed="rId7"/>
                 </a:ext>
               </a:extLst>
             </a:blip>
@@ -13337,7 +19332,7 @@
                   <a14:useLocalDpi xmlns:a14="http://schemas.microsoft.com/office/drawing/2010/main" val="0"/>
                 </a:ext>
                 <a:ext uri="{96DAC541-7B7A-43D3-8B79-37D633B846F1}">
-                  <asvg:svgBlip xmlns:asvg="http://schemas.microsoft.com/office/drawing/2016/SVG/main" r:embed="rId9"/>
+                  <asvg:svgBlip xmlns:asvg="http://schemas.microsoft.com/office/drawing/2016/SVG/main" xmlns="" r:embed="rId9"/>
                 </a:ext>
               </a:extLst>
             </a:blip>
@@ -13607,7 +19602,7 @@
                   <a14:useLocalDpi xmlns:a14="http://schemas.microsoft.com/office/drawing/2010/main" val="0"/>
                 </a:ext>
                 <a:ext uri="{96DAC541-7B7A-43D3-8B79-37D633B846F1}">
-                  <asvg:svgBlip xmlns:asvg="http://schemas.microsoft.com/office/drawing/2016/SVG/main" r:embed="rId11"/>
+                  <asvg:svgBlip xmlns:asvg="http://schemas.microsoft.com/office/drawing/2016/SVG/main" xmlns="" r:embed="rId11"/>
                 </a:ext>
               </a:extLst>
             </a:blip>
@@ -13879,7 +19874,7 @@
                   <a14:useLocalDpi xmlns:a14="http://schemas.microsoft.com/office/drawing/2010/main" val="0"/>
                 </a:ext>
                 <a:ext uri="{96DAC541-7B7A-43D3-8B79-37D633B846F1}">
-                  <asvg:svgBlip xmlns:asvg="http://schemas.microsoft.com/office/drawing/2016/SVG/main" r:embed="rId13"/>
+                  <asvg:svgBlip xmlns:asvg="http://schemas.microsoft.com/office/drawing/2016/SVG/main" xmlns="" r:embed="rId13"/>
                 </a:ext>
               </a:extLst>
             </a:blip>
@@ -14149,7 +20144,7 @@
                   <a14:useLocalDpi xmlns:a14="http://schemas.microsoft.com/office/drawing/2010/main" val="0"/>
                 </a:ext>
                 <a:ext uri="{96DAC541-7B7A-43D3-8B79-37D633B846F1}">
-                  <asvg:svgBlip xmlns:asvg="http://schemas.microsoft.com/office/drawing/2016/SVG/main" r:embed="rId15"/>
+                  <asvg:svgBlip xmlns:asvg="http://schemas.microsoft.com/office/drawing/2016/SVG/main" xmlns="" r:embed="rId15"/>
                 </a:ext>
               </a:extLst>
             </a:blip>
@@ -14324,11 +20319,11 @@
               <a:buNone/>
             </a:pPr>
             <a:r>
-              <a:rPr lang="pt-PT" sz="2400" kern="1200" dirty="0" err="1">
+              <a:rPr lang="pt-PT" sz="2400" kern="1200" dirty="0" smtClean="0">
                 <a:latin typeface="Arial" panose="020B0604020202020204" pitchFamily="34" charset="0"/>
                 <a:cs typeface="Arial" panose="020B0604020202020204" pitchFamily="34" charset="0"/>
               </a:rPr>
-              <a:t>GateWay</a:t>
+              <a:t>Gateway</a:t>
             </a:r>
             <a:endParaRPr lang="en-US" sz="2400" kern="1200" dirty="0">
               <a:latin typeface="Arial" panose="020B0604020202020204" pitchFamily="34" charset="0"/>
@@ -16072,7 +22067,7 @@
                   <a14:useLocalDpi xmlns:a14="http://schemas.microsoft.com/office/drawing/2010/main" val="0"/>
                 </a:ext>
                 <a:ext uri="{96DAC541-7B7A-43D3-8B79-37D633B846F1}">
-                  <asvg:svgBlip xmlns:asvg="http://schemas.microsoft.com/office/drawing/2016/SVG/main" r:embed="rId5"/>
+                  <asvg:svgBlip xmlns:asvg="http://schemas.microsoft.com/office/drawing/2016/SVG/main" xmlns="" r:embed="rId5"/>
                 </a:ext>
               </a:extLst>
             </a:blip>
@@ -16849,8 +22844,8 @@
         </p:nvSpPr>
         <p:spPr>
           <a:xfrm>
-            <a:off x="756000" y="3632554"/>
-            <a:ext cx="2063287" cy="504000"/>
+            <a:off x="2203343" y="3571964"/>
+            <a:ext cx="2063287" cy="523220"/>
           </a:xfrm>
           <a:prstGeom prst="rect">
             <a:avLst/>
@@ -16864,10 +22859,18 @@
           <a:lstStyle/>
           <a:p>
             <a:r>
-              <a:rPr lang="pt-PT" sz="2800" dirty="0" err="1"/>
+              <a:rPr lang="pt-PT" sz="2800" dirty="0" err="1">
+                <a:solidFill>
+                  <a:schemeClr val="bg1"/>
+                </a:solidFill>
+              </a:rPr>
               <a:t>Bcrypt</a:t>
             </a:r>
-            <a:endParaRPr lang="pt-PT" sz="2800" dirty="0"/>
+            <a:endParaRPr lang="pt-PT" sz="2800" dirty="0">
+              <a:solidFill>
+                <a:schemeClr val="bg1"/>
+              </a:solidFill>
+            </a:endParaRPr>
           </a:p>
         </p:txBody>
       </p:sp>
@@ -16887,8 +22890,8 @@
         </p:nvSpPr>
         <p:spPr>
           <a:xfrm>
-            <a:off x="756000" y="2733933"/>
-            <a:ext cx="2063287" cy="504000"/>
+            <a:off x="1803234" y="2701294"/>
+            <a:ext cx="2063287" cy="523220"/>
           </a:xfrm>
           <a:prstGeom prst="rect">
             <a:avLst/>
@@ -16902,11 +22905,19 @@
           <a:lstStyle/>
           <a:p>
             <a:r>
-              <a:rPr lang="pt-PT" sz="2800" dirty="0" err="1"/>
+              <a:rPr lang="pt-PT" sz="2800" dirty="0" err="1">
+                <a:solidFill>
+                  <a:schemeClr val="bg1"/>
+                </a:solidFill>
+              </a:rPr>
               <a:t>Tokens</a:t>
             </a:r>
             <a:r>
-              <a:rPr lang="pt-PT" sz="2800" dirty="0"/>
+              <a:rPr lang="pt-PT" sz="2800" dirty="0">
+                <a:solidFill>
+                  <a:schemeClr val="bg1"/>
+                </a:solidFill>
+              </a:rPr>
               <a:t> JWT</a:t>
             </a:r>
           </a:p>
@@ -16928,8 +22939,8 @@
         </p:nvSpPr>
         <p:spPr>
           <a:xfrm>
-            <a:off x="756000" y="4591893"/>
-            <a:ext cx="2940687" cy="504000"/>
+            <a:off x="1277492" y="4586230"/>
+            <a:ext cx="3513081" cy="523220"/>
           </a:xfrm>
           <a:prstGeom prst="rect">
             <a:avLst/>
@@ -16943,7 +22954,11 @@
           <a:lstStyle/>
           <a:p>
             <a:r>
-              <a:rPr lang="pt-PT" sz="2800" dirty="0"/>
+              <a:rPr lang="pt-PT" sz="2800" dirty="0">
+                <a:solidFill>
+                  <a:schemeClr val="bg1"/>
+                </a:solidFill>
+              </a:rPr>
               <a:t>Confirmação email</a:t>
             </a:r>
           </a:p>
@@ -16965,8 +22980,8 @@
         </p:nvSpPr>
         <p:spPr>
           <a:xfrm>
-            <a:off x="756000" y="5467521"/>
-            <a:ext cx="3096646" cy="504000"/>
+            <a:off x="1286554" y="5389436"/>
+            <a:ext cx="3096646" cy="523220"/>
           </a:xfrm>
           <a:prstGeom prst="rect">
             <a:avLst/>
@@ -16980,7 +22995,11 @@
           <a:lstStyle/>
           <a:p>
             <a:r>
-              <a:rPr lang="pt-PT" sz="2800" dirty="0"/>
+              <a:rPr lang="pt-PT" sz="2800" dirty="0">
+                <a:solidFill>
+                  <a:schemeClr val="bg1"/>
+                </a:solidFill>
+              </a:rPr>
               <a:t>Testes unitários</a:t>
             </a:r>
           </a:p>
@@ -17038,6 +23057,13 @@
       </p:transition>
     </mc:Fallback>
   </mc:AlternateContent>
+  <p:timing>
+    <p:tnLst>
+      <p:par>
+        <p:cTn id="1" dur="indefinite" restart="never" nodeType="tmRoot"/>
+      </p:par>
+    </p:tnLst>
+  </p:timing>
 </p:sld>
 </file>
 
@@ -17518,7 +23544,11 @@
           <a:p>
             <a:pPr algn="ctr"/>
             <a:r>
-              <a:rPr lang="pt-PT" sz="2800" dirty="0"/>
+              <a:rPr lang="pt-PT" sz="2800" dirty="0">
+                <a:solidFill>
+                  <a:schemeClr val="bg1"/>
+                </a:solidFill>
+              </a:rPr>
               <a:t>Perfil Utilizador</a:t>
             </a:r>
           </a:p>
@@ -17636,7 +23666,7 @@
                   <a14:useLocalDpi xmlns:a14="http://schemas.microsoft.com/office/drawing/2010/main" val="0"/>
                 </a:ext>
                 <a:ext uri="{96DAC541-7B7A-43D3-8B79-37D633B846F1}">
-                  <asvg:svgBlip xmlns:asvg="http://schemas.microsoft.com/office/drawing/2016/SVG/main" r:embed="rId6"/>
+                  <asvg:svgBlip xmlns:asvg="http://schemas.microsoft.com/office/drawing/2016/SVG/main" xmlns="" r:embed="rId6"/>
                 </a:ext>
               </a:extLst>
             </a:blip>
@@ -17853,14 +23883,26 @@
           <a:p>
             <a:pPr algn="ctr"/>
             <a:r>
-              <a:rPr lang="pt-PT" sz="2800" dirty="0"/>
+              <a:rPr lang="pt-PT" sz="2800" dirty="0">
+                <a:solidFill>
+                  <a:schemeClr val="bg1"/>
+                </a:solidFill>
+              </a:rPr>
               <a:t>Perfil </a:t>
             </a:r>
             <a:r>
-              <a:rPr lang="pt-PT" sz="2800" dirty="0" err="1"/>
+              <a:rPr lang="pt-PT" sz="2800" dirty="0" err="1">
+                <a:solidFill>
+                  <a:schemeClr val="bg1"/>
+                </a:solidFill>
+              </a:rPr>
               <a:t>Admin</a:t>
             </a:r>
-            <a:endParaRPr lang="pt-PT" sz="2800" dirty="0"/>
+            <a:endParaRPr lang="pt-PT" sz="2800" dirty="0">
+              <a:solidFill>
+                <a:schemeClr val="bg1"/>
+              </a:solidFill>
+            </a:endParaRPr>
           </a:p>
         </p:txBody>
       </p:sp>
@@ -17978,6 +24020,13 @@
       </p:transition>
     </mc:Fallback>
   </mc:AlternateContent>
+  <p:timing>
+    <p:tnLst>
+      <p:par>
+        <p:cTn id="1" dur="indefinite" restart="never" nodeType="tmRoot"/>
+      </p:par>
+    </p:tnLst>
+  </p:timing>
 </p:sld>
 </file>
 
@@ -18252,7 +24301,7 @@
                   <a14:useLocalDpi xmlns:a14="http://schemas.microsoft.com/office/drawing/2010/main" val="0"/>
                 </a:ext>
                 <a:ext uri="{96DAC541-7B7A-43D3-8B79-37D633B846F1}">
-                  <asvg:svgBlip xmlns:asvg="http://schemas.microsoft.com/office/drawing/2016/SVG/main" r:embed="rId6"/>
+                  <asvg:svgBlip xmlns:asvg="http://schemas.microsoft.com/office/drawing/2016/SVG/main" xmlns="" r:embed="rId6"/>
                 </a:ext>
               </a:extLst>
             </a:blip>
@@ -18514,8 +24563,8 @@
         </p:nvSpPr>
         <p:spPr>
           <a:xfrm>
-            <a:off x="1158270" y="3561224"/>
-            <a:ext cx="4154477" cy="954107"/>
+            <a:off x="1158270" y="3345780"/>
+            <a:ext cx="4154477" cy="1384995"/>
           </a:xfrm>
           <a:prstGeom prst="rect">
             <a:avLst/>
@@ -18529,7 +24578,11 @@
           <a:lstStyle/>
           <a:p>
             <a:r>
-              <a:rPr lang="pt-PT" sz="2800" dirty="0"/>
+              <a:rPr lang="pt-PT" sz="2800" dirty="0">
+                <a:solidFill>
+                  <a:schemeClr val="bg1"/>
+                </a:solidFill>
+              </a:rPr>
               <a:t>Direções entre dois pontos (latitude e longitude)</a:t>
             </a:r>
           </a:p>
@@ -18557,66 +24610,73 @@
       </p:transition>
     </mc:Fallback>
   </mc:AlternateContent>
+  <p:timing>
+    <p:tnLst>
+      <p:par>
+        <p:cTn id="1" dur="indefinite" restart="never" nodeType="tmRoot"/>
+      </p:par>
+    </p:tnLst>
+  </p:timing>
 </p:sld>
 </file>
 
 <file path=ppt/theme/theme1.xml><?xml version="1.0" encoding="utf-8"?>
-<a:theme xmlns:a="http://schemas.openxmlformats.org/drawingml/2006/main" name="Tema do Office">
+<a:theme xmlns:a="http://schemas.openxmlformats.org/drawingml/2006/main" name="Facet">
   <a:themeElements>
-    <a:clrScheme name="Custom 1">
+    <a:clrScheme name="Facet">
       <a:dk1>
-        <a:srgbClr val="000000"/>
+        <a:sysClr val="windowText" lastClr="000000"/>
       </a:dk1>
       <a:lt1>
-        <a:srgbClr val="FFFFFF"/>
+        <a:sysClr val="window" lastClr="FFFFFF"/>
       </a:lt1>
       <a:dk2>
-        <a:srgbClr val="2F2F2F"/>
+        <a:srgbClr val="2C3C43"/>
       </a:dk2>
       <a:lt2>
-        <a:srgbClr val="E6E6E6"/>
+        <a:srgbClr val="EBEBEB"/>
       </a:lt2>
       <a:accent1>
-        <a:srgbClr val="D83B01"/>
+        <a:srgbClr val="90C226"/>
       </a:accent1>
       <a:accent2>
-        <a:srgbClr val="2F2F2F"/>
+        <a:srgbClr val="54A021"/>
       </a:accent2>
       <a:accent3>
-        <a:srgbClr val="D2D2D2"/>
+        <a:srgbClr val="E6B91E"/>
       </a:accent3>
       <a:accent4>
-        <a:srgbClr val="E6E6E6"/>
+        <a:srgbClr val="E76618"/>
       </a:accent4>
       <a:accent5>
-        <a:srgbClr val="000000"/>
+        <a:srgbClr val="C42F1A"/>
       </a:accent5>
       <a:accent6>
-        <a:srgbClr val="D83B01"/>
+        <a:srgbClr val="918655"/>
       </a:accent6>
       <a:hlink>
-        <a:srgbClr val="D83B01"/>
+        <a:srgbClr val="99CA3C"/>
       </a:hlink>
       <a:folHlink>
-        <a:srgbClr val="D83B01"/>
+        <a:srgbClr val="B9D181"/>
       </a:folHlink>
     </a:clrScheme>
-    <a:fontScheme name="Office">
+    <a:fontScheme name="Facet">
       <a:majorFont>
-        <a:latin typeface="Calibri Light" panose="020F0302020204030204"/>
+        <a:latin typeface="Trebuchet MS" panose="020B0603020202020204"/>
         <a:ea typeface=""/>
         <a:cs typeface=""/>
-        <a:font script="Jpan" typeface="游ゴシック Light"/>
+        <a:font script="Jpan" typeface="メイリオ"/>
         <a:font script="Hang" typeface="맑은 고딕"/>
-        <a:font script="Hans" typeface="等线 Light"/>
-        <a:font script="Hant" typeface="新細明體"/>
-        <a:font script="Arab" typeface="Times New Roman"/>
-        <a:font script="Hebr" typeface="Times New Roman"/>
-        <a:font script="Thai" typeface="Angsana New"/>
+        <a:font script="Hans" typeface="方正姚体"/>
+        <a:font script="Hant" typeface="微軟正黑體"/>
+        <a:font script="Arab" typeface="Tahoma"/>
+        <a:font script="Hebr" typeface="Arial"/>
+        <a:font script="Thai" typeface="Cordia New"/>
         <a:font script="Ethi" typeface="Nyala"/>
         <a:font script="Beng" typeface="Vrinda"/>
         <a:font script="Gujr" typeface="Shruti"/>
-        <a:font script="Khmr" typeface="MoolBoran"/>
+        <a:font script="Khmr" typeface="DaunPenh"/>
         <a:font script="Knda" typeface="Tunga"/>
         <a:font script="Guru" typeface="Raavi"/>
         <a:font script="Cans" typeface="Euphemia"/>
@@ -18633,38 +24693,21 @@
         <a:font script="Laoo" typeface="DokChampa"/>
         <a:font script="Sinh" typeface="Iskoola Pota"/>
         <a:font script="Mong" typeface="Mongolian Baiti"/>
-        <a:font script="Viet" typeface="Times New Roman"/>
+        <a:font script="Viet" typeface="Tahoma"/>
         <a:font script="Uigh" typeface="Microsoft Uighur"/>
         <a:font script="Geor" typeface="Sylfaen"/>
-        <a:font script="Armn" typeface="Arial"/>
-        <a:font script="Bugi" typeface="Leelawadee UI"/>
-        <a:font script="Bopo" typeface="Microsoft JhengHei"/>
-        <a:font script="Java" typeface="Javanese Text"/>
-        <a:font script="Lisu" typeface="Segoe UI"/>
-        <a:font script="Mymr" typeface="Myanmar Text"/>
-        <a:font script="Nkoo" typeface="Ebrima"/>
-        <a:font script="Olck" typeface="Nirmala UI"/>
-        <a:font script="Osma" typeface="Ebrima"/>
-        <a:font script="Phag" typeface="Phagspa"/>
-        <a:font script="Syrn" typeface="Estrangelo Edessa"/>
-        <a:font script="Syrj" typeface="Estrangelo Edessa"/>
-        <a:font script="Syre" typeface="Estrangelo Edessa"/>
-        <a:font script="Sora" typeface="Nirmala UI"/>
-        <a:font script="Tale" typeface="Microsoft Tai Le"/>
-        <a:font script="Talu" typeface="Microsoft New Tai Lue"/>
-        <a:font script="Tfng" typeface="Ebrima"/>
       </a:majorFont>
       <a:minorFont>
-        <a:latin typeface="Calibri" panose="020F0502020204030204"/>
+        <a:latin typeface="Trebuchet MS" panose="020B0603020202020204"/>
         <a:ea typeface=""/>
         <a:cs typeface=""/>
-        <a:font script="Jpan" typeface="游ゴシック"/>
-        <a:font script="Hang" typeface="맑은 고딕"/>
-        <a:font script="Hans" typeface="等线"/>
-        <a:font script="Hant" typeface="新細明體"/>
-        <a:font script="Arab" typeface="Arial"/>
-        <a:font script="Hebr" typeface="Arial"/>
-        <a:font script="Thai" typeface="Cordia New"/>
+        <a:font script="Jpan" typeface="メイリオ"/>
+        <a:font script="Hang" typeface="HY그래픽M"/>
+        <a:font script="Hans" typeface="华文新魏"/>
+        <a:font script="Hant" typeface="微軟正黑體"/>
+        <a:font script="Arab" typeface="Tahoma"/>
+        <a:font script="Hebr" typeface="Gisha"/>
+        <a:font script="Thai" typeface="IrisUPC"/>
         <a:font script="Ethi" typeface="Nyala"/>
         <a:font script="Beng" typeface="Vrinda"/>
         <a:font script="Gujr" typeface="Shruti"/>
@@ -18688,26 +24731,9 @@
         <a:font script="Viet" typeface="Arial"/>
         <a:font script="Uigh" typeface="Microsoft Uighur"/>
         <a:font script="Geor" typeface="Sylfaen"/>
-        <a:font script="Armn" typeface="Arial"/>
-        <a:font script="Bugi" typeface="Leelawadee UI"/>
-        <a:font script="Bopo" typeface="Microsoft JhengHei"/>
-        <a:font script="Java" typeface="Javanese Text"/>
-        <a:font script="Lisu" typeface="Segoe UI"/>
-        <a:font script="Mymr" typeface="Myanmar Text"/>
-        <a:font script="Nkoo" typeface="Ebrima"/>
-        <a:font script="Olck" typeface="Nirmala UI"/>
-        <a:font script="Osma" typeface="Ebrima"/>
-        <a:font script="Phag" typeface="Phagspa"/>
-        <a:font script="Syrn" typeface="Estrangelo Edessa"/>
-        <a:font script="Syrj" typeface="Estrangelo Edessa"/>
-        <a:font script="Syre" typeface="Estrangelo Edessa"/>
-        <a:font script="Sora" typeface="Nirmala UI"/>
-        <a:font script="Tale" typeface="Microsoft Tai Le"/>
-        <a:font script="Talu" typeface="Microsoft New Tai Lue"/>
-        <a:font script="Tfng" typeface="Ebrima"/>
       </a:minorFont>
     </a:fontScheme>
-    <a:fmtScheme name="Office">
+    <a:fmtScheme name="Facet">
       <a:fillStyleLst>
         <a:solidFill>
           <a:schemeClr val="phClr"/>
@@ -18716,23 +24742,13 @@
           <a:gsLst>
             <a:gs pos="0">
               <a:schemeClr val="phClr">
+                <a:tint val="65000"/>
                 <a:lumMod val="110000"/>
-                <a:satMod val="105000"/>
-                <a:tint val="67000"/>
               </a:schemeClr>
             </a:gs>
-            <a:gs pos="50000">
+            <a:gs pos="88000">
               <a:schemeClr val="phClr">
-                <a:lumMod val="105000"/>
-                <a:satMod val="103000"/>
-                <a:tint val="73000"/>
-              </a:schemeClr>
-            </a:gs>
-            <a:gs pos="100000">
-              <a:schemeClr val="phClr">
-                <a:lumMod val="105000"/>
-                <a:satMod val="109000"/>
-                <a:tint val="81000"/>
+                <a:tint val="90000"/>
               </a:schemeClr>
             </a:gs>
           </a:gsLst>
@@ -18742,23 +24758,14 @@
           <a:gsLst>
             <a:gs pos="0">
               <a:schemeClr val="phClr">
-                <a:satMod val="103000"/>
-                <a:lumMod val="102000"/>
-                <a:tint val="94000"/>
+                <a:tint val="96000"/>
+                <a:lumMod val="100000"/>
               </a:schemeClr>
             </a:gs>
-            <a:gs pos="50000">
+            <a:gs pos="78000">
               <a:schemeClr val="phClr">
-                <a:satMod val="110000"/>
-                <a:lumMod val="100000"/>
-                <a:shade val="100000"/>
-              </a:schemeClr>
-            </a:gs>
-            <a:gs pos="100000">
-              <a:schemeClr val="phClr">
-                <a:lumMod val="99000"/>
-                <a:satMod val="120000"/>
-                <a:shade val="78000"/>
+                <a:shade val="94000"/>
+                <a:lumMod val="94000"/>
               </a:schemeClr>
             </a:gs>
           </a:gsLst>
@@ -18766,26 +24773,23 @@
         </a:gradFill>
       </a:fillStyleLst>
       <a:lnStyleLst>
-        <a:ln w="6350" cap="flat" cmpd="sng" algn="ctr">
+        <a:ln w="12700" cap="rnd" cmpd="sng" algn="ctr">
           <a:solidFill>
             <a:schemeClr val="phClr"/>
           </a:solidFill>
           <a:prstDash val="solid"/>
-          <a:miter lim="800000"/>
         </a:ln>
-        <a:ln w="12700" cap="flat" cmpd="sng" algn="ctr">
+        <a:ln w="19050" cap="rnd" cmpd="sng" algn="ctr">
           <a:solidFill>
             <a:schemeClr val="phClr"/>
           </a:solidFill>
           <a:prstDash val="solid"/>
-          <a:miter lim="800000"/>
         </a:ln>
-        <a:ln w="19050" cap="flat" cmpd="sng" algn="ctr">
+        <a:ln w="25400" cap="rnd" cmpd="sng" algn="ctr">
           <a:solidFill>
             <a:schemeClr val="phClr"/>
           </a:solidFill>
           <a:prstDash val="solid"/>
-          <a:miter lim="800000"/>
         </a:ln>
       </a:lnStyleLst>
       <a:effectStyleLst>
@@ -18793,54 +24797,72 @@
           <a:effectLst/>
         </a:effectStyle>
         <a:effectStyle>
-          <a:effectLst/>
+          <a:effectLst>
+            <a:outerShdw blurRad="38100" dist="25400" dir="5400000" rotWithShape="0">
+              <a:srgbClr val="000000">
+                <a:alpha val="35000"/>
+              </a:srgbClr>
+            </a:outerShdw>
+          </a:effectLst>
         </a:effectStyle>
         <a:effectStyle>
           <a:effectLst>
-            <a:outerShdw blurRad="57150" dist="19050" dir="5400000" algn="ctr" rotWithShape="0">
+            <a:outerShdw blurRad="50800" dist="38100" dir="5400000" rotWithShape="0">
               <a:srgbClr val="000000">
-                <a:alpha val="63000"/>
+                <a:alpha val="35000"/>
               </a:srgbClr>
             </a:outerShdw>
           </a:effectLst>
+          <a:scene3d>
+            <a:camera prst="orthographicFront">
+              <a:rot lat="0" lon="0" rev="0"/>
+            </a:camera>
+            <a:lightRig rig="threePt" dir="tl"/>
+          </a:scene3d>
+          <a:sp3d prstMaterial="plastic">
+            <a:bevelT w="0" h="0"/>
+          </a:sp3d>
         </a:effectStyle>
       </a:effectStyleLst>
       <a:bgFillStyleLst>
         <a:solidFill>
           <a:schemeClr val="phClr"/>
         </a:solidFill>
-        <a:solidFill>
-          <a:schemeClr val="phClr">
-            <a:tint val="95000"/>
-            <a:satMod val="170000"/>
-          </a:schemeClr>
-        </a:solidFill>
         <a:gradFill rotWithShape="1">
           <a:gsLst>
             <a:gs pos="0">
               <a:schemeClr val="phClr">
-                <a:tint val="93000"/>
-                <a:satMod val="150000"/>
-                <a:shade val="98000"/>
-                <a:lumMod val="102000"/>
+                <a:tint val="90000"/>
+                <a:lumMod val="104000"/>
               </a:schemeClr>
             </a:gs>
-            <a:gs pos="50000">
+            <a:gs pos="94000">
               <a:schemeClr val="phClr">
-                <a:tint val="98000"/>
-                <a:satMod val="130000"/>
-                <a:shade val="90000"/>
-                <a:lumMod val="103000"/>
+                <a:shade val="96000"/>
+                <a:lumMod val="82000"/>
+              </a:schemeClr>
+            </a:gs>
+          </a:gsLst>
+          <a:lin ang="5400000" scaled="0"/>
+        </a:gradFill>
+        <a:gradFill rotWithShape="1">
+          <a:gsLst>
+            <a:gs pos="0">
+              <a:schemeClr val="phClr">
+                <a:tint val="90000"/>
+                <a:lumMod val="110000"/>
               </a:schemeClr>
             </a:gs>
             <a:gs pos="100000">
               <a:schemeClr val="phClr">
-                <a:shade val="63000"/>
-                <a:satMod val="120000"/>
+                <a:shade val="94000"/>
+                <a:lumMod val="96000"/>
               </a:schemeClr>
             </a:gs>
           </a:gsLst>
-          <a:lin ang="5400000" scaled="0"/>
+          <a:path path="circle">
+            <a:fillToRect l="50000" t="50000" r="100000" b="100000"/>
+          </a:path>
         </a:gradFill>
       </a:bgFillStyleLst>
     </a:fmtScheme>
@@ -18849,7 +24871,7 @@
   <a:extraClrSchemeLst/>
   <a:extLst>
     <a:ext uri="{05A4C25C-085E-4340-85A3-A5531E510DB2}">
-      <thm15:themeFamily xmlns:thm15="http://schemas.microsoft.com/office/thememl/2012/main" name="Office_50398997_TF16401884_Win32" id="{F203E590-3337-4602-9C7E-B6296CD8790C}" vid="{C689F0ED-7498-4A05-A408-8F1C69EC8220}"/>
+      <thm15:themeFamily xmlns:thm15="http://schemas.microsoft.com/office/thememl/2012/main" name="Facet" id="{C0C680CD-088A-49FC-A102-D699147F32B2}" vid="{CFBC31BA-B70F-4F30-BCAA-4F3011E16C4D}"/>
     </a:ext>
   </a:extLst>
 </a:theme>
@@ -19446,14 +25468,6 @@
 </file>
 
 <file path=customXml/item1.xml><?xml version="1.0" encoding="utf-8"?>
-<p:properties xmlns:p="http://schemas.microsoft.com/office/2006/metadata/properties" xmlns:xsi="http://www.w3.org/2001/XMLSchema-instance" xmlns:pc="http://schemas.microsoft.com/office/infopath/2007/PartnerControls">
-  <documentManagement>
-    <MediaServiceKeyPoints xmlns="71af3243-3dd4-4a8d-8c0d-dd76da1f02a5" xsi:nil="true"/>
-  </documentManagement>
-</p:properties>
-</file>
-
-<file path=customXml/item2.xml><?xml version="1.0" encoding="utf-8"?>
 <ct:contentTypeSchema xmlns:ct="http://schemas.microsoft.com/office/2006/metadata/contentType" xmlns:ma="http://schemas.microsoft.com/office/2006/metadata/properties/metaAttributes" ct:_="" ma:_="" ma:contentTypeName="Document" ma:contentTypeID="0x01010079F111ED35F8CC479449609E8A0923A6" ma:contentTypeVersion="11" ma:contentTypeDescription="Create a new document." ma:contentTypeScope="" ma:versionID="96291512c1ee715ab617f4c07df79fc1">
   <xsd:schema xmlns:xsd="http://www.w3.org/2001/XMLSchema" xmlns:xs="http://www.w3.org/2001/XMLSchema" xmlns:p="http://schemas.microsoft.com/office/2006/metadata/properties" xmlns:ns2="71af3243-3dd4-4a8d-8c0d-dd76da1f02a5" xmlns:ns3="16c05727-aa75-4e4a-9b5f-8a80a1165891" targetNamespace="http://schemas.microsoft.com/office/2006/metadata/properties" ma:root="true" ma:fieldsID="8256c27c40ca5c40ce1cf6c44f0205df" ns2:_="" ns3:_="">
     <xsd:import namespace="71af3243-3dd4-4a8d-8c0d-dd76da1f02a5"/>
@@ -19664,6 +25678,14 @@
 </ct:contentTypeSchema>
 </file>
 
+<file path=customXml/item2.xml><?xml version="1.0" encoding="utf-8"?>
+<p:properties xmlns:p="http://schemas.microsoft.com/office/2006/metadata/properties" xmlns:xsi="http://www.w3.org/2001/XMLSchema-instance" xmlns:pc="http://schemas.microsoft.com/office/infopath/2007/PartnerControls">
+  <documentManagement>
+    <MediaServiceKeyPoints xmlns="71af3243-3dd4-4a8d-8c0d-dd76da1f02a5" xsi:nil="true"/>
+  </documentManagement>
+</p:properties>
+</file>
+
 <file path=customXml/item3.xml><?xml version="1.0" encoding="utf-8"?>
 <?mso-contentType ?>
 <FormTemplates xmlns="http://schemas.microsoft.com/sharepoint/v3/contenttype/forms">
@@ -19674,16 +25696,6 @@
 </file>
 
 <file path=customXml/itemProps1.xml><?xml version="1.0" encoding="utf-8"?>
-<ds:datastoreItem xmlns:ds="http://schemas.openxmlformats.org/officeDocument/2006/customXml" ds:itemID="{2AC98A6E-22EC-4DD4-9EEB-7896057C12A3}">
-  <ds:schemaRefs>
-    <ds:schemaRef ds:uri="http://schemas.microsoft.com/office/2006/metadata/properties"/>
-    <ds:schemaRef ds:uri="http://schemas.microsoft.com/office/infopath/2007/PartnerControls"/>
-    <ds:schemaRef ds:uri="71af3243-3dd4-4a8d-8c0d-dd76da1f02a5"/>
-  </ds:schemaRefs>
-</ds:datastoreItem>
-</file>
-
-<file path=customXml/itemProps2.xml><?xml version="1.0" encoding="utf-8"?>
 <ds:datastoreItem xmlns:ds="http://schemas.openxmlformats.org/officeDocument/2006/customXml" ds:itemID="{D3510E7F-70F5-4475-850F-7F9C0A821B3E}">
   <ds:schemaRefs>
     <ds:schemaRef ds:uri="http://schemas.microsoft.com/office/2006/metadata/contentType"/>
@@ -19702,6 +25714,23 @@
 </ds:datastoreItem>
 </file>
 
+<file path=customXml/itemProps2.xml><?xml version="1.0" encoding="utf-8"?>
+<ds:datastoreItem xmlns:ds="http://schemas.openxmlformats.org/officeDocument/2006/customXml" ds:itemID="{2AC98A6E-22EC-4DD4-9EEB-7896057C12A3}">
+  <ds:schemaRefs>
+    <ds:schemaRef ds:uri="http://purl.org/dc/dcmitype/"/>
+    <ds:schemaRef ds:uri="http://schemas.microsoft.com/office/2006/documentManagement/types"/>
+    <ds:schemaRef ds:uri="http://purl.org/dc/elements/1.1/"/>
+    <ds:schemaRef ds:uri="http://schemas.microsoft.com/office/2006/metadata/properties"/>
+    <ds:schemaRef ds:uri="71af3243-3dd4-4a8d-8c0d-dd76da1f02a5"/>
+    <ds:schemaRef ds:uri="16c05727-aa75-4e4a-9b5f-8a80a1165891"/>
+    <ds:schemaRef ds:uri="http://www.w3.org/XML/1998/namespace"/>
+    <ds:schemaRef ds:uri="http://schemas.microsoft.com/office/infopath/2007/PartnerControls"/>
+    <ds:schemaRef ds:uri="http://schemas.openxmlformats.org/package/2006/metadata/core-properties"/>
+    <ds:schemaRef ds:uri="http://purl.org/dc/terms/"/>
+  </ds:schemaRefs>
+</ds:datastoreItem>
+</file>
+
 <file path=customXml/itemProps3.xml><?xml version="1.0" encoding="utf-8"?>
 <ds:datastoreItem xmlns:ds="http://schemas.openxmlformats.org/officeDocument/2006/customXml" ds:itemID="{CBCEF3AB-10D4-49E3-B75C-776D60141D78}">
   <ds:schemaRefs>
